--- a/NBA Stat Anaylsis.pptx
+++ b/NBA Stat Anaylsis.pptx
@@ -12,6 +12,8 @@
     <p:sldId id="259" r:id="rId6"/>
     <p:sldId id="260" r:id="rId7"/>
     <p:sldId id="262" r:id="rId8"/>
+    <p:sldId id="263" r:id="rId9"/>
+    <p:sldId id="264" r:id="rId10"/>
   </p:sldIdLst>
   <p:sldSz cx="12192000" cy="6858000"/>
   <p:notesSz cx="6858000" cy="9144000"/>
@@ -1820,30 +1822,14 @@
 </file>
 
 <file path=ppt/diagrams/colors3.xml><?xml version="1.0" encoding="utf-8"?>
-<dgm:colorsDef xmlns:dgm="http://schemas.openxmlformats.org/drawingml/2006/diagram" xmlns:a="http://schemas.openxmlformats.org/drawingml/2006/main" uniqueId="urn:microsoft.com/office/officeart/2005/8/colors/colorful1">
+<dgm:colorsDef xmlns:dgm="http://schemas.openxmlformats.org/drawingml/2006/diagram" xmlns:a="http://schemas.openxmlformats.org/drawingml/2006/main" uniqueId="urn:microsoft.com/office/officeart/2005/8/colors/accent6_2">
   <dgm:title val=""/>
   <dgm:desc val=""/>
   <dgm:catLst>
-    <dgm:cat type="colorful" pri="10100"/>
+    <dgm:cat type="accent6" pri="11200"/>
   </dgm:catLst>
   <dgm:styleLbl name="node0">
     <dgm:fillClrLst meth="repeat">
-      <a:schemeClr val="accent1"/>
-    </dgm:fillClrLst>
-    <dgm:linClrLst meth="repeat">
-      <a:schemeClr val="lt1"/>
-    </dgm:linClrLst>
-    <dgm:effectClrLst/>
-    <dgm:txLinClrLst/>
-    <dgm:txFillClrLst/>
-    <dgm:txEffectClrLst/>
-  </dgm:styleLbl>
-  <dgm:styleLbl name="node1">
-    <dgm:fillClrLst meth="repeat">
-      <a:schemeClr val="accent2"/>
-      <a:schemeClr val="accent3"/>
-      <a:schemeClr val="accent4"/>
-      <a:schemeClr val="accent5"/>
       <a:schemeClr val="accent6"/>
     </dgm:fillClrLst>
     <dgm:linClrLst meth="repeat">
@@ -1854,32 +1840,8 @@
     <dgm:txFillClrLst/>
     <dgm:txEffectClrLst/>
   </dgm:styleLbl>
-  <dgm:styleLbl name="alignNode1">
+  <dgm:styleLbl name="node1">
     <dgm:fillClrLst meth="repeat">
-      <a:schemeClr val="accent2"/>
-      <a:schemeClr val="accent3"/>
-      <a:schemeClr val="accent4"/>
-      <a:schemeClr val="accent5"/>
-      <a:schemeClr val="accent6"/>
-    </dgm:fillClrLst>
-    <dgm:linClrLst meth="repeat">
-      <a:schemeClr val="accent2"/>
-      <a:schemeClr val="accent3"/>
-      <a:schemeClr val="accent4"/>
-      <a:schemeClr val="accent5"/>
-      <a:schemeClr val="accent6"/>
-    </dgm:linClrLst>
-    <dgm:effectClrLst/>
-    <dgm:txLinClrLst/>
-    <dgm:txFillClrLst/>
-    <dgm:txEffectClrLst/>
-  </dgm:styleLbl>
-  <dgm:styleLbl name="lnNode1">
-    <dgm:fillClrLst meth="repeat">
-      <a:schemeClr val="accent2"/>
-      <a:schemeClr val="accent3"/>
-      <a:schemeClr val="accent4"/>
-      <a:schemeClr val="accent5"/>
       <a:schemeClr val="accent6"/>
     </dgm:fillClrLst>
     <dgm:linClrLst meth="repeat">
@@ -1890,20 +1852,32 @@
     <dgm:txFillClrLst/>
     <dgm:txEffectClrLst/>
   </dgm:styleLbl>
+  <dgm:styleLbl name="alignNode1">
+    <dgm:fillClrLst meth="repeat">
+      <a:schemeClr val="accent6"/>
+    </dgm:fillClrLst>
+    <dgm:linClrLst meth="repeat">
+      <a:schemeClr val="accent6"/>
+    </dgm:linClrLst>
+    <dgm:effectClrLst/>
+    <dgm:txLinClrLst/>
+    <dgm:txFillClrLst/>
+    <dgm:txEffectClrLst/>
+  </dgm:styleLbl>
+  <dgm:styleLbl name="lnNode1">
+    <dgm:fillClrLst meth="repeat">
+      <a:schemeClr val="accent6"/>
+    </dgm:fillClrLst>
+    <dgm:linClrLst meth="repeat">
+      <a:schemeClr val="lt1"/>
+    </dgm:linClrLst>
+    <dgm:effectClrLst/>
+    <dgm:txLinClrLst/>
+    <dgm:txFillClrLst/>
+    <dgm:txEffectClrLst/>
+  </dgm:styleLbl>
   <dgm:styleLbl name="vennNode1">
     <dgm:fillClrLst meth="repeat">
-      <a:schemeClr val="accent2">
-        <a:alpha val="50000"/>
-      </a:schemeClr>
-      <a:schemeClr val="accent3">
-        <a:alpha val="50000"/>
-      </a:schemeClr>
-      <a:schemeClr val="accent4">
-        <a:alpha val="50000"/>
-      </a:schemeClr>
-      <a:schemeClr val="accent5">
-        <a:alpha val="50000"/>
-      </a:schemeClr>
       <a:schemeClr val="accent6">
         <a:alpha val="50000"/>
       </a:schemeClr>
@@ -1917,8 +1891,8 @@
     <dgm:txEffectClrLst/>
   </dgm:styleLbl>
   <dgm:styleLbl name="node2">
-    <dgm:fillClrLst>
-      <a:schemeClr val="accent2"/>
+    <dgm:fillClrLst meth="repeat">
+      <a:schemeClr val="accent6"/>
     </dgm:fillClrLst>
     <dgm:linClrLst meth="repeat">
       <a:schemeClr val="lt1"/>
@@ -1929,8 +1903,8 @@
     <dgm:txEffectClrLst/>
   </dgm:styleLbl>
   <dgm:styleLbl name="node3">
-    <dgm:fillClrLst>
-      <a:schemeClr val="accent3"/>
+    <dgm:fillClrLst meth="repeat">
+      <a:schemeClr val="accent6"/>
     </dgm:fillClrLst>
     <dgm:linClrLst meth="repeat">
       <a:schemeClr val="lt1"/>
@@ -1941,8 +1915,8 @@
     <dgm:txEffectClrLst/>
   </dgm:styleLbl>
   <dgm:styleLbl name="node4">
-    <dgm:fillClrLst>
-      <a:schemeClr val="accent4"/>
+    <dgm:fillClrLst meth="repeat">
+      <a:schemeClr val="accent6"/>
     </dgm:fillClrLst>
     <dgm:linClrLst meth="repeat">
       <a:schemeClr val="lt1"/>
@@ -1954,18 +1928,6 @@
   </dgm:styleLbl>
   <dgm:styleLbl name="fgImgPlace1">
     <dgm:fillClrLst meth="repeat">
-      <a:schemeClr val="accent2">
-        <a:tint val="50000"/>
-      </a:schemeClr>
-      <a:schemeClr val="accent3">
-        <a:tint val="50000"/>
-      </a:schemeClr>
-      <a:schemeClr val="accent4">
-        <a:tint val="50000"/>
-      </a:schemeClr>
-      <a:schemeClr val="accent5">
-        <a:tint val="50000"/>
-      </a:schemeClr>
       <a:schemeClr val="accent6">
         <a:tint val="50000"/>
       </a:schemeClr>
@@ -1981,12 +1943,9 @@
     <dgm:txEffectClrLst/>
   </dgm:styleLbl>
   <dgm:styleLbl name="alignImgPlace1">
-    <dgm:fillClrLst>
-      <a:schemeClr val="accent1">
+    <dgm:fillClrLst meth="repeat">
+      <a:schemeClr val="accent6">
         <a:tint val="50000"/>
-      </a:schemeClr>
-      <a:schemeClr val="accent2">
-        <a:tint val="20000"/>
       </a:schemeClr>
     </dgm:fillClrLst>
     <dgm:linClrLst meth="repeat">
@@ -2000,12 +1959,9 @@
     <dgm:txEffectClrLst/>
   </dgm:styleLbl>
   <dgm:styleLbl name="bgImgPlace1">
-    <dgm:fillClrLst>
-      <a:schemeClr val="accent1">
+    <dgm:fillClrLst meth="repeat">
+      <a:schemeClr val="accent6">
         <a:tint val="50000"/>
-      </a:schemeClr>
-      <a:schemeClr val="accent2">
-        <a:tint val="20000"/>
       </a:schemeClr>
     </dgm:fillClrLst>
     <dgm:linClrLst meth="repeat">
@@ -2020,14 +1976,14 @@
   </dgm:styleLbl>
   <dgm:styleLbl name="sibTrans2D1">
     <dgm:fillClrLst meth="repeat">
-      <a:schemeClr val="accent2"/>
-      <a:schemeClr val="accent3"/>
-      <a:schemeClr val="accent4"/>
-      <a:schemeClr val="accent5"/>
-      <a:schemeClr val="accent6"/>
+      <a:schemeClr val="accent6">
+        <a:tint val="60000"/>
+      </a:schemeClr>
     </dgm:fillClrLst>
-    <dgm:linClrLst meth="cycle">
-      <a:schemeClr val="lt1"/>
+    <dgm:linClrLst meth="repeat">
+      <a:schemeClr val="accent6">
+        <a:tint val="60000"/>
+      </a:schemeClr>
     </dgm:linClrLst>
     <dgm:effectClrLst/>
     <dgm:txLinClrLst/>
@@ -2036,53 +1992,41 @@
   </dgm:styleLbl>
   <dgm:styleLbl name="fgSibTrans2D1">
     <dgm:fillClrLst meth="repeat">
-      <a:schemeClr val="accent2"/>
-      <a:schemeClr val="accent3"/>
-      <a:schemeClr val="accent4"/>
-      <a:schemeClr val="accent5"/>
-      <a:schemeClr val="accent6"/>
+      <a:schemeClr val="accent6">
+        <a:tint val="60000"/>
+      </a:schemeClr>
     </dgm:fillClrLst>
-    <dgm:linClrLst meth="cycle">
-      <a:schemeClr val="lt1"/>
+    <dgm:linClrLst meth="repeat">
+      <a:schemeClr val="accent6">
+        <a:tint val="60000"/>
+      </a:schemeClr>
     </dgm:linClrLst>
     <dgm:effectClrLst/>
     <dgm:txLinClrLst/>
-    <dgm:txFillClrLst meth="repeat">
-      <a:schemeClr val="lt1"/>
-    </dgm:txFillClrLst>
+    <dgm:txFillClrLst/>
     <dgm:txEffectClrLst/>
   </dgm:styleLbl>
   <dgm:styleLbl name="bgSibTrans2D1">
     <dgm:fillClrLst meth="repeat">
-      <a:schemeClr val="accent2"/>
-      <a:schemeClr val="accent3"/>
-      <a:schemeClr val="accent4"/>
-      <a:schemeClr val="accent5"/>
-      <a:schemeClr val="accent6"/>
+      <a:schemeClr val="accent6">
+        <a:tint val="60000"/>
+      </a:schemeClr>
     </dgm:fillClrLst>
-    <dgm:linClrLst meth="cycle">
-      <a:schemeClr val="lt1"/>
+    <dgm:linClrLst meth="repeat">
+      <a:schemeClr val="accent6">
+        <a:tint val="60000"/>
+      </a:schemeClr>
     </dgm:linClrLst>
     <dgm:effectClrLst/>
     <dgm:txLinClrLst/>
-    <dgm:txFillClrLst meth="repeat">
-      <a:schemeClr val="lt1"/>
-    </dgm:txFillClrLst>
+    <dgm:txFillClrLst/>
     <dgm:txEffectClrLst/>
   </dgm:styleLbl>
   <dgm:styleLbl name="sibTrans1D1">
     <dgm:fillClrLst meth="repeat">
-      <a:schemeClr val="accent2"/>
-      <a:schemeClr val="accent3"/>
-      <a:schemeClr val="accent4"/>
-      <a:schemeClr val="accent5"/>
       <a:schemeClr val="accent6"/>
     </dgm:fillClrLst>
     <dgm:linClrLst meth="repeat">
-      <a:schemeClr val="accent2"/>
-      <a:schemeClr val="accent3"/>
-      <a:schemeClr val="accent4"/>
-      <a:schemeClr val="accent5"/>
       <a:schemeClr val="accent6"/>
     </dgm:linClrLst>
     <dgm:effectClrLst/>
@@ -2094,10 +2038,10 @@
   </dgm:styleLbl>
   <dgm:styleLbl name="callout">
     <dgm:fillClrLst meth="repeat">
-      <a:schemeClr val="accent2"/>
+      <a:schemeClr val="accent6"/>
     </dgm:fillClrLst>
     <dgm:linClrLst meth="repeat">
-      <a:schemeClr val="accent2">
+      <a:schemeClr val="accent6">
         <a:tint val="50000"/>
       </a:schemeClr>
     </dgm:linClrLst>
@@ -2110,7 +2054,7 @@
   </dgm:styleLbl>
   <dgm:styleLbl name="asst0">
     <dgm:fillClrLst meth="repeat">
-      <a:schemeClr val="accent1"/>
+      <a:schemeClr val="accent6"/>
     </dgm:fillClrLst>
     <dgm:linClrLst meth="repeat">
       <a:schemeClr val="lt1"/>
@@ -2122,7 +2066,7 @@
   </dgm:styleLbl>
   <dgm:styleLbl name="asst1">
     <dgm:fillClrLst meth="repeat">
-      <a:schemeClr val="accent2"/>
+      <a:schemeClr val="accent6"/>
     </dgm:fillClrLst>
     <dgm:linClrLst meth="repeat">
       <a:schemeClr val="lt1"/>
@@ -2133,8 +2077,8 @@
     <dgm:txEffectClrLst/>
   </dgm:styleLbl>
   <dgm:styleLbl name="asst2">
-    <dgm:fillClrLst>
-      <a:schemeClr val="accent3"/>
+    <dgm:fillClrLst meth="repeat">
+      <a:schemeClr val="accent6"/>
     </dgm:fillClrLst>
     <dgm:linClrLst meth="repeat">
       <a:schemeClr val="lt1"/>
@@ -2145,8 +2089,8 @@
     <dgm:txEffectClrLst/>
   </dgm:styleLbl>
   <dgm:styleLbl name="asst3">
-    <dgm:fillClrLst>
-      <a:schemeClr val="accent4"/>
+    <dgm:fillClrLst meth="repeat">
+      <a:schemeClr val="accent6"/>
     </dgm:fillClrLst>
     <dgm:linClrLst meth="repeat">
       <a:schemeClr val="lt1"/>
@@ -2157,8 +2101,8 @@
     <dgm:txEffectClrLst/>
   </dgm:styleLbl>
   <dgm:styleLbl name="asst4">
-    <dgm:fillClrLst>
-      <a:schemeClr val="accent5"/>
+    <dgm:fillClrLst meth="repeat">
+      <a:schemeClr val="accent6"/>
     </dgm:fillClrLst>
     <dgm:linClrLst meth="repeat">
       <a:schemeClr val="lt1"/>
@@ -2170,10 +2114,14 @@
   </dgm:styleLbl>
   <dgm:styleLbl name="parChTrans2D1">
     <dgm:fillClrLst meth="repeat">
-      <a:schemeClr val="accent2"/>
+      <a:schemeClr val="accent6">
+        <a:tint val="60000"/>
+      </a:schemeClr>
     </dgm:fillClrLst>
     <dgm:linClrLst meth="repeat">
-      <a:schemeClr val="lt1"/>
+      <a:schemeClr val="accent6">
+        <a:tint val="60000"/>
+      </a:schemeClr>
     </dgm:linClrLst>
     <dgm:effectClrLst/>
     <dgm:txLinClrLst/>
@@ -2184,34 +2132,10 @@
   </dgm:styleLbl>
   <dgm:styleLbl name="parChTrans2D2">
     <dgm:fillClrLst meth="repeat">
-      <a:schemeClr val="accent3"/>
+      <a:schemeClr val="accent6"/>
     </dgm:fillClrLst>
     <dgm:linClrLst meth="repeat">
-      <a:schemeClr val="lt1"/>
-    </dgm:linClrLst>
-    <dgm:effectClrLst/>
-    <dgm:txLinClrLst/>
-    <dgm:txFillClrLst/>
-    <dgm:txEffectClrLst/>
-  </dgm:styleLbl>
-  <dgm:styleLbl name="parChTrans2D3">
-    <dgm:fillClrLst meth="repeat">
-      <a:schemeClr val="accent4"/>
-    </dgm:fillClrLst>
-    <dgm:linClrLst meth="repeat">
-      <a:schemeClr val="lt1"/>
-    </dgm:linClrLst>
-    <dgm:effectClrLst/>
-    <dgm:txLinClrLst/>
-    <dgm:txFillClrLst/>
-    <dgm:txEffectClrLst/>
-  </dgm:styleLbl>
-  <dgm:styleLbl name="parChTrans2D4">
-    <dgm:fillClrLst meth="repeat">
-      <a:schemeClr val="accent5"/>
-    </dgm:fillClrLst>
-    <dgm:linClrLst meth="repeat">
-      <a:schemeClr val="lt1"/>
+      <a:schemeClr val="accent6"/>
     </dgm:linClrLst>
     <dgm:effectClrLst/>
     <dgm:txLinClrLst/>
@@ -2220,12 +2144,42 @@
     </dgm:txFillClrLst>
     <dgm:txEffectClrLst/>
   </dgm:styleLbl>
+  <dgm:styleLbl name="parChTrans2D3">
+    <dgm:fillClrLst meth="repeat">
+      <a:schemeClr val="accent6"/>
+    </dgm:fillClrLst>
+    <dgm:linClrLst meth="repeat">
+      <a:schemeClr val="accent6"/>
+    </dgm:linClrLst>
+    <dgm:effectClrLst/>
+    <dgm:txLinClrLst/>
+    <dgm:txFillClrLst meth="repeat">
+      <a:schemeClr val="lt1"/>
+    </dgm:txFillClrLst>
+    <dgm:txEffectClrLst/>
+  </dgm:styleLbl>
+  <dgm:styleLbl name="parChTrans2D4">
+    <dgm:fillClrLst meth="repeat">
+      <a:schemeClr val="accent6"/>
+    </dgm:fillClrLst>
+    <dgm:linClrLst meth="repeat">
+      <a:schemeClr val="accent6"/>
+    </dgm:linClrLst>
+    <dgm:effectClrLst/>
+    <dgm:txLinClrLst/>
+    <dgm:txFillClrLst meth="repeat">
+      <a:schemeClr val="lt1"/>
+    </dgm:txFillClrLst>
+    <dgm:txEffectClrLst/>
+  </dgm:styleLbl>
   <dgm:styleLbl name="parChTrans1D1">
     <dgm:fillClrLst meth="repeat">
-      <a:schemeClr val="accent2"/>
+      <a:schemeClr val="accent6"/>
     </dgm:fillClrLst>
     <dgm:linClrLst meth="repeat">
-      <a:schemeClr val="accent1"/>
+      <a:schemeClr val="accent6">
+        <a:shade val="60000"/>
+      </a:schemeClr>
     </dgm:linClrLst>
     <dgm:effectClrLst/>
     <dgm:txLinClrLst/>
@@ -2236,12 +2190,12 @@
   </dgm:styleLbl>
   <dgm:styleLbl name="parChTrans1D2">
     <dgm:fillClrLst meth="repeat">
-      <a:schemeClr val="accent3">
-        <a:tint val="90000"/>
-      </a:schemeClr>
+      <a:schemeClr val="accent6"/>
     </dgm:fillClrLst>
     <dgm:linClrLst meth="repeat">
-      <a:schemeClr val="accent2"/>
+      <a:schemeClr val="accent6">
+        <a:shade val="60000"/>
+      </a:schemeClr>
     </dgm:linClrLst>
     <dgm:effectClrLst/>
     <dgm:txLinClrLst/>
@@ -2252,12 +2206,12 @@
   </dgm:styleLbl>
   <dgm:styleLbl name="parChTrans1D3">
     <dgm:fillClrLst meth="repeat">
-      <a:schemeClr val="accent4">
-        <a:tint val="70000"/>
-      </a:schemeClr>
+      <a:schemeClr val="accent6"/>
     </dgm:fillClrLst>
     <dgm:linClrLst meth="repeat">
-      <a:schemeClr val="accent3"/>
+      <a:schemeClr val="accent6">
+        <a:shade val="80000"/>
+      </a:schemeClr>
     </dgm:linClrLst>
     <dgm:effectClrLst/>
     <dgm:txLinClrLst/>
@@ -2268,12 +2222,12 @@
   </dgm:styleLbl>
   <dgm:styleLbl name="parChTrans1D4">
     <dgm:fillClrLst meth="repeat">
-      <a:schemeClr val="accent5">
-        <a:tint val="50000"/>
-      </a:schemeClr>
+      <a:schemeClr val="accent6"/>
     </dgm:fillClrLst>
     <dgm:linClrLst meth="repeat">
-      <a:schemeClr val="accent4"/>
+      <a:schemeClr val="accent6">
+        <a:shade val="80000"/>
+      </a:schemeClr>
     </dgm:linClrLst>
     <dgm:effectClrLst/>
     <dgm:txLinClrLst/>
@@ -2289,10 +2243,6 @@
       </a:schemeClr>
     </dgm:fillClrLst>
     <dgm:linClrLst meth="repeat">
-      <a:schemeClr val="accent2"/>
-      <a:schemeClr val="accent3"/>
-      <a:schemeClr val="accent4"/>
-      <a:schemeClr val="accent5"/>
       <a:schemeClr val="accent6"/>
     </dgm:linClrLst>
     <dgm:effectClrLst/>
@@ -2309,10 +2259,6 @@
       </a:schemeClr>
     </dgm:fillClrLst>
     <dgm:linClrLst meth="repeat">
-      <a:schemeClr val="accent2"/>
-      <a:schemeClr val="accent3"/>
-      <a:schemeClr val="accent4"/>
-      <a:schemeClr val="accent5"/>
       <a:schemeClr val="accent6"/>
     </dgm:linClrLst>
     <dgm:effectClrLst/>
@@ -2329,10 +2275,6 @@
       </a:schemeClr>
     </dgm:fillClrLst>
     <dgm:linClrLst meth="repeat">
-      <a:schemeClr val="accent2"/>
-      <a:schemeClr val="accent3"/>
-      <a:schemeClr val="accent4"/>
-      <a:schemeClr val="accent5"/>
       <a:schemeClr val="accent6"/>
     </dgm:linClrLst>
     <dgm:effectClrLst/>
@@ -2349,26 +2291,6 @@
       </a:schemeClr>
     </dgm:fillClrLst>
     <dgm:linClrLst meth="repeat">
-      <a:schemeClr val="accent1"/>
-    </dgm:linClrLst>
-    <dgm:effectClrLst/>
-    <dgm:txLinClrLst/>
-    <dgm:txFillClrLst meth="repeat">
-      <a:schemeClr val="dk1"/>
-    </dgm:txFillClrLst>
-    <dgm:txEffectClrLst/>
-  </dgm:styleLbl>
-  <dgm:styleLbl name="bgAcc1">
-    <dgm:fillClrLst meth="repeat">
-      <a:schemeClr val="lt1">
-        <a:alpha val="90000"/>
-      </a:schemeClr>
-    </dgm:fillClrLst>
-    <dgm:linClrLst meth="repeat">
-      <a:schemeClr val="accent2"/>
-      <a:schemeClr val="accent3"/>
-      <a:schemeClr val="accent4"/>
-      <a:schemeClr val="accent5"/>
       <a:schemeClr val="accent6"/>
     </dgm:linClrLst>
     <dgm:effectClrLst/>
@@ -2378,15 +2300,13 @@
     </dgm:txFillClrLst>
     <dgm:txEffectClrLst/>
   </dgm:styleLbl>
-  <dgm:styleLbl name="solidFgAcc1">
+  <dgm:styleLbl name="bgAcc1">
     <dgm:fillClrLst meth="repeat">
-      <a:schemeClr val="lt1"/>
+      <a:schemeClr val="lt1">
+        <a:alpha val="90000"/>
+      </a:schemeClr>
     </dgm:fillClrLst>
     <dgm:linClrLst meth="repeat">
-      <a:schemeClr val="accent2"/>
-      <a:schemeClr val="accent3"/>
-      <a:schemeClr val="accent4"/>
-      <a:schemeClr val="accent5"/>
       <a:schemeClr val="accent6"/>
     </dgm:linClrLst>
     <dgm:effectClrLst/>
@@ -2396,15 +2316,11 @@
     </dgm:txFillClrLst>
     <dgm:txEffectClrLst/>
   </dgm:styleLbl>
-  <dgm:styleLbl name="solidAlignAcc1">
+  <dgm:styleLbl name="solidFgAcc1">
     <dgm:fillClrLst meth="repeat">
       <a:schemeClr val="lt1"/>
     </dgm:fillClrLst>
     <dgm:linClrLst meth="repeat">
-      <a:schemeClr val="accent2"/>
-      <a:schemeClr val="accent3"/>
-      <a:schemeClr val="accent4"/>
-      <a:schemeClr val="accent5"/>
       <a:schemeClr val="accent6"/>
     </dgm:linClrLst>
     <dgm:effectClrLst/>
@@ -2414,15 +2330,11 @@
     </dgm:txFillClrLst>
     <dgm:txEffectClrLst/>
   </dgm:styleLbl>
-  <dgm:styleLbl name="solidBgAcc1">
+  <dgm:styleLbl name="solidAlignAcc1">
     <dgm:fillClrLst meth="repeat">
       <a:schemeClr val="lt1"/>
     </dgm:fillClrLst>
     <dgm:linClrLst meth="repeat">
-      <a:schemeClr val="accent2"/>
-      <a:schemeClr val="accent3"/>
-      <a:schemeClr val="accent4"/>
-      <a:schemeClr val="accent5"/>
       <a:schemeClr val="accent6"/>
     </dgm:linClrLst>
     <dgm:effectClrLst/>
@@ -2432,49 +2344,31 @@
     </dgm:txFillClrLst>
     <dgm:txEffectClrLst/>
   </dgm:styleLbl>
+  <dgm:styleLbl name="solidBgAcc1">
+    <dgm:fillClrLst meth="repeat">
+      <a:schemeClr val="lt1"/>
+    </dgm:fillClrLst>
+    <dgm:linClrLst meth="repeat">
+      <a:schemeClr val="accent6"/>
+    </dgm:linClrLst>
+    <dgm:effectClrLst/>
+    <dgm:txLinClrLst/>
+    <dgm:txFillClrLst meth="repeat">
+      <a:schemeClr val="dk1"/>
+    </dgm:txFillClrLst>
+    <dgm:txEffectClrLst/>
+  </dgm:styleLbl>
   <dgm:styleLbl name="fgAccFollowNode1">
     <dgm:fillClrLst meth="repeat">
-      <a:schemeClr val="accent2">
+      <a:schemeClr val="accent6">
+        <a:alpha val="90000"/>
         <a:tint val="40000"/>
-        <a:alpha val="90000"/>
-      </a:schemeClr>
-      <a:schemeClr val="accent3">
-        <a:tint val="40000"/>
-        <a:alpha val="90000"/>
-      </a:schemeClr>
-      <a:schemeClr val="accent4">
-        <a:tint val="40000"/>
-        <a:alpha val="90000"/>
-      </a:schemeClr>
-      <a:schemeClr val="accent5">
-        <a:tint val="40000"/>
-        <a:alpha val="90000"/>
-      </a:schemeClr>
-      <a:schemeClr val="accent6">
-        <a:tint val="40000"/>
-        <a:alpha val="90000"/>
       </a:schemeClr>
     </dgm:fillClrLst>
     <dgm:linClrLst meth="repeat">
-      <a:schemeClr val="accent2">
+      <a:schemeClr val="accent6">
+        <a:alpha val="90000"/>
         <a:tint val="40000"/>
-        <a:alpha val="90000"/>
-      </a:schemeClr>
-      <a:schemeClr val="accent3">
-        <a:tint val="40000"/>
-        <a:alpha val="90000"/>
-      </a:schemeClr>
-      <a:schemeClr val="accent4">
-        <a:tint val="40000"/>
-        <a:alpha val="90000"/>
-      </a:schemeClr>
-      <a:schemeClr val="accent5">
-        <a:tint val="40000"/>
-        <a:alpha val="90000"/>
-      </a:schemeClr>
-      <a:schemeClr val="accent6">
-        <a:tint val="40000"/>
-        <a:alpha val="90000"/>
       </a:schemeClr>
     </dgm:linClrLst>
     <dgm:effectClrLst/>
@@ -2486,47 +2380,15 @@
   </dgm:styleLbl>
   <dgm:styleLbl name="alignAccFollowNode1">
     <dgm:fillClrLst meth="repeat">
-      <a:schemeClr val="accent2">
+      <a:schemeClr val="accent6">
+        <a:alpha val="90000"/>
         <a:tint val="40000"/>
-        <a:alpha val="90000"/>
-      </a:schemeClr>
-      <a:schemeClr val="accent3">
-        <a:tint val="40000"/>
-        <a:alpha val="90000"/>
-      </a:schemeClr>
-      <a:schemeClr val="accent4">
-        <a:tint val="40000"/>
-        <a:alpha val="90000"/>
-      </a:schemeClr>
-      <a:schemeClr val="accent5">
-        <a:tint val="40000"/>
-        <a:alpha val="90000"/>
-      </a:schemeClr>
-      <a:schemeClr val="accent6">
-        <a:tint val="40000"/>
-        <a:alpha val="90000"/>
       </a:schemeClr>
     </dgm:fillClrLst>
     <dgm:linClrLst meth="repeat">
-      <a:schemeClr val="accent2">
+      <a:schemeClr val="accent6">
+        <a:alpha val="90000"/>
         <a:tint val="40000"/>
-        <a:alpha val="90000"/>
-      </a:schemeClr>
-      <a:schemeClr val="accent3">
-        <a:tint val="40000"/>
-        <a:alpha val="90000"/>
-      </a:schemeClr>
-      <a:schemeClr val="accent4">
-        <a:tint val="40000"/>
-        <a:alpha val="90000"/>
-      </a:schemeClr>
-      <a:schemeClr val="accent5">
-        <a:tint val="40000"/>
-        <a:alpha val="90000"/>
-      </a:schemeClr>
-      <a:schemeClr val="accent6">
-        <a:tint val="40000"/>
-        <a:alpha val="90000"/>
       </a:schemeClr>
     </dgm:linClrLst>
     <dgm:effectClrLst/>
@@ -2538,47 +2400,15 @@
   </dgm:styleLbl>
   <dgm:styleLbl name="bgAccFollowNode1">
     <dgm:fillClrLst meth="repeat">
-      <a:schemeClr val="accent2">
+      <a:schemeClr val="accent6">
+        <a:alpha val="90000"/>
         <a:tint val="40000"/>
-        <a:alpha val="90000"/>
-      </a:schemeClr>
-      <a:schemeClr val="accent3">
-        <a:tint val="40000"/>
-        <a:alpha val="90000"/>
-      </a:schemeClr>
-      <a:schemeClr val="accent4">
-        <a:tint val="40000"/>
-        <a:alpha val="90000"/>
-      </a:schemeClr>
-      <a:schemeClr val="accent5">
-        <a:tint val="40000"/>
-        <a:alpha val="90000"/>
-      </a:schemeClr>
-      <a:schemeClr val="accent6">
-        <a:tint val="40000"/>
-        <a:alpha val="90000"/>
       </a:schemeClr>
     </dgm:fillClrLst>
     <dgm:linClrLst meth="repeat">
-      <a:schemeClr val="accent2">
+      <a:schemeClr val="accent6">
+        <a:alpha val="90000"/>
         <a:tint val="40000"/>
-        <a:alpha val="90000"/>
-      </a:schemeClr>
-      <a:schemeClr val="accent3">
-        <a:tint val="40000"/>
-        <a:alpha val="90000"/>
-      </a:schemeClr>
-      <a:schemeClr val="accent4">
-        <a:tint val="40000"/>
-        <a:alpha val="90000"/>
-      </a:schemeClr>
-      <a:schemeClr val="accent5">
-        <a:tint val="40000"/>
-        <a:alpha val="90000"/>
-      </a:schemeClr>
-      <a:schemeClr val="accent6">
-        <a:tint val="40000"/>
-        <a:alpha val="90000"/>
       </a:schemeClr>
     </dgm:linClrLst>
     <dgm:effectClrLst/>
@@ -2594,8 +2424,8 @@
         <a:alpha val="90000"/>
       </a:schemeClr>
     </dgm:fillClrLst>
-    <dgm:linClrLst>
-      <a:schemeClr val="accent1"/>
+    <dgm:linClrLst meth="repeat">
+      <a:schemeClr val="accent6"/>
     </dgm:linClrLst>
     <dgm:effectClrLst/>
     <dgm:txLinClrLst/>
@@ -2610,8 +2440,8 @@
         <a:alpha val="90000"/>
       </a:schemeClr>
     </dgm:fillClrLst>
-    <dgm:linClrLst>
-      <a:schemeClr val="accent2"/>
+    <dgm:linClrLst meth="repeat">
+      <a:schemeClr val="accent6"/>
     </dgm:linClrLst>
     <dgm:effectClrLst/>
     <dgm:txLinClrLst/>
@@ -2626,8 +2456,8 @@
         <a:alpha val="90000"/>
       </a:schemeClr>
     </dgm:fillClrLst>
-    <dgm:linClrLst>
-      <a:schemeClr val="accent3"/>
+    <dgm:linClrLst meth="repeat">
+      <a:schemeClr val="accent6"/>
     </dgm:linClrLst>
     <dgm:effectClrLst/>
     <dgm:txLinClrLst/>
@@ -2642,8 +2472,8 @@
         <a:alpha val="90000"/>
       </a:schemeClr>
     </dgm:fillClrLst>
-    <dgm:linClrLst>
-      <a:schemeClr val="accent4"/>
+    <dgm:linClrLst meth="repeat">
+      <a:schemeClr val="accent6"/>
     </dgm:linClrLst>
     <dgm:effectClrLst/>
     <dgm:txLinClrLst/>
@@ -2654,12 +2484,12 @@
   </dgm:styleLbl>
   <dgm:styleLbl name="bgShp">
     <dgm:fillClrLst meth="repeat">
-      <a:schemeClr val="accent2">
+      <a:schemeClr val="accent6">
         <a:tint val="40000"/>
       </a:schemeClr>
     </dgm:fillClrLst>
     <dgm:linClrLst meth="repeat">
-      <a:schemeClr val="dk1"/>
+      <a:schemeClr val="accent6"/>
     </dgm:linClrLst>
     <dgm:effectClrLst/>
     <dgm:txLinClrLst/>
@@ -2670,12 +2500,12 @@
   </dgm:styleLbl>
   <dgm:styleLbl name="dkBgShp">
     <dgm:fillClrLst meth="repeat">
-      <a:schemeClr val="accent2">
-        <a:shade val="90000"/>
+      <a:schemeClr val="accent6">
+        <a:shade val="80000"/>
       </a:schemeClr>
     </dgm:fillClrLst>
     <dgm:linClrLst meth="repeat">
-      <a:schemeClr val="dk1"/>
+      <a:schemeClr val="accent6"/>
     </dgm:linClrLst>
     <dgm:effectClrLst/>
     <dgm:txLinClrLst/>
@@ -2686,13 +2516,13 @@
   </dgm:styleLbl>
   <dgm:styleLbl name="trBgShp">
     <dgm:fillClrLst meth="repeat">
-      <a:schemeClr val="accent1">
+      <a:schemeClr val="accent6">
         <a:tint val="50000"/>
         <a:alpha val="40000"/>
       </a:schemeClr>
     </dgm:fillClrLst>
     <dgm:linClrLst meth="repeat">
-      <a:schemeClr val="accent2"/>
+      <a:schemeClr val="accent6"/>
     </dgm:linClrLst>
     <dgm:effectClrLst/>
     <dgm:txLinClrLst/>
@@ -2703,8 +2533,8 @@
   </dgm:styleLbl>
   <dgm:styleLbl name="fgShp">
     <dgm:fillClrLst meth="repeat">
-      <a:schemeClr val="accent2">
-        <a:tint val="40000"/>
+      <a:schemeClr val="accent6">
+        <a:tint val="60000"/>
       </a:schemeClr>
     </dgm:fillClrLst>
     <dgm:linClrLst meth="repeat">
@@ -2763,8 +2593,8 @@
             <a:defRPr b="1"/>
           </a:pPr>
           <a:r>
-            <a:rPr lang="en-US"/>
-            <a:t>Predicting next year stat</a:t>
+            <a:rPr lang="en-US" dirty="0"/>
+            <a:t>Predicting next year stat and who will have the better season</a:t>
           </a:r>
         </a:p>
       </dgm:t>
@@ -2841,8 +2671,8 @@
             <a:defRPr b="1"/>
           </a:pPr>
           <a:r>
-            <a:rPr lang="en-US"/>
-            <a:t>Role</a:t>
+            <a:rPr lang="en-US" dirty="0"/>
+            <a:t>Roles:</a:t>
           </a:r>
         </a:p>
       </dgm:t>
@@ -3027,7 +2857,7 @@
 <dgm:dataModel xmlns:dgm="http://schemas.openxmlformats.org/drawingml/2006/diagram" xmlns:a="http://schemas.openxmlformats.org/drawingml/2006/main">
   <dgm:ptLst>
     <dgm:pt modelId="{EA9879DE-8BB1-4A86-8378-1ADF4B767081}" type="doc">
-      <dgm:prSet loTypeId="urn:microsoft.com/office/officeart/2005/8/layout/list1" loCatId="list" qsTypeId="urn:microsoft.com/office/officeart/2005/8/quickstyle/simple1" qsCatId="simple" csTypeId="urn:microsoft.com/office/officeart/2005/8/colors/colorful2" csCatId="colorful"/>
+      <dgm:prSet loTypeId="urn:microsoft.com/office/officeart/2005/8/layout/list1" loCatId="list" qsTypeId="urn:microsoft.com/office/officeart/2005/8/quickstyle/simple1" qsCatId="simple" csTypeId="urn:microsoft.com/office/officeart/2005/8/colors/colorful2" csCatId="colorful" phldr="1"/>
       <dgm:spPr/>
       <dgm:t>
         <a:bodyPr/>
@@ -3153,8 +2983,8 @@
         <a:lstStyle/>
         <a:p>
           <a:r>
-            <a:rPr lang="en-US"/>
-            <a:t>Library:</a:t>
+            <a:rPr lang="en-US" dirty="0"/>
+            <a:t>Libraries:</a:t>
           </a:r>
         </a:p>
       </dgm:t>
@@ -3189,7 +3019,7 @@
         <a:lstStyle/>
         <a:p>
           <a:r>
-            <a:rPr lang="en-US"/>
+            <a:rPr lang="en-US" dirty="0"/>
             <a:t>BS4</a:t>
           </a:r>
         </a:p>
@@ -3207,6 +3037,115 @@
       </dgm:t>
     </dgm:pt>
     <dgm:pt modelId="{A052126E-935C-46A0-9557-17FD96E02158}" type="sibTrans" cxnId="{92FC80C5-F728-4ACD-8BD5-A3DF858DD982}">
+      <dgm:prSet/>
+      <dgm:spPr/>
+      <dgm:t>
+        <a:bodyPr/>
+        <a:lstStyle/>
+        <a:p>
+          <a:endParaRPr lang="en-US"/>
+        </a:p>
+      </dgm:t>
+    </dgm:pt>
+    <dgm:pt modelId="{52092132-0D9A-4426-8A4D-3F1344BB100D}">
+      <dgm:prSet/>
+      <dgm:spPr/>
+      <dgm:t>
+        <a:bodyPr/>
+        <a:lstStyle/>
+        <a:p>
+          <a:r>
+            <a:rPr lang="en-US" dirty="0" err="1"/>
+            <a:t>xts</a:t>
+          </a:r>
+          <a:endParaRPr lang="en-US" dirty="0"/>
+        </a:p>
+      </dgm:t>
+    </dgm:pt>
+    <dgm:pt modelId="{82D66D96-29FB-4DCC-8190-21CFD290562C}" type="parTrans" cxnId="{466E7978-85D5-4810-9217-36B644ED196F}">
+      <dgm:prSet/>
+      <dgm:spPr/>
+      <dgm:t>
+        <a:bodyPr/>
+        <a:lstStyle/>
+        <a:p>
+          <a:endParaRPr lang="en-US"/>
+        </a:p>
+      </dgm:t>
+    </dgm:pt>
+    <dgm:pt modelId="{05B91F55-67D4-4371-94CB-DE016873648B}" type="sibTrans" cxnId="{466E7978-85D5-4810-9217-36B644ED196F}">
+      <dgm:prSet/>
+      <dgm:spPr/>
+      <dgm:t>
+        <a:bodyPr/>
+        <a:lstStyle/>
+        <a:p>
+          <a:endParaRPr lang="en-US"/>
+        </a:p>
+      </dgm:t>
+    </dgm:pt>
+    <dgm:pt modelId="{B8977027-0ECD-4580-B3B1-9CF387AE6641}">
+      <dgm:prSet/>
+      <dgm:spPr/>
+      <dgm:t>
+        <a:bodyPr/>
+        <a:lstStyle/>
+        <a:p>
+          <a:r>
+            <a:rPr lang="en-US" dirty="0"/>
+            <a:t>fpp2</a:t>
+          </a:r>
+        </a:p>
+      </dgm:t>
+    </dgm:pt>
+    <dgm:pt modelId="{24F9B6EE-BE58-41B4-AAB8-22B1F0380F71}" type="parTrans" cxnId="{BFC934C3-5700-414E-87E9-CB7F3AAA049B}">
+      <dgm:prSet/>
+      <dgm:spPr/>
+      <dgm:t>
+        <a:bodyPr/>
+        <a:lstStyle/>
+        <a:p>
+          <a:endParaRPr lang="en-US"/>
+        </a:p>
+      </dgm:t>
+    </dgm:pt>
+    <dgm:pt modelId="{0DBA267A-C6B4-439A-A0B8-7502F814C651}" type="sibTrans" cxnId="{BFC934C3-5700-414E-87E9-CB7F3AAA049B}">
+      <dgm:prSet/>
+      <dgm:spPr/>
+      <dgm:t>
+        <a:bodyPr/>
+        <a:lstStyle/>
+        <a:p>
+          <a:endParaRPr lang="en-US"/>
+        </a:p>
+      </dgm:t>
+    </dgm:pt>
+    <dgm:pt modelId="{A530D858-9296-48F3-87E7-F061F6AD1FBB}">
+      <dgm:prSet/>
+      <dgm:spPr/>
+      <dgm:t>
+        <a:bodyPr/>
+        <a:lstStyle/>
+        <a:p>
+          <a:r>
+            <a:rPr lang="en-US" dirty="0"/>
+            <a:t>forecast</a:t>
+          </a:r>
+        </a:p>
+      </dgm:t>
+    </dgm:pt>
+    <dgm:pt modelId="{61587E8E-E1E9-4491-8A71-67B2CE9D9C5C}" type="parTrans" cxnId="{2E18E268-78C7-464A-8941-B90F142A7E08}">
+      <dgm:prSet/>
+      <dgm:spPr/>
+      <dgm:t>
+        <a:bodyPr/>
+        <a:lstStyle/>
+        <a:p>
+          <a:endParaRPr lang="en-US"/>
+        </a:p>
+      </dgm:t>
+    </dgm:pt>
+    <dgm:pt modelId="{60C47931-C626-428F-A4D9-459D81F9F133}" type="sibTrans" cxnId="{2E18E268-78C7-464A-8941-B90F142A7E08}">
       <dgm:prSet/>
       <dgm:spPr/>
       <dgm:t>
@@ -3292,14 +3231,20 @@
   </dgm:ptLst>
   <dgm:cxnLst>
     <dgm:cxn modelId="{A127120C-3074-437A-A2D0-890052C262D6}" type="presOf" srcId="{4748FD6B-8B7A-499B-8CD4-53B2FD4EB055}" destId="{3151A20B-101C-448D-9BBD-E9C2FA4EBDB0}" srcOrd="0" destOrd="1" presId="urn:microsoft.com/office/officeart/2005/8/layout/list1"/>
+    <dgm:cxn modelId="{0ADBCE12-BB43-4985-8186-6F045A21AA30}" type="presOf" srcId="{52092132-0D9A-4426-8A4D-3F1344BB100D}" destId="{D6AB72CC-4941-4F86-AAAA-45B60EB1ECD6}" srcOrd="0" destOrd="1" presId="urn:microsoft.com/office/officeart/2005/8/layout/list1"/>
+    <dgm:cxn modelId="{E8C98F29-8A7E-4E89-81CB-4EC687387F94}" type="presOf" srcId="{A530D858-9296-48F3-87E7-F061F6AD1FBB}" destId="{D6AB72CC-4941-4F86-AAAA-45B60EB1ECD6}" srcOrd="0" destOrd="3" presId="urn:microsoft.com/office/officeart/2005/8/layout/list1"/>
     <dgm:cxn modelId="{988B9B32-8686-42B8-A913-0D2FEB47B3FE}" type="presOf" srcId="{EA9879DE-8BB1-4A86-8378-1ADF4B767081}" destId="{866D3674-3CFD-460B-8385-989E20CBE104}" srcOrd="0" destOrd="0" presId="urn:microsoft.com/office/officeart/2005/8/layout/list1"/>
+    <dgm:cxn modelId="{0057E238-5995-44C1-98EF-A583FA8B8E6E}" type="presOf" srcId="{B8977027-0ECD-4580-B3B1-9CF387AE6641}" destId="{D6AB72CC-4941-4F86-AAAA-45B60EB1ECD6}" srcOrd="0" destOrd="2" presId="urn:microsoft.com/office/officeart/2005/8/layout/list1"/>
     <dgm:cxn modelId="{B5E26E42-899C-4471-9E2B-84AF126B4825}" srcId="{299EE924-78AA-46B3-B30E-CC4D3EEA2CE3}" destId="{4748FD6B-8B7A-499B-8CD4-53B2FD4EB055}" srcOrd="1" destOrd="0" parTransId="{DCCE8A84-EE13-40D5-B738-EBD3C8FF46D6}" sibTransId="{7320BD4B-2429-4749-816E-1491514584A2}"/>
     <dgm:cxn modelId="{AC021A46-93E2-4514-9E0D-272AA2E90C1F}" srcId="{299EE924-78AA-46B3-B30E-CC4D3EEA2CE3}" destId="{5E06E406-0CFA-474E-B46A-5CB772820F9A}" srcOrd="0" destOrd="0" parTransId="{2766B5B0-9E2D-47B8-A108-8E6B5840CBF2}" sibTransId="{8FB20082-53BA-4086-9C46-53BBCD1C691C}"/>
+    <dgm:cxn modelId="{2E18E268-78C7-464A-8941-B90F142A7E08}" srcId="{0182DDE5-50E1-4D87-AC05-D90131F41416}" destId="{A530D858-9296-48F3-87E7-F061F6AD1FBB}" srcOrd="3" destOrd="0" parTransId="{61587E8E-E1E9-4491-8A71-67B2CE9D9C5C}" sibTransId="{60C47931-C626-428F-A4D9-459D81F9F133}"/>
     <dgm:cxn modelId="{28226970-D466-415E-8C85-5D68A7DF43F3}" type="presOf" srcId="{299EE924-78AA-46B3-B30E-CC4D3EEA2CE3}" destId="{C9271DAD-6A30-4A70-9870-03AE4E93AA76}" srcOrd="0" destOrd="0" presId="urn:microsoft.com/office/officeart/2005/8/layout/list1"/>
     <dgm:cxn modelId="{FE4ACA74-8F84-41CE-BC7B-D2405061F6BA}" srcId="{EA9879DE-8BB1-4A86-8378-1ADF4B767081}" destId="{299EE924-78AA-46B3-B30E-CC4D3EEA2CE3}" srcOrd="0" destOrd="0" parTransId="{1E128356-79E5-4C99-96DE-0C9299845E0E}" sibTransId="{3FE1ADB7-92C8-4764-93D7-CBE5A0949922}"/>
+    <dgm:cxn modelId="{466E7978-85D5-4810-9217-36B644ED196F}" srcId="{0182DDE5-50E1-4D87-AC05-D90131F41416}" destId="{52092132-0D9A-4426-8A4D-3F1344BB100D}" srcOrd="1" destOrd="0" parTransId="{82D66D96-29FB-4DCC-8190-21CFD290562C}" sibTransId="{05B91F55-67D4-4371-94CB-DE016873648B}"/>
     <dgm:cxn modelId="{9E026188-8E5A-42A8-BDAA-BD8F115A2BA0}" type="presOf" srcId="{0182DDE5-50E1-4D87-AC05-D90131F41416}" destId="{252804A0-014A-443D-A961-A6CDBCFCA9FE}" srcOrd="0" destOrd="0" presId="urn:microsoft.com/office/officeart/2005/8/layout/list1"/>
     <dgm:cxn modelId="{B6DF6C8F-74E6-4D8B-85C8-74BD7B41BAAC}" type="presOf" srcId="{5E06E406-0CFA-474E-B46A-5CB772820F9A}" destId="{3151A20B-101C-448D-9BBD-E9C2FA4EBDB0}" srcOrd="0" destOrd="0" presId="urn:microsoft.com/office/officeart/2005/8/layout/list1"/>
     <dgm:cxn modelId="{4CD945B0-FCE0-4661-BC45-2020F4B6DB61}" type="presOf" srcId="{0182DDE5-50E1-4D87-AC05-D90131F41416}" destId="{40B19539-E85D-4F5C-A82D-D99F9885EF26}" srcOrd="1" destOrd="0" presId="urn:microsoft.com/office/officeart/2005/8/layout/list1"/>
+    <dgm:cxn modelId="{BFC934C3-5700-414E-87E9-CB7F3AAA049B}" srcId="{0182DDE5-50E1-4D87-AC05-D90131F41416}" destId="{B8977027-0ECD-4580-B3B1-9CF387AE6641}" srcOrd="2" destOrd="0" parTransId="{24F9B6EE-BE58-41B4-AAB8-22B1F0380F71}" sibTransId="{0DBA267A-C6B4-439A-A0B8-7502F814C651}"/>
     <dgm:cxn modelId="{92FC80C5-F728-4ACD-8BD5-A3DF858DD982}" srcId="{0182DDE5-50E1-4D87-AC05-D90131F41416}" destId="{D8EBF862-2323-41EE-A8C0-E6B1E9EA05DF}" srcOrd="0" destOrd="0" parTransId="{5E6CD3A8-E41B-406E-B098-89CBF4CC0566}" sibTransId="{A052126E-935C-46A0-9557-17FD96E02158}"/>
     <dgm:cxn modelId="{D08EAECE-A1F9-44DB-B0CE-6D81FE3E50C2}" type="presOf" srcId="{299EE924-78AA-46B3-B30E-CC4D3EEA2CE3}" destId="{12A37329-FEFC-400B-B6EA-594C33E70F2D}" srcOrd="1" destOrd="0" presId="urn:microsoft.com/office/officeart/2005/8/layout/list1"/>
     <dgm:cxn modelId="{1E1C0BF3-32FA-4AC6-9DA8-DB249BF35139}" type="presOf" srcId="{D8EBF862-2323-41EE-A8C0-E6B1E9EA05DF}" destId="{D6AB72CC-4941-4F86-AAAA-45B60EB1ECD6}" srcOrd="0" destOrd="0" presId="urn:microsoft.com/office/officeart/2005/8/layout/list1"/>
@@ -3330,7 +3275,7 @@
 <dgm:dataModel xmlns:dgm="http://schemas.openxmlformats.org/drawingml/2006/diagram" xmlns:a="http://schemas.openxmlformats.org/drawingml/2006/main">
   <dgm:ptLst>
     <dgm:pt modelId="{C83DE2CF-41F2-4129-9CFB-4AC7F4291B16}" type="doc">
-      <dgm:prSet loTypeId="urn:microsoft.com/office/officeart/2016/7/layout/VerticalSolidActionList" loCatId="List" qsTypeId="urn:microsoft.com/office/officeart/2005/8/quickstyle/simple1" qsCatId="simple" csTypeId="urn:microsoft.com/office/officeart/2005/8/colors/colorful1" csCatId="colorful"/>
+      <dgm:prSet loTypeId="urn:microsoft.com/office/officeart/2016/7/layout/VerticalSolidActionList" loCatId="List" qsTypeId="urn:microsoft.com/office/officeart/2005/8/quickstyle/simple4" qsCatId="simple" csTypeId="urn:microsoft.com/office/officeart/2005/8/colors/accent6_2" csCatId="accent6" phldr="1"/>
       <dgm:spPr/>
       <dgm:t>
         <a:bodyPr/>
@@ -3484,79 +3429,7 @@
         </a:p>
       </dgm:t>
     </dgm:pt>
-    <dgm:pt modelId="{EA0A3D6A-8A82-40A2-B271-AA1A1422FE2B}">
-      <dgm:prSet/>
-      <dgm:spPr/>
-      <dgm:t>
-        <a:bodyPr/>
-        <a:lstStyle/>
-        <a:p>
-          <a:r>
-            <a:rPr lang="en-US"/>
-            <a:t>Margin of Error:</a:t>
-          </a:r>
-        </a:p>
-      </dgm:t>
-    </dgm:pt>
-    <dgm:pt modelId="{0586C3B5-4BFC-4720-871C-444E382A2B76}" type="parTrans" cxnId="{158EA927-F179-4968-951D-66C6FF381B6B}">
-      <dgm:prSet/>
-      <dgm:spPr/>
-      <dgm:t>
-        <a:bodyPr/>
-        <a:lstStyle/>
-        <a:p>
-          <a:endParaRPr lang="en-US"/>
-        </a:p>
-      </dgm:t>
-    </dgm:pt>
-    <dgm:pt modelId="{9163255A-B984-4A6E-AD1C-27B97D3BC2B0}" type="sibTrans" cxnId="{158EA927-F179-4968-951D-66C6FF381B6B}">
-      <dgm:prSet/>
-      <dgm:spPr/>
-      <dgm:t>
-        <a:bodyPr/>
-        <a:lstStyle/>
-        <a:p>
-          <a:endParaRPr lang="en-US"/>
-        </a:p>
-      </dgm:t>
-    </dgm:pt>
-    <dgm:pt modelId="{63BB1561-4AEA-4F8E-B306-2E2297DD97D6}">
-      <dgm:prSet/>
-      <dgm:spPr/>
-      <dgm:t>
-        <a:bodyPr/>
-        <a:lstStyle/>
-        <a:p>
-          <a:r>
-            <a:rPr lang="en-US"/>
-            <a:t>Not very accurate</a:t>
-          </a:r>
-        </a:p>
-      </dgm:t>
-    </dgm:pt>
-    <dgm:pt modelId="{6003B289-67C3-49B1-BE2C-CD8FB38F1FAD}" type="parTrans" cxnId="{F81EA904-3D5C-433D-9E40-04C89D1D4F63}">
-      <dgm:prSet/>
-      <dgm:spPr/>
-      <dgm:t>
-        <a:bodyPr/>
-        <a:lstStyle/>
-        <a:p>
-          <a:endParaRPr lang="en-US"/>
-        </a:p>
-      </dgm:t>
-    </dgm:pt>
-    <dgm:pt modelId="{ADBF8DF9-720F-4611-AC3B-CAF4C729051B}" type="sibTrans" cxnId="{F81EA904-3D5C-433D-9E40-04C89D1D4F63}">
-      <dgm:prSet/>
-      <dgm:spPr/>
-      <dgm:t>
-        <a:bodyPr/>
-        <a:lstStyle/>
-        <a:p>
-          <a:endParaRPr lang="en-US"/>
-        </a:p>
-      </dgm:t>
-    </dgm:pt>
-    <dgm:pt modelId="{93FBCA82-77D1-4B9A-B874-578A3FAF7048}" type="pres">
+    <dgm:pt modelId="{89FD7902-C0AC-4788-8D6D-95FBDC28FD32}" type="pres">
       <dgm:prSet presAssocID="{C83DE2CF-41F2-4129-9CFB-4AC7F4291B16}" presName="Name0" presStyleCnt="0">
         <dgm:presLayoutVars>
           <dgm:dir/>
@@ -3566,12 +3439,12 @@
       </dgm:prSet>
       <dgm:spPr/>
     </dgm:pt>
-    <dgm:pt modelId="{F3624870-2F6A-4051-B0E4-FB77BC04F0BC}" type="pres">
+    <dgm:pt modelId="{56A4F284-25E6-4B78-B8E3-36CE3E055D82}" type="pres">
       <dgm:prSet presAssocID="{A72E8A0C-15F3-400C-9654-1D61698E3C61}" presName="linNode" presStyleCnt="0"/>
       <dgm:spPr/>
     </dgm:pt>
-    <dgm:pt modelId="{F0624168-7C7E-456C-AC86-D88DD31326B1}" type="pres">
-      <dgm:prSet presAssocID="{A72E8A0C-15F3-400C-9654-1D61698E3C61}" presName="parentText" presStyleLbl="alignNode1" presStyleIdx="0" presStyleCnt="2">
+    <dgm:pt modelId="{E314CE10-2CC3-4A31-BDAB-05D67A7A8B33}" type="pres">
+      <dgm:prSet presAssocID="{A72E8A0C-15F3-400C-9654-1D61698E3C61}" presName="parentText" presStyleLbl="alignNode1" presStyleIdx="0" presStyleCnt="1" custScaleX="157037">
         <dgm:presLayoutVars>
           <dgm:chMax val="1"/>
           <dgm:bulletEnabled/>
@@ -3579,33 +3452,8 @@
       </dgm:prSet>
       <dgm:spPr/>
     </dgm:pt>
-    <dgm:pt modelId="{F3D4FD05-967F-4504-9CDC-DC34D1ADB69B}" type="pres">
-      <dgm:prSet presAssocID="{A72E8A0C-15F3-400C-9654-1D61698E3C61}" presName="descendantText" presStyleLbl="alignAccFollowNode1" presStyleIdx="0" presStyleCnt="2">
-        <dgm:presLayoutVars>
-          <dgm:bulletEnabled/>
-        </dgm:presLayoutVars>
-      </dgm:prSet>
-      <dgm:spPr/>
-    </dgm:pt>
-    <dgm:pt modelId="{62EB3257-D863-4FFB-A157-89B77A8BCF08}" type="pres">
-      <dgm:prSet presAssocID="{24F5C320-C362-4837-8AAC-6674F5A60C1E}" presName="sp" presStyleCnt="0"/>
-      <dgm:spPr/>
-    </dgm:pt>
-    <dgm:pt modelId="{81533A4E-C74B-4D28-A2FB-AA600D5F1DB6}" type="pres">
-      <dgm:prSet presAssocID="{EA0A3D6A-8A82-40A2-B271-AA1A1422FE2B}" presName="linNode" presStyleCnt="0"/>
-      <dgm:spPr/>
-    </dgm:pt>
-    <dgm:pt modelId="{943853E9-EB2F-4CE7-A927-47EC0566B5A5}" type="pres">
-      <dgm:prSet presAssocID="{EA0A3D6A-8A82-40A2-B271-AA1A1422FE2B}" presName="parentText" presStyleLbl="alignNode1" presStyleIdx="1" presStyleCnt="2">
-        <dgm:presLayoutVars>
-          <dgm:chMax val="1"/>
-          <dgm:bulletEnabled/>
-        </dgm:presLayoutVars>
-      </dgm:prSet>
-      <dgm:spPr/>
-    </dgm:pt>
-    <dgm:pt modelId="{675E1EB6-A392-4009-9BAA-65461F55415E}" type="pres">
-      <dgm:prSet presAssocID="{EA0A3D6A-8A82-40A2-B271-AA1A1422FE2B}" presName="descendantText" presStyleLbl="alignAccFollowNode1" presStyleIdx="1" presStyleCnt="2">
+    <dgm:pt modelId="{E17FA66B-247D-4233-A0B0-7298A53B9DFD}" type="pres">
+      <dgm:prSet presAssocID="{A72E8A0C-15F3-400C-9654-1D61698E3C61}" presName="descendantText" presStyleLbl="alignAccFollowNode1" presStyleIdx="0" presStyleCnt="1" custLinFactY="-100000" custLinFactNeighborX="3383" custLinFactNeighborY="-112835">
         <dgm:presLayoutVars>
           <dgm:bulletEnabled/>
         </dgm:presLayoutVars>
@@ -3614,26 +3462,18 @@
     </dgm:pt>
   </dgm:ptLst>
   <dgm:cxnLst>
-    <dgm:cxn modelId="{F81EA904-3D5C-433D-9E40-04C89D1D4F63}" srcId="{EA0A3D6A-8A82-40A2-B271-AA1A1422FE2B}" destId="{63BB1561-4AEA-4F8E-B306-2E2297DD97D6}" srcOrd="0" destOrd="0" parTransId="{6003B289-67C3-49B1-BE2C-CD8FB38F1FAD}" sibTransId="{ADBF8DF9-720F-4611-AC3B-CAF4C729051B}"/>
-    <dgm:cxn modelId="{84E7A01E-E4B8-42EC-AE92-BF8A930366DB}" type="presOf" srcId="{63BB1561-4AEA-4F8E-B306-2E2297DD97D6}" destId="{675E1EB6-A392-4009-9BAA-65461F55415E}" srcOrd="0" destOrd="0" presId="urn:microsoft.com/office/officeart/2016/7/layout/VerticalSolidActionList"/>
-    <dgm:cxn modelId="{158EA927-F179-4968-951D-66C6FF381B6B}" srcId="{C83DE2CF-41F2-4129-9CFB-4AC7F4291B16}" destId="{EA0A3D6A-8A82-40A2-B271-AA1A1422FE2B}" srcOrd="1" destOrd="0" parTransId="{0586C3B5-4BFC-4720-871C-444E382A2B76}" sibTransId="{9163255A-B984-4A6E-AD1C-27B97D3BC2B0}"/>
     <dgm:cxn modelId="{9FD6342E-3900-4880-9F31-A1DE3931AA57}" srcId="{A72E8A0C-15F3-400C-9654-1D61698E3C61}" destId="{7A6B9C65-753E-46CE-B0ED-7014F481AFC7}" srcOrd="1" destOrd="0" parTransId="{6AAE5773-89FC-4325-AF56-7C15586C2CAD}" sibTransId="{312151B9-42A8-47DA-AD7D-33073729E2B1}"/>
-    <dgm:cxn modelId="{979D4D3A-4B1D-4358-AEA4-D59745CB7FD3}" type="presOf" srcId="{7A6B9C65-753E-46CE-B0ED-7014F481AFC7}" destId="{F3D4FD05-967F-4504-9CDC-DC34D1ADB69B}" srcOrd="0" destOrd="1" presId="urn:microsoft.com/office/officeart/2016/7/layout/VerticalSolidActionList"/>
-    <dgm:cxn modelId="{098DCA6A-E07C-4295-BF59-1ADBFE367C1F}" type="presOf" srcId="{A72E8A0C-15F3-400C-9654-1D61698E3C61}" destId="{F0624168-7C7E-456C-AC86-D88DD31326B1}" srcOrd="0" destOrd="0" presId="urn:microsoft.com/office/officeart/2016/7/layout/VerticalSolidActionList"/>
     <dgm:cxn modelId="{43E9138C-CC5D-4F62-85CD-F2E438145752}" srcId="{C83DE2CF-41F2-4129-9CFB-4AC7F4291B16}" destId="{A72E8A0C-15F3-400C-9654-1D61698E3C61}" srcOrd="0" destOrd="0" parTransId="{389456AA-CAF7-4833-95EF-4AA2CF8F82A6}" sibTransId="{24F5C320-C362-4837-8AAC-6674F5A60C1E}"/>
     <dgm:cxn modelId="{DF61148F-A492-42F8-80A3-421AD7B30C7B}" srcId="{A72E8A0C-15F3-400C-9654-1D61698E3C61}" destId="{52B2A315-866E-477D-936B-CCCAEB9044F5}" srcOrd="0" destOrd="0" parTransId="{EC51C721-C225-4C60-A0DB-5B001FDD131D}" sibTransId="{70112EB5-BF3E-4C23-97F2-1D158FB1E17C}"/>
-    <dgm:cxn modelId="{A0739F9D-2285-4C3B-B894-5D68F46495AC}" type="presOf" srcId="{B2ECE9B8-143F-4BB9-ADE9-1ABDB858ACF5}" destId="{F3D4FD05-967F-4504-9CDC-DC34D1ADB69B}" srcOrd="0" destOrd="2" presId="urn:microsoft.com/office/officeart/2016/7/layout/VerticalSolidActionList"/>
-    <dgm:cxn modelId="{CF49F1A6-277A-43E8-BDBA-8F7BA4164BB7}" type="presOf" srcId="{C83DE2CF-41F2-4129-9CFB-4AC7F4291B16}" destId="{93FBCA82-77D1-4B9A-B874-578A3FAF7048}" srcOrd="0" destOrd="0" presId="urn:microsoft.com/office/officeart/2016/7/layout/VerticalSolidActionList"/>
+    <dgm:cxn modelId="{CA874D99-AA9C-4F9E-96B4-48A6330C45BD}" type="presOf" srcId="{A72E8A0C-15F3-400C-9654-1D61698E3C61}" destId="{E314CE10-2CC3-4A31-BDAB-05D67A7A8B33}" srcOrd="0" destOrd="0" presId="urn:microsoft.com/office/officeart/2016/7/layout/VerticalSolidActionList"/>
+    <dgm:cxn modelId="{AB4632A4-C7AF-4B0F-A237-E0F0D3710220}" type="presOf" srcId="{52B2A315-866E-477D-936B-CCCAEB9044F5}" destId="{E17FA66B-247D-4233-A0B0-7298A53B9DFD}" srcOrd="0" destOrd="0" presId="urn:microsoft.com/office/officeart/2016/7/layout/VerticalSolidActionList"/>
     <dgm:cxn modelId="{C26ACEBA-0058-4FCC-9985-36B292A10C37}" srcId="{A72E8A0C-15F3-400C-9654-1D61698E3C61}" destId="{B2ECE9B8-143F-4BB9-ADE9-1ABDB858ACF5}" srcOrd="2" destOrd="0" parTransId="{810FF2EA-D6A9-423F-AE30-687B47922BDC}" sibTransId="{2B7F08A5-5881-4A0D-AC41-1EB98DEE39B1}"/>
-    <dgm:cxn modelId="{5E85FFC4-6299-4C7C-B4C6-0D9C68F0732C}" type="presOf" srcId="{EA0A3D6A-8A82-40A2-B271-AA1A1422FE2B}" destId="{943853E9-EB2F-4CE7-A927-47EC0566B5A5}" srcOrd="0" destOrd="0" presId="urn:microsoft.com/office/officeart/2016/7/layout/VerticalSolidActionList"/>
-    <dgm:cxn modelId="{A25D53D2-0436-40D6-9829-BEE0F93FB473}" type="presOf" srcId="{52B2A315-866E-477D-936B-CCCAEB9044F5}" destId="{F3D4FD05-967F-4504-9CDC-DC34D1ADB69B}" srcOrd="0" destOrd="0" presId="urn:microsoft.com/office/officeart/2016/7/layout/VerticalSolidActionList"/>
-    <dgm:cxn modelId="{B2809073-60ED-433E-B943-098FF4EF55B9}" type="presParOf" srcId="{93FBCA82-77D1-4B9A-B874-578A3FAF7048}" destId="{F3624870-2F6A-4051-B0E4-FB77BC04F0BC}" srcOrd="0" destOrd="0" presId="urn:microsoft.com/office/officeart/2016/7/layout/VerticalSolidActionList"/>
-    <dgm:cxn modelId="{7B463609-4CB3-4673-9449-E2EFC9195892}" type="presParOf" srcId="{F3624870-2F6A-4051-B0E4-FB77BC04F0BC}" destId="{F0624168-7C7E-456C-AC86-D88DD31326B1}" srcOrd="0" destOrd="0" presId="urn:microsoft.com/office/officeart/2016/7/layout/VerticalSolidActionList"/>
-    <dgm:cxn modelId="{B86A5176-EEE8-4266-AE50-CA9AD82A2BCC}" type="presParOf" srcId="{F3624870-2F6A-4051-B0E4-FB77BC04F0BC}" destId="{F3D4FD05-967F-4504-9CDC-DC34D1ADB69B}" srcOrd="1" destOrd="0" presId="urn:microsoft.com/office/officeart/2016/7/layout/VerticalSolidActionList"/>
-    <dgm:cxn modelId="{39E526F4-2866-4789-8DF0-1475420334A4}" type="presParOf" srcId="{93FBCA82-77D1-4B9A-B874-578A3FAF7048}" destId="{62EB3257-D863-4FFB-A157-89B77A8BCF08}" srcOrd="1" destOrd="0" presId="urn:microsoft.com/office/officeart/2016/7/layout/VerticalSolidActionList"/>
-    <dgm:cxn modelId="{D4209352-0218-434D-B719-A8E8DD42633B}" type="presParOf" srcId="{93FBCA82-77D1-4B9A-B874-578A3FAF7048}" destId="{81533A4E-C74B-4D28-A2FB-AA600D5F1DB6}" srcOrd="2" destOrd="0" presId="urn:microsoft.com/office/officeart/2016/7/layout/VerticalSolidActionList"/>
-    <dgm:cxn modelId="{21BC583B-9691-47C8-AAB1-504D2C54E475}" type="presParOf" srcId="{81533A4E-C74B-4D28-A2FB-AA600D5F1DB6}" destId="{943853E9-EB2F-4CE7-A927-47EC0566B5A5}" srcOrd="0" destOrd="0" presId="urn:microsoft.com/office/officeart/2016/7/layout/VerticalSolidActionList"/>
-    <dgm:cxn modelId="{3EA38FC6-6542-49D8-BCCD-8157515B77C1}" type="presParOf" srcId="{81533A4E-C74B-4D28-A2FB-AA600D5F1DB6}" destId="{675E1EB6-A392-4009-9BAA-65461F55415E}" srcOrd="1" destOrd="0" presId="urn:microsoft.com/office/officeart/2016/7/layout/VerticalSolidActionList"/>
+    <dgm:cxn modelId="{C48008E0-6648-4C56-8E89-56FA7D1257C5}" type="presOf" srcId="{B2ECE9B8-143F-4BB9-ADE9-1ABDB858ACF5}" destId="{E17FA66B-247D-4233-A0B0-7298A53B9DFD}" srcOrd="0" destOrd="2" presId="urn:microsoft.com/office/officeart/2016/7/layout/VerticalSolidActionList"/>
+    <dgm:cxn modelId="{DE2F0BE0-12C4-4AF5-98B4-574F5C8B44B8}" type="presOf" srcId="{C83DE2CF-41F2-4129-9CFB-4AC7F4291B16}" destId="{89FD7902-C0AC-4788-8D6D-95FBDC28FD32}" srcOrd="0" destOrd="0" presId="urn:microsoft.com/office/officeart/2016/7/layout/VerticalSolidActionList"/>
+    <dgm:cxn modelId="{D603EDE8-BE8E-4917-9550-BCD0631BC2CD}" type="presOf" srcId="{7A6B9C65-753E-46CE-B0ED-7014F481AFC7}" destId="{E17FA66B-247D-4233-A0B0-7298A53B9DFD}" srcOrd="0" destOrd="1" presId="urn:microsoft.com/office/officeart/2016/7/layout/VerticalSolidActionList"/>
+    <dgm:cxn modelId="{5863FD3D-5088-4EB3-A604-1438AAE9A3AE}" type="presParOf" srcId="{89FD7902-C0AC-4788-8D6D-95FBDC28FD32}" destId="{56A4F284-25E6-4B78-B8E3-36CE3E055D82}" srcOrd="0" destOrd="0" presId="urn:microsoft.com/office/officeart/2016/7/layout/VerticalSolidActionList"/>
+    <dgm:cxn modelId="{31CC4541-3F9E-4D0F-8C2D-3D192A304F9A}" type="presParOf" srcId="{56A4F284-25E6-4B78-B8E3-36CE3E055D82}" destId="{E314CE10-2CC3-4A31-BDAB-05D67A7A8B33}" srcOrd="0" destOrd="0" presId="urn:microsoft.com/office/officeart/2016/7/layout/VerticalSolidActionList"/>
+    <dgm:cxn modelId="{9EF22059-79EE-446C-BCC2-BC10363833FB}" type="presParOf" srcId="{56A4F284-25E6-4B78-B8E3-36CE3E055D82}" destId="{E17FA66B-247D-4233-A0B0-7298A53B9DFD}" srcOrd="1" destOrd="0" presId="urn:microsoft.com/office/officeart/2016/7/layout/VerticalSolidActionList"/>
   </dgm:cxnLst>
   <dgm:bg/>
   <dgm:whole/>
@@ -3660,8 +3500,8 @@
       </dsp:nvSpPr>
       <dsp:spPr>
         <a:xfrm>
-          <a:off x="0" y="274482"/>
-          <a:ext cx="6513603" cy="1103310"/>
+          <a:off x="0" y="206533"/>
+          <a:ext cx="6513603" cy="1432080"/>
         </a:xfrm>
         <a:prstGeom prst="roundRect">
           <a:avLst/>
@@ -3703,12 +3543,12 @@
         </a:fontRef>
       </dsp:style>
       <dsp:txBody>
-        <a:bodyPr spcFirstLastPara="0" vert="horz" wrap="square" lIns="175260" tIns="175260" rIns="175260" bIns="175260" numCol="1" spcCol="1270" anchor="ctr" anchorCtr="0">
+        <a:bodyPr spcFirstLastPara="0" vert="horz" wrap="square" lIns="137160" tIns="137160" rIns="137160" bIns="137160" numCol="1" spcCol="1270" anchor="ctr" anchorCtr="0">
           <a:noAutofit/>
         </a:bodyPr>
         <a:lstStyle/>
         <a:p>
-          <a:pPr marL="0" lvl="0" indent="0" algn="l" defTabSz="2044700">
+          <a:pPr marL="0" lvl="0" indent="0" algn="l" defTabSz="1600200">
             <a:lnSpc>
               <a:spcPct val="90000"/>
             </a:lnSpc>
@@ -3722,14 +3562,14 @@
             <a:defRPr b="1"/>
           </a:pPr>
           <a:r>
-            <a:rPr lang="en-US" sz="4600" kern="1200"/>
-            <a:t>Predicting next year stat</a:t>
+            <a:rPr lang="en-US" sz="3600" kern="1200" dirty="0"/>
+            <a:t>Predicting next year stat and who will have the better season</a:t>
           </a:r>
         </a:p>
       </dsp:txBody>
       <dsp:txXfrm>
-        <a:off x="53859" y="328341"/>
-        <a:ext cx="6405885" cy="995592"/>
+        <a:off x="69908" y="276441"/>
+        <a:ext cx="6373787" cy="1292264"/>
       </dsp:txXfrm>
     </dsp:sp>
     <dsp:sp modelId="{E9B8D4F9-4323-4CA3-B091-8E09106B1C29}">
@@ -3739,8 +3579,8 @@
       </dsp:nvSpPr>
       <dsp:spPr>
         <a:xfrm>
-          <a:off x="0" y="1510272"/>
-          <a:ext cx="6513603" cy="1103310"/>
+          <a:off x="0" y="1742293"/>
+          <a:ext cx="6513603" cy="1432080"/>
         </a:xfrm>
         <a:prstGeom prst="roundRect">
           <a:avLst/>
@@ -3782,12 +3622,12 @@
         </a:fontRef>
       </dsp:style>
       <dsp:txBody>
-        <a:bodyPr spcFirstLastPara="0" vert="horz" wrap="square" lIns="175260" tIns="175260" rIns="175260" bIns="175260" numCol="1" spcCol="1270" anchor="ctr" anchorCtr="0">
+        <a:bodyPr spcFirstLastPara="0" vert="horz" wrap="square" lIns="137160" tIns="137160" rIns="137160" bIns="137160" numCol="1" spcCol="1270" anchor="ctr" anchorCtr="0">
           <a:noAutofit/>
         </a:bodyPr>
         <a:lstStyle/>
         <a:p>
-          <a:pPr marL="0" lvl="0" indent="0" algn="l" defTabSz="2044700">
+          <a:pPr marL="0" lvl="0" indent="0" algn="l" defTabSz="1600200">
             <a:lnSpc>
               <a:spcPct val="90000"/>
             </a:lnSpc>
@@ -3801,14 +3641,14 @@
             <a:defRPr b="1"/>
           </a:pPr>
           <a:r>
-            <a:rPr lang="en-US" sz="4600" kern="1200"/>
+            <a:rPr lang="en-US" sz="3600" kern="1200"/>
             <a:t>Using visualization</a:t>
           </a:r>
         </a:p>
       </dsp:txBody>
       <dsp:txXfrm>
-        <a:off x="53859" y="1564131"/>
-        <a:ext cx="6405885" cy="995592"/>
+        <a:off x="69908" y="1812201"/>
+        <a:ext cx="6373787" cy="1292264"/>
       </dsp:txXfrm>
     </dsp:sp>
     <dsp:sp modelId="{0258C398-4DE3-4464-965E-C90270DC9E5F}">
@@ -3818,8 +3658,8 @@
       </dsp:nvSpPr>
       <dsp:spPr>
         <a:xfrm>
-          <a:off x="0" y="2746063"/>
-          <a:ext cx="6513603" cy="1103310"/>
+          <a:off x="0" y="3278053"/>
+          <a:ext cx="6513603" cy="1432080"/>
         </a:xfrm>
         <a:prstGeom prst="roundRect">
           <a:avLst/>
@@ -3861,12 +3701,12 @@
         </a:fontRef>
       </dsp:style>
       <dsp:txBody>
-        <a:bodyPr spcFirstLastPara="0" vert="horz" wrap="square" lIns="175260" tIns="175260" rIns="175260" bIns="175260" numCol="1" spcCol="1270" anchor="ctr" anchorCtr="0">
+        <a:bodyPr spcFirstLastPara="0" vert="horz" wrap="square" lIns="137160" tIns="137160" rIns="137160" bIns="137160" numCol="1" spcCol="1270" anchor="ctr" anchorCtr="0">
           <a:noAutofit/>
         </a:bodyPr>
         <a:lstStyle/>
         <a:p>
-          <a:pPr marL="0" lvl="0" indent="0" algn="l" defTabSz="2044700">
+          <a:pPr marL="0" lvl="0" indent="0" algn="l" defTabSz="1600200">
             <a:lnSpc>
               <a:spcPct val="90000"/>
             </a:lnSpc>
@@ -3880,14 +3720,14 @@
             <a:defRPr b="1"/>
           </a:pPr>
           <a:r>
-            <a:rPr lang="en-US" sz="4600" kern="1200"/>
-            <a:t>Role</a:t>
+            <a:rPr lang="en-US" sz="3600" kern="1200" dirty="0"/>
+            <a:t>Roles:</a:t>
           </a:r>
         </a:p>
       </dsp:txBody>
       <dsp:txXfrm>
-        <a:off x="53859" y="2799922"/>
-        <a:ext cx="6405885" cy="995592"/>
+        <a:off x="69908" y="3347961"/>
+        <a:ext cx="6373787" cy="1292264"/>
       </dsp:txXfrm>
     </dsp:sp>
     <dsp:sp modelId="{93F60AE1-1E70-4AF9-8E34-74492D5B735A}">
@@ -3897,8 +3737,8 @@
       </dsp:nvSpPr>
       <dsp:spPr>
         <a:xfrm>
-          <a:off x="0" y="3849373"/>
-          <a:ext cx="6513603" cy="1761570"/>
+          <a:off x="0" y="4710133"/>
+          <a:ext cx="6513603" cy="968760"/>
         </a:xfrm>
         <a:prstGeom prst="rect">
           <a:avLst/>
@@ -3922,12 +3762,12 @@
         <a:fontRef idx="minor"/>
       </dsp:style>
       <dsp:txBody>
-        <a:bodyPr spcFirstLastPara="0" vert="horz" wrap="square" lIns="206807" tIns="58420" rIns="327152" bIns="58420" numCol="1" spcCol="1270" anchor="t" anchorCtr="0">
+        <a:bodyPr spcFirstLastPara="0" vert="horz" wrap="square" lIns="206807" tIns="45720" rIns="256032" bIns="45720" numCol="1" spcCol="1270" anchor="t" anchorCtr="0">
           <a:noAutofit/>
         </a:bodyPr>
         <a:lstStyle/>
         <a:p>
-          <a:pPr marL="285750" lvl="1" indent="-285750" algn="l" defTabSz="1600200">
+          <a:pPr marL="285750" lvl="1" indent="-285750" algn="l" defTabSz="1244600">
             <a:lnSpc>
               <a:spcPct val="90000"/>
             </a:lnSpc>
@@ -3940,12 +3780,12 @@
             <a:buChar char="•"/>
           </a:pPr>
           <a:r>
-            <a:rPr lang="en-US" sz="3600" kern="1200"/>
+            <a:rPr lang="en-US" sz="2800" kern="1200"/>
             <a:t>Andreas: Scraping</a:t>
           </a:r>
         </a:p>
         <a:p>
-          <a:pPr marL="285750" lvl="1" indent="-285750" algn="l" defTabSz="1600200">
+          <a:pPr marL="285750" lvl="1" indent="-285750" algn="l" defTabSz="1244600">
             <a:lnSpc>
               <a:spcPct val="90000"/>
             </a:lnSpc>
@@ -3958,14 +3798,14 @@
             <a:buChar char="•"/>
           </a:pPr>
           <a:r>
-            <a:rPr lang="en-US" sz="3600" kern="1200"/>
+            <a:rPr lang="en-US" sz="2800" kern="1200"/>
             <a:t>Luc: Data analyzing and predicting</a:t>
           </a:r>
         </a:p>
       </dsp:txBody>
       <dsp:txXfrm>
-        <a:off x="0" y="3849373"/>
-        <a:ext cx="6513603" cy="1761570"/>
+        <a:off x="0" y="4710133"/>
+        <a:ext cx="6513603" cy="968760"/>
       </dsp:txXfrm>
     </dsp:sp>
   </dsp:spTree>
@@ -3987,8 +3827,8 @@
       </dsp:nvSpPr>
       <dsp:spPr>
         <a:xfrm>
-          <a:off x="0" y="428322"/>
-          <a:ext cx="10190252" cy="1515150"/>
+          <a:off x="0" y="336184"/>
+          <a:ext cx="10190252" cy="1107225"/>
         </a:xfrm>
         <a:prstGeom prst="rect">
           <a:avLst/>
@@ -4029,12 +3869,12 @@
         <a:fontRef idx="minor"/>
       </dsp:style>
       <dsp:txBody>
-        <a:bodyPr spcFirstLastPara="0" vert="horz" wrap="square" lIns="790877" tIns="541528" rIns="790877" bIns="184912" numCol="1" spcCol="1270" anchor="t" anchorCtr="0">
+        <a:bodyPr spcFirstLastPara="0" vert="horz" wrap="square" lIns="790877" tIns="395732" rIns="790877" bIns="135128" numCol="1" spcCol="1270" anchor="t" anchorCtr="0">
           <a:noAutofit/>
         </a:bodyPr>
         <a:lstStyle/>
         <a:p>
-          <a:pPr marL="228600" lvl="1" indent="-228600" algn="l" defTabSz="1155700">
+          <a:pPr marL="171450" lvl="1" indent="-171450" algn="l" defTabSz="844550">
             <a:lnSpc>
               <a:spcPct val="90000"/>
             </a:lnSpc>
@@ -4047,12 +3887,12 @@
             <a:buChar char="•"/>
           </a:pPr>
           <a:r>
-            <a:rPr lang="en-US" sz="2600" kern="1200"/>
+            <a:rPr lang="en-US" sz="1900" kern="1200"/>
             <a:t>Python</a:t>
           </a:r>
         </a:p>
         <a:p>
-          <a:pPr marL="228600" lvl="1" indent="-228600" algn="l" defTabSz="1155700">
+          <a:pPr marL="171450" lvl="1" indent="-171450" algn="l" defTabSz="844550">
             <a:lnSpc>
               <a:spcPct val="90000"/>
             </a:lnSpc>
@@ -4065,14 +3905,14 @@
             <a:buChar char="•"/>
           </a:pPr>
           <a:r>
-            <a:rPr lang="en-US" sz="2600" kern="1200"/>
+            <a:rPr lang="en-US" sz="1900" kern="1200"/>
             <a:t>R</a:t>
           </a:r>
         </a:p>
       </dsp:txBody>
       <dsp:txXfrm>
-        <a:off x="0" y="428322"/>
-        <a:ext cx="10190252" cy="1515150"/>
+        <a:off x="0" y="336184"/>
+        <a:ext cx="10190252" cy="1107225"/>
       </dsp:txXfrm>
     </dsp:sp>
     <dsp:sp modelId="{12A37329-FEFC-400B-B6EA-594C33E70F2D}">
@@ -4082,8 +3922,8 @@
       </dsp:nvSpPr>
       <dsp:spPr>
         <a:xfrm>
-          <a:off x="509512" y="44562"/>
-          <a:ext cx="7133176" cy="767520"/>
+          <a:off x="509512" y="55744"/>
+          <a:ext cx="7133176" cy="560880"/>
         </a:xfrm>
         <a:prstGeom prst="roundRect">
           <a:avLst/>
@@ -4130,7 +3970,7 @@
         </a:bodyPr>
         <a:lstStyle/>
         <a:p>
-          <a:pPr marL="0" lvl="0" indent="0" algn="l" defTabSz="1155700">
+          <a:pPr marL="0" lvl="0" indent="0" algn="l" defTabSz="844550">
             <a:lnSpc>
               <a:spcPct val="90000"/>
             </a:lnSpc>
@@ -4143,14 +3983,14 @@
             <a:buNone/>
           </a:pPr>
           <a:r>
-            <a:rPr lang="en-US" sz="2600" kern="1200"/>
+            <a:rPr lang="en-US" sz="1900" kern="1200"/>
             <a:t>Language:</a:t>
           </a:r>
         </a:p>
       </dsp:txBody>
       <dsp:txXfrm>
-        <a:off x="546979" y="82029"/>
-        <a:ext cx="7058242" cy="692586"/>
+        <a:off x="536892" y="83124"/>
+        <a:ext cx="7078416" cy="506120"/>
       </dsp:txXfrm>
     </dsp:sp>
     <dsp:sp modelId="{D6AB72CC-4941-4F86-AAAA-45B60EB1ECD6}">
@@ -4160,8 +4000,8 @@
       </dsp:nvSpPr>
       <dsp:spPr>
         <a:xfrm>
-          <a:off x="0" y="2467632"/>
-          <a:ext cx="10190252" cy="1105650"/>
+          <a:off x="0" y="1826450"/>
+          <a:ext cx="10190252" cy="1735650"/>
         </a:xfrm>
         <a:prstGeom prst="rect">
           <a:avLst/>
@@ -4202,12 +4042,12 @@
         <a:fontRef idx="minor"/>
       </dsp:style>
       <dsp:txBody>
-        <a:bodyPr spcFirstLastPara="0" vert="horz" wrap="square" lIns="790877" tIns="541528" rIns="790877" bIns="184912" numCol="1" spcCol="1270" anchor="t" anchorCtr="0">
+        <a:bodyPr spcFirstLastPara="0" vert="horz" wrap="square" lIns="790877" tIns="395732" rIns="790877" bIns="135128" numCol="1" spcCol="1270" anchor="t" anchorCtr="0">
           <a:noAutofit/>
         </a:bodyPr>
         <a:lstStyle/>
         <a:p>
-          <a:pPr marL="228600" lvl="1" indent="-228600" algn="l" defTabSz="1155700">
+          <a:pPr marL="171450" lvl="1" indent="-171450" algn="l" defTabSz="844550">
             <a:lnSpc>
               <a:spcPct val="90000"/>
             </a:lnSpc>
@@ -4220,14 +4060,69 @@
             <a:buChar char="•"/>
           </a:pPr>
           <a:r>
-            <a:rPr lang="en-US" sz="2600" kern="1200"/>
+            <a:rPr lang="en-US" sz="1900" kern="1200" dirty="0"/>
             <a:t>BS4</a:t>
+          </a:r>
+        </a:p>
+        <a:p>
+          <a:pPr marL="171450" lvl="1" indent="-171450" algn="l" defTabSz="844550">
+            <a:lnSpc>
+              <a:spcPct val="90000"/>
+            </a:lnSpc>
+            <a:spcBef>
+              <a:spcPct val="0"/>
+            </a:spcBef>
+            <a:spcAft>
+              <a:spcPct val="15000"/>
+            </a:spcAft>
+            <a:buChar char="•"/>
+          </a:pPr>
+          <a:r>
+            <a:rPr lang="en-US" sz="1900" kern="1200" dirty="0" err="1"/>
+            <a:t>xts</a:t>
+          </a:r>
+          <a:endParaRPr lang="en-US" sz="1900" kern="1200" dirty="0"/>
+        </a:p>
+        <a:p>
+          <a:pPr marL="171450" lvl="1" indent="-171450" algn="l" defTabSz="844550">
+            <a:lnSpc>
+              <a:spcPct val="90000"/>
+            </a:lnSpc>
+            <a:spcBef>
+              <a:spcPct val="0"/>
+            </a:spcBef>
+            <a:spcAft>
+              <a:spcPct val="15000"/>
+            </a:spcAft>
+            <a:buChar char="•"/>
+          </a:pPr>
+          <a:r>
+            <a:rPr lang="en-US" sz="1900" kern="1200" dirty="0"/>
+            <a:t>fpp2</a:t>
+          </a:r>
+        </a:p>
+        <a:p>
+          <a:pPr marL="171450" lvl="1" indent="-171450" algn="l" defTabSz="844550">
+            <a:lnSpc>
+              <a:spcPct val="90000"/>
+            </a:lnSpc>
+            <a:spcBef>
+              <a:spcPct val="0"/>
+            </a:spcBef>
+            <a:spcAft>
+              <a:spcPct val="15000"/>
+            </a:spcAft>
+            <a:buChar char="•"/>
+          </a:pPr>
+          <a:r>
+            <a:rPr lang="en-US" sz="1900" kern="1200" dirty="0"/>
+            <a:t>forecast</a:t>
           </a:r>
         </a:p>
       </dsp:txBody>
       <dsp:txXfrm>
-        <a:off x="0" y="2467632"/>
-        <a:ext cx="10190252" cy="1105650"/>
+        <a:off x="0" y="1826450"/>
+        <a:ext cx="10190252" cy="1735650"/>
       </dsp:txXfrm>
     </dsp:sp>
     <dsp:sp modelId="{40B19539-E85D-4F5C-A82D-D99F9885EF26}">
@@ -4237,8 +4132,8 @@
       </dsp:nvSpPr>
       <dsp:spPr>
         <a:xfrm>
-          <a:off x="509512" y="2083872"/>
-          <a:ext cx="7133176" cy="767520"/>
+          <a:off x="509512" y="1546010"/>
+          <a:ext cx="7133176" cy="560880"/>
         </a:xfrm>
         <a:prstGeom prst="roundRect">
           <a:avLst/>
@@ -4285,7 +4180,7 @@
         </a:bodyPr>
         <a:lstStyle/>
         <a:p>
-          <a:pPr marL="0" lvl="0" indent="0" algn="l" defTabSz="1155700">
+          <a:pPr marL="0" lvl="0" indent="0" algn="l" defTabSz="844550">
             <a:lnSpc>
               <a:spcPct val="90000"/>
             </a:lnSpc>
@@ -4298,14 +4193,14 @@
             <a:buNone/>
           </a:pPr>
           <a:r>
-            <a:rPr lang="en-US" sz="2600" kern="1200"/>
-            <a:t>Library:</a:t>
+            <a:rPr lang="en-US" sz="1900" kern="1200" dirty="0"/>
+            <a:t>Libraries:</a:t>
           </a:r>
         </a:p>
       </dsp:txBody>
       <dsp:txXfrm>
-        <a:off x="546979" y="2121339"/>
-        <a:ext cx="7058242" cy="692586"/>
+        <a:off x="536892" y="1573390"/>
+        <a:ext cx="7078416" cy="506120"/>
       </dsp:txXfrm>
     </dsp:sp>
   </dsp:spTree>
@@ -4320,34 +4215,34 @@
       <dsp:cNvGrpSpPr/>
     </dsp:nvGrpSpPr>
     <dsp:grpSpPr/>
-    <dsp:sp modelId="{F3D4FD05-967F-4504-9CDC-DC34D1ADB69B}">
+    <dsp:sp modelId="{E17FA66B-247D-4233-A0B0-7298A53B9DFD}">
       <dsp:nvSpPr>
         <dsp:cNvPr id="0" name=""/>
         <dsp:cNvSpPr/>
       </dsp:nvSpPr>
       <dsp:spPr>
         <a:xfrm>
-          <a:off x="2103120" y="303"/>
-          <a:ext cx="8412480" cy="1678139"/>
+          <a:off x="2027296" y="0"/>
+          <a:ext cx="5160902" cy="1542427"/>
         </a:xfrm>
         <a:prstGeom prst="rect">
           <a:avLst/>
         </a:prstGeom>
         <a:solidFill>
-          <a:schemeClr val="accent2">
+          <a:schemeClr val="accent6">
+            <a:alpha val="90000"/>
             <a:tint val="40000"/>
-            <a:alpha val="90000"/>
             <a:hueOff val="0"/>
             <a:satOff val="0"/>
             <a:lumOff val="0"/>
             <a:alphaOff val="0"/>
           </a:schemeClr>
         </a:solidFill>
-        <a:ln w="12700" cap="flat" cmpd="sng" algn="ctr">
+        <a:ln w="6350" cap="flat" cmpd="sng" algn="ctr">
           <a:solidFill>
-            <a:schemeClr val="accent2">
+            <a:schemeClr val="accent6">
+              <a:alpha val="90000"/>
               <a:tint val="40000"/>
-              <a:alpha val="90000"/>
               <a:hueOff val="0"/>
               <a:satOff val="0"/>
               <a:lumOff val="0"/>
@@ -4360,7 +4255,7 @@
         <a:effectLst/>
       </dsp:spPr>
       <dsp:style>
-        <a:lnRef idx="2">
+        <a:lnRef idx="1">
           <a:scrgbClr r="0" g="0" b="0"/>
         </a:lnRef>
         <a:fillRef idx="1">
@@ -4372,12 +4267,12 @@
         <a:fontRef idx="minor"/>
       </dsp:style>
       <dsp:txBody>
-        <a:bodyPr spcFirstLastPara="0" vert="horz" wrap="square" lIns="163225" tIns="426247" rIns="163225" bIns="426247" numCol="1" spcCol="1270" anchor="ctr" anchorCtr="0">
+        <a:bodyPr spcFirstLastPara="0" vert="horz" wrap="square" lIns="100136" tIns="391776" rIns="100136" bIns="391776" numCol="1" spcCol="1270" anchor="ctr" anchorCtr="0">
           <a:noAutofit/>
         </a:bodyPr>
         <a:lstStyle/>
         <a:p>
-          <a:pPr marL="0" lvl="0" indent="0" algn="l" defTabSz="666750">
+          <a:pPr marL="0" lvl="0" indent="0" algn="l" defTabSz="622300">
             <a:lnSpc>
               <a:spcPct val="90000"/>
             </a:lnSpc>
@@ -4390,12 +4285,12 @@
             <a:buNone/>
           </a:pPr>
           <a:r>
-            <a:rPr lang="en-US" sz="1500" kern="1200"/>
+            <a:rPr lang="en-US" sz="1400" kern="1200"/>
             <a:t>Using Training/Test set Data to make the prediction</a:t>
           </a:r>
         </a:p>
         <a:p>
-          <a:pPr marL="0" lvl="0" indent="0" algn="l" defTabSz="666750">
+          <a:pPr marL="0" lvl="0" indent="0" algn="l" defTabSz="622300">
             <a:lnSpc>
               <a:spcPct val="90000"/>
             </a:lnSpc>
@@ -4408,12 +4303,12 @@
             <a:buNone/>
           </a:pPr>
           <a:r>
-            <a:rPr lang="en-US" sz="1500" kern="1200"/>
+            <a:rPr lang="en-US" sz="1400" kern="1200"/>
             <a:t>Naïve Bayes</a:t>
           </a:r>
         </a:p>
         <a:p>
-          <a:pPr marL="0" lvl="0" indent="0" algn="l" defTabSz="666750">
+          <a:pPr marL="0" lvl="0" indent="0" algn="l" defTabSz="622300">
             <a:lnSpc>
               <a:spcPct val="90000"/>
             </a:lnSpc>
@@ -4426,40 +4321,70 @@
             <a:buNone/>
           </a:pPr>
           <a:r>
-            <a:rPr lang="en-US" sz="1500" kern="1200"/>
+            <a:rPr lang="en-US" sz="1400" kern="1200"/>
             <a:t>Drift Forecast</a:t>
           </a:r>
         </a:p>
       </dsp:txBody>
       <dsp:txXfrm>
-        <a:off x="2103120" y="303"/>
-        <a:ext cx="8412480" cy="1678139"/>
+        <a:off x="2027296" y="0"/>
+        <a:ext cx="5160902" cy="1542427"/>
       </dsp:txXfrm>
     </dsp:sp>
-    <dsp:sp modelId="{F0624168-7C7E-456C-AC86-D88DD31326B1}">
+    <dsp:sp modelId="{E314CE10-2CC3-4A31-BDAB-05D67A7A8B33}">
       <dsp:nvSpPr>
         <dsp:cNvPr id="0" name=""/>
         <dsp:cNvSpPr/>
       </dsp:nvSpPr>
       <dsp:spPr>
         <a:xfrm>
-          <a:off x="0" y="303"/>
-          <a:ext cx="2103120" cy="1678139"/>
+          <a:off x="582" y="0"/>
+          <a:ext cx="2026131" cy="1542427"/>
         </a:xfrm>
         <a:prstGeom prst="rect">
           <a:avLst/>
         </a:prstGeom>
-        <a:solidFill>
-          <a:schemeClr val="accent2">
-            <a:hueOff val="0"/>
-            <a:satOff val="0"/>
-            <a:lumOff val="0"/>
-            <a:alphaOff val="0"/>
-          </a:schemeClr>
-        </a:solidFill>
-        <a:ln w="12700" cap="flat" cmpd="sng" algn="ctr">
+        <a:gradFill rotWithShape="0">
+          <a:gsLst>
+            <a:gs pos="0">
+              <a:schemeClr val="accent6">
+                <a:hueOff val="0"/>
+                <a:satOff val="0"/>
+                <a:lumOff val="0"/>
+                <a:alphaOff val="0"/>
+                <a:satMod val="103000"/>
+                <a:lumMod val="102000"/>
+                <a:tint val="94000"/>
+              </a:schemeClr>
+            </a:gs>
+            <a:gs pos="50000">
+              <a:schemeClr val="accent6">
+                <a:hueOff val="0"/>
+                <a:satOff val="0"/>
+                <a:lumOff val="0"/>
+                <a:alphaOff val="0"/>
+                <a:satMod val="110000"/>
+                <a:lumMod val="100000"/>
+                <a:shade val="100000"/>
+              </a:schemeClr>
+            </a:gs>
+            <a:gs pos="100000">
+              <a:schemeClr val="accent6">
+                <a:hueOff val="0"/>
+                <a:satOff val="0"/>
+                <a:lumOff val="0"/>
+                <a:alphaOff val="0"/>
+                <a:lumMod val="99000"/>
+                <a:satMod val="120000"/>
+                <a:shade val="78000"/>
+              </a:schemeClr>
+            </a:gs>
+          </a:gsLst>
+          <a:lin ang="5400000" scaled="0"/>
+        </a:gradFill>
+        <a:ln w="6350" cap="flat" cmpd="sng" algn="ctr">
           <a:solidFill>
-            <a:schemeClr val="accent2">
+            <a:schemeClr val="accent6">
               <a:hueOff val="0"/>
               <a:satOff val="0"/>
               <a:lumOff val="0"/>
@@ -4472,13 +4397,13 @@
         <a:effectLst/>
       </dsp:spPr>
       <dsp:style>
-        <a:lnRef idx="2">
+        <a:lnRef idx="1">
           <a:scrgbClr r="0" g="0" b="0"/>
         </a:lnRef>
-        <a:fillRef idx="1">
+        <a:fillRef idx="3">
           <a:scrgbClr r="0" g="0" b="0"/>
         </a:fillRef>
-        <a:effectRef idx="0">
+        <a:effectRef idx="2">
           <a:scrgbClr r="0" g="0" b="0"/>
         </a:effectRef>
         <a:fontRef idx="minor">
@@ -4486,12 +4411,12 @@
         </a:fontRef>
       </dsp:style>
       <dsp:txBody>
-        <a:bodyPr spcFirstLastPara="0" vert="horz" wrap="square" lIns="111290" tIns="165763" rIns="111290" bIns="165763" numCol="1" spcCol="1270" anchor="ctr" anchorCtr="0">
+        <a:bodyPr spcFirstLastPara="0" vert="horz" wrap="square" lIns="68274" tIns="152358" rIns="68274" bIns="152358" numCol="1" spcCol="1270" anchor="ctr" anchorCtr="0">
           <a:noAutofit/>
         </a:bodyPr>
         <a:lstStyle/>
         <a:p>
-          <a:pPr marL="0" lvl="0" indent="0" algn="ctr" defTabSz="800100">
+          <a:pPr marL="0" lvl="0" indent="0" algn="ctr" defTabSz="755650">
             <a:lnSpc>
               <a:spcPct val="90000"/>
             </a:lnSpc>
@@ -4504,172 +4429,14 @@
             <a:buNone/>
           </a:pPr>
           <a:r>
-            <a:rPr lang="en-US" sz="1800" kern="1200"/>
+            <a:rPr lang="en-US" sz="1700" kern="1200"/>
             <a:t>Method/Technique:</a:t>
           </a:r>
         </a:p>
       </dsp:txBody>
       <dsp:txXfrm>
-        <a:off x="0" y="303"/>
-        <a:ext cx="2103120" cy="1678139"/>
-      </dsp:txXfrm>
-    </dsp:sp>
-    <dsp:sp modelId="{675E1EB6-A392-4009-9BAA-65461F55415E}">
-      <dsp:nvSpPr>
-        <dsp:cNvPr id="0" name=""/>
-        <dsp:cNvSpPr/>
-      </dsp:nvSpPr>
-      <dsp:spPr>
-        <a:xfrm>
-          <a:off x="2103120" y="1779131"/>
-          <a:ext cx="8412480" cy="1678139"/>
-        </a:xfrm>
-        <a:prstGeom prst="rect">
-          <a:avLst/>
-        </a:prstGeom>
-        <a:solidFill>
-          <a:schemeClr val="accent3">
-            <a:tint val="40000"/>
-            <a:alpha val="90000"/>
-            <a:hueOff val="0"/>
-            <a:satOff val="0"/>
-            <a:lumOff val="0"/>
-            <a:alphaOff val="0"/>
-          </a:schemeClr>
-        </a:solidFill>
-        <a:ln w="12700" cap="flat" cmpd="sng" algn="ctr">
-          <a:solidFill>
-            <a:schemeClr val="accent3">
-              <a:tint val="40000"/>
-              <a:alpha val="90000"/>
-              <a:hueOff val="0"/>
-              <a:satOff val="0"/>
-              <a:lumOff val="0"/>
-              <a:alphaOff val="0"/>
-            </a:schemeClr>
-          </a:solidFill>
-          <a:prstDash val="solid"/>
-          <a:miter lim="800000"/>
-        </a:ln>
-        <a:effectLst/>
-      </dsp:spPr>
-      <dsp:style>
-        <a:lnRef idx="2">
-          <a:scrgbClr r="0" g="0" b="0"/>
-        </a:lnRef>
-        <a:fillRef idx="1">
-          <a:scrgbClr r="0" g="0" b="0"/>
-        </a:fillRef>
-        <a:effectRef idx="0">
-          <a:scrgbClr r="0" g="0" b="0"/>
-        </a:effectRef>
-        <a:fontRef idx="minor"/>
-      </dsp:style>
-      <dsp:txBody>
-        <a:bodyPr spcFirstLastPara="0" vert="horz" wrap="square" lIns="163225" tIns="426247" rIns="163225" bIns="426247" numCol="1" spcCol="1270" anchor="ctr" anchorCtr="0">
-          <a:noAutofit/>
-        </a:bodyPr>
-        <a:lstStyle/>
-        <a:p>
-          <a:pPr marL="0" lvl="0" indent="0" algn="l" defTabSz="666750">
-            <a:lnSpc>
-              <a:spcPct val="90000"/>
-            </a:lnSpc>
-            <a:spcBef>
-              <a:spcPct val="0"/>
-            </a:spcBef>
-            <a:spcAft>
-              <a:spcPct val="35000"/>
-            </a:spcAft>
-            <a:buNone/>
-          </a:pPr>
-          <a:r>
-            <a:rPr lang="en-US" sz="1500" kern="1200"/>
-            <a:t>Not very accurate</a:t>
-          </a:r>
-        </a:p>
-      </dsp:txBody>
-      <dsp:txXfrm>
-        <a:off x="2103120" y="1779131"/>
-        <a:ext cx="8412480" cy="1678139"/>
-      </dsp:txXfrm>
-    </dsp:sp>
-    <dsp:sp modelId="{943853E9-EB2F-4CE7-A927-47EC0566B5A5}">
-      <dsp:nvSpPr>
-        <dsp:cNvPr id="0" name=""/>
-        <dsp:cNvSpPr/>
-      </dsp:nvSpPr>
-      <dsp:spPr>
-        <a:xfrm>
-          <a:off x="0" y="1779131"/>
-          <a:ext cx="2103120" cy="1678139"/>
-        </a:xfrm>
-        <a:prstGeom prst="rect">
-          <a:avLst/>
-        </a:prstGeom>
-        <a:solidFill>
-          <a:schemeClr val="accent3">
-            <a:hueOff val="0"/>
-            <a:satOff val="0"/>
-            <a:lumOff val="0"/>
-            <a:alphaOff val="0"/>
-          </a:schemeClr>
-        </a:solidFill>
-        <a:ln w="12700" cap="flat" cmpd="sng" algn="ctr">
-          <a:solidFill>
-            <a:schemeClr val="accent3">
-              <a:hueOff val="0"/>
-              <a:satOff val="0"/>
-              <a:lumOff val="0"/>
-              <a:alphaOff val="0"/>
-            </a:schemeClr>
-          </a:solidFill>
-          <a:prstDash val="solid"/>
-          <a:miter lim="800000"/>
-        </a:ln>
-        <a:effectLst/>
-      </dsp:spPr>
-      <dsp:style>
-        <a:lnRef idx="2">
-          <a:scrgbClr r="0" g="0" b="0"/>
-        </a:lnRef>
-        <a:fillRef idx="1">
-          <a:scrgbClr r="0" g="0" b="0"/>
-        </a:fillRef>
-        <a:effectRef idx="0">
-          <a:scrgbClr r="0" g="0" b="0"/>
-        </a:effectRef>
-        <a:fontRef idx="minor">
-          <a:schemeClr val="lt1"/>
-        </a:fontRef>
-      </dsp:style>
-      <dsp:txBody>
-        <a:bodyPr spcFirstLastPara="0" vert="horz" wrap="square" lIns="111290" tIns="165763" rIns="111290" bIns="165763" numCol="1" spcCol="1270" anchor="ctr" anchorCtr="0">
-          <a:noAutofit/>
-        </a:bodyPr>
-        <a:lstStyle/>
-        <a:p>
-          <a:pPr marL="0" lvl="0" indent="0" algn="ctr" defTabSz="800100">
-            <a:lnSpc>
-              <a:spcPct val="90000"/>
-            </a:lnSpc>
-            <a:spcBef>
-              <a:spcPct val="0"/>
-            </a:spcBef>
-            <a:spcAft>
-              <a:spcPct val="35000"/>
-            </a:spcAft>
-            <a:buNone/>
-          </a:pPr>
-          <a:r>
-            <a:rPr lang="en-US" sz="1800" kern="1200"/>
-            <a:t>Margin of Error:</a:t>
-          </a:r>
-        </a:p>
-      </dsp:txBody>
-      <dsp:txXfrm>
-        <a:off x="0" y="1779131"/>
-        <a:ext cx="2103120" cy="1678139"/>
+        <a:off x="582" y="0"/>
+        <a:ext cx="2026131" cy="1542427"/>
       </dsp:txXfrm>
     </dsp:sp>
   </dsp:spTree>
@@ -7371,11 +7138,11 @@
 </file>
 
 <file path=ppt/diagrams/quickStyle3.xml><?xml version="1.0" encoding="utf-8"?>
-<dgm:styleDef xmlns:dgm="http://schemas.openxmlformats.org/drawingml/2006/diagram" xmlns:a="http://schemas.openxmlformats.org/drawingml/2006/main" uniqueId="urn:microsoft.com/office/officeart/2005/8/quickstyle/simple1">
+<dgm:styleDef xmlns:dgm="http://schemas.openxmlformats.org/drawingml/2006/diagram" xmlns:a="http://schemas.openxmlformats.org/drawingml/2006/main" uniqueId="urn:microsoft.com/office/officeart/2005/8/quickstyle/simple4">
   <dgm:title val=""/>
   <dgm:desc val=""/>
   <dgm:catLst>
-    <dgm:cat type="simple" pri="10100"/>
+    <dgm:cat type="simple" pri="10400"/>
   </dgm:catLst>
   <dgm:scene3d>
     <a:camera prst="orthographicFront"/>
@@ -7389,13 +7156,13 @@
     <dgm:sp3d/>
     <dgm:txPr/>
     <dgm:style>
-      <a:lnRef idx="2">
+      <a:lnRef idx="0">
         <a:scrgbClr r="0" g="0" b="0"/>
       </a:lnRef>
-      <a:fillRef idx="1">
+      <a:fillRef idx="3">
         <a:scrgbClr r="0" g="0" b="0"/>
       </a:fillRef>
-      <a:effectRef idx="0">
+      <a:effectRef idx="2">
         <a:scrgbClr r="0" g="0" b="0"/>
       </a:effectRef>
       <a:fontRef idx="minor">
@@ -7411,13 +7178,13 @@
     <dgm:sp3d/>
     <dgm:txPr/>
     <dgm:style>
-      <a:lnRef idx="2">
+      <a:lnRef idx="1">
         <a:scrgbClr r="0" g="0" b="0"/>
       </a:lnRef>
-      <a:fillRef idx="1">
+      <a:fillRef idx="3">
         <a:scrgbClr r="0" g="0" b="0"/>
       </a:fillRef>
-      <a:effectRef idx="0">
+      <a:effectRef idx="2">
         <a:scrgbClr r="0" g="0" b="0"/>
       </a:effectRef>
       <a:fontRef idx="minor">
@@ -7433,10 +7200,10 @@
     <dgm:sp3d/>
     <dgm:txPr/>
     <dgm:style>
-      <a:lnRef idx="2">
+      <a:lnRef idx="0">
         <a:scrgbClr r="0" g="0" b="0"/>
       </a:lnRef>
-      <a:fillRef idx="1">
+      <a:fillRef idx="3">
         <a:scrgbClr r="0" g="0" b="0"/>
       </a:fillRef>
       <a:effectRef idx="0">
@@ -7455,13 +7222,13 @@
     <dgm:sp3d/>
     <dgm:txPr/>
     <dgm:style>
-      <a:lnRef idx="2">
+      <a:lnRef idx="1">
         <a:scrgbClr r="0" g="0" b="0"/>
       </a:lnRef>
-      <a:fillRef idx="1">
+      <a:fillRef idx="3">
         <a:scrgbClr r="0" g="0" b="0"/>
       </a:fillRef>
-      <a:effectRef idx="0">
+      <a:effectRef idx="2">
         <a:scrgbClr r="0" g="0" b="0"/>
       </a:effectRef>
       <a:fontRef idx="minor">
@@ -7477,13 +7244,13 @@
     <dgm:sp3d/>
     <dgm:txPr/>
     <dgm:style>
-      <a:lnRef idx="2">
+      <a:lnRef idx="0">
         <a:scrgbClr r="0" g="0" b="0"/>
       </a:lnRef>
-      <a:fillRef idx="1">
+      <a:fillRef idx="3">
         <a:scrgbClr r="0" g="0" b="0"/>
       </a:fillRef>
-      <a:effectRef idx="0">
+      <a:effectRef idx="2">
         <a:scrgbClr r="0" g="0" b="0"/>
       </a:effectRef>
       <a:fontRef idx="minor">
@@ -7499,13 +7266,13 @@
     <dgm:sp3d/>
     <dgm:txPr/>
     <dgm:style>
-      <a:lnRef idx="2">
+      <a:lnRef idx="0">
         <a:scrgbClr r="0" g="0" b="0"/>
       </a:lnRef>
-      <a:fillRef idx="1">
+      <a:fillRef idx="3">
         <a:scrgbClr r="0" g="0" b="0"/>
       </a:fillRef>
-      <a:effectRef idx="0">
+      <a:effectRef idx="2">
         <a:scrgbClr r="0" g="0" b="0"/>
       </a:effectRef>
       <a:fontRef idx="minor">
@@ -7521,13 +7288,13 @@
     <dgm:sp3d/>
     <dgm:txPr/>
     <dgm:style>
-      <a:lnRef idx="2">
+      <a:lnRef idx="0">
         <a:scrgbClr r="0" g="0" b="0"/>
       </a:lnRef>
-      <a:fillRef idx="1">
+      <a:fillRef idx="3">
         <a:scrgbClr r="0" g="0" b="0"/>
       </a:fillRef>
-      <a:effectRef idx="0">
+      <a:effectRef idx="2">
         <a:scrgbClr r="0" g="0" b="0"/>
       </a:effectRef>
       <a:fontRef idx="minor">
@@ -7543,13 +7310,13 @@
     <dgm:sp3d/>
     <dgm:txPr/>
     <dgm:style>
-      <a:lnRef idx="2">
+      <a:lnRef idx="0">
         <a:scrgbClr r="0" g="0" b="0"/>
       </a:lnRef>
-      <a:fillRef idx="1">
+      <a:fillRef idx="3">
         <a:scrgbClr r="0" g="0" b="0"/>
       </a:fillRef>
-      <a:effectRef idx="0">
+      <a:effectRef idx="2">
         <a:scrgbClr r="0" g="0" b="0"/>
       </a:effectRef>
       <a:fontRef idx="minor">
@@ -7565,13 +7332,13 @@
     <dgm:sp3d/>
     <dgm:txPr/>
     <dgm:style>
-      <a:lnRef idx="2">
+      <a:lnRef idx="0">
         <a:scrgbClr r="0" g="0" b="0"/>
       </a:lnRef>
       <a:fillRef idx="1">
         <a:scrgbClr r="0" g="0" b="0"/>
       </a:fillRef>
-      <a:effectRef idx="0">
+      <a:effectRef idx="2">
         <a:scrgbClr r="0" g="0" b="0"/>
       </a:effectRef>
       <a:fontRef idx="minor"/>
@@ -7585,13 +7352,13 @@
     <dgm:sp3d/>
     <dgm:txPr/>
     <dgm:style>
-      <a:lnRef idx="2">
+      <a:lnRef idx="0">
         <a:scrgbClr r="0" g="0" b="0"/>
       </a:lnRef>
       <a:fillRef idx="1">
         <a:scrgbClr r="0" g="0" b="0"/>
       </a:fillRef>
-      <a:effectRef idx="0">
+      <a:effectRef idx="2">
         <a:scrgbClr r="0" g="0" b="0"/>
       </a:effectRef>
       <a:fontRef idx="minor"/>
@@ -7605,13 +7372,13 @@
     <dgm:sp3d/>
     <dgm:txPr/>
     <dgm:style>
-      <a:lnRef idx="2">
+      <a:lnRef idx="0">
         <a:scrgbClr r="0" g="0" b="0"/>
       </a:lnRef>
       <a:fillRef idx="1">
         <a:scrgbClr r="0" g="0" b="0"/>
       </a:fillRef>
-      <a:effectRef idx="0">
+      <a:effectRef idx="2">
         <a:scrgbClr r="0" g="0" b="0"/>
       </a:effectRef>
       <a:fontRef idx="minor"/>
@@ -7628,10 +7395,10 @@
       <a:lnRef idx="0">
         <a:scrgbClr r="0" g="0" b="0"/>
       </a:lnRef>
-      <a:fillRef idx="1">
+      <a:fillRef idx="3">
         <a:scrgbClr r="0" g="0" b="0"/>
       </a:fillRef>
-      <a:effectRef idx="0">
+      <a:effectRef idx="2">
         <a:scrgbClr r="0" g="0" b="0"/>
       </a:effectRef>
       <a:fontRef idx="minor">
@@ -7650,10 +7417,10 @@
       <a:lnRef idx="0">
         <a:scrgbClr r="0" g="0" b="0"/>
       </a:lnRef>
-      <a:fillRef idx="1">
+      <a:fillRef idx="3">
         <a:scrgbClr r="0" g="0" b="0"/>
       </a:fillRef>
-      <a:effectRef idx="0">
+      <a:effectRef idx="2">
         <a:scrgbClr r="0" g="0" b="0"/>
       </a:effectRef>
       <a:fontRef idx="minor">
@@ -7672,10 +7439,10 @@
       <a:lnRef idx="0">
         <a:scrgbClr r="0" g="0" b="0"/>
       </a:lnRef>
-      <a:fillRef idx="1">
+      <a:fillRef idx="3">
         <a:scrgbClr r="0" g="0" b="0"/>
       </a:fillRef>
-      <a:effectRef idx="0">
+      <a:effectRef idx="2">
         <a:scrgbClr r="0" g="0" b="0"/>
       </a:effectRef>
       <a:fontRef idx="minor">
@@ -7717,7 +7484,7 @@
       <a:fillRef idx="1">
         <a:scrgbClr r="0" g="0" b="0"/>
       </a:fillRef>
-      <a:effectRef idx="0">
+      <a:effectRef idx="1">
         <a:scrgbClr r="0" g="0" b="0"/>
       </a:effectRef>
       <a:fontRef idx="minor"/>
@@ -7731,13 +7498,13 @@
     <dgm:sp3d/>
     <dgm:txPr/>
     <dgm:style>
-      <a:lnRef idx="2">
+      <a:lnRef idx="0">
         <a:scrgbClr r="0" g="0" b="0"/>
       </a:lnRef>
-      <a:fillRef idx="1">
+      <a:fillRef idx="3">
         <a:scrgbClr r="0" g="0" b="0"/>
       </a:fillRef>
-      <a:effectRef idx="0">
+      <a:effectRef idx="2">
         <a:scrgbClr r="0" g="0" b="0"/>
       </a:effectRef>
       <a:fontRef idx="minor">
@@ -7753,13 +7520,13 @@
     <dgm:sp3d/>
     <dgm:txPr/>
     <dgm:style>
-      <a:lnRef idx="2">
+      <a:lnRef idx="0">
         <a:scrgbClr r="0" g="0" b="0"/>
       </a:lnRef>
-      <a:fillRef idx="1">
+      <a:fillRef idx="3">
         <a:scrgbClr r="0" g="0" b="0"/>
       </a:fillRef>
-      <a:effectRef idx="0">
+      <a:effectRef idx="2">
         <a:scrgbClr r="0" g="0" b="0"/>
       </a:effectRef>
       <a:fontRef idx="minor">
@@ -7775,13 +7542,13 @@
     <dgm:sp3d/>
     <dgm:txPr/>
     <dgm:style>
-      <a:lnRef idx="2">
+      <a:lnRef idx="0">
         <a:scrgbClr r="0" g="0" b="0"/>
       </a:lnRef>
-      <a:fillRef idx="1">
+      <a:fillRef idx="3">
         <a:scrgbClr r="0" g="0" b="0"/>
       </a:fillRef>
-      <a:effectRef idx="0">
+      <a:effectRef idx="2">
         <a:scrgbClr r="0" g="0" b="0"/>
       </a:effectRef>
       <a:fontRef idx="minor">
@@ -7797,13 +7564,13 @@
     <dgm:sp3d/>
     <dgm:txPr/>
     <dgm:style>
-      <a:lnRef idx="2">
+      <a:lnRef idx="0">
         <a:scrgbClr r="0" g="0" b="0"/>
       </a:lnRef>
-      <a:fillRef idx="1">
+      <a:fillRef idx="3">
         <a:scrgbClr r="0" g="0" b="0"/>
       </a:fillRef>
-      <a:effectRef idx="0">
+      <a:effectRef idx="2">
         <a:scrgbClr r="0" g="0" b="0"/>
       </a:effectRef>
       <a:fontRef idx="minor">
@@ -7819,13 +7586,13 @@
     <dgm:sp3d/>
     <dgm:txPr/>
     <dgm:style>
-      <a:lnRef idx="2">
+      <a:lnRef idx="0">
         <a:scrgbClr r="0" g="0" b="0"/>
       </a:lnRef>
-      <a:fillRef idx="1">
+      <a:fillRef idx="3">
         <a:scrgbClr r="0" g="0" b="0"/>
       </a:fillRef>
-      <a:effectRef idx="0">
+      <a:effectRef idx="2">
         <a:scrgbClr r="0" g="0" b="0"/>
       </a:effectRef>
       <a:fontRef idx="minor">
@@ -7841,13 +7608,13 @@
     <dgm:sp3d/>
     <dgm:txPr/>
     <dgm:style>
-      <a:lnRef idx="2">
+      <a:lnRef idx="0">
         <a:scrgbClr r="0" g="0" b="0"/>
       </a:lnRef>
-      <a:fillRef idx="1">
+      <a:fillRef idx="3">
         <a:scrgbClr r="0" g="0" b="0"/>
       </a:fillRef>
-      <a:effectRef idx="0">
+      <a:effectRef idx="2">
         <a:scrgbClr r="0" g="0" b="0"/>
       </a:effectRef>
       <a:fontRef idx="minor">
@@ -7863,13 +7630,13 @@
     <dgm:sp3d/>
     <dgm:txPr/>
     <dgm:style>
-      <a:lnRef idx="2">
+      <a:lnRef idx="0">
         <a:scrgbClr r="0" g="0" b="0"/>
       </a:lnRef>
-      <a:fillRef idx="1">
+      <a:fillRef idx="3">
         <a:scrgbClr r="0" g="0" b="0"/>
       </a:fillRef>
-      <a:effectRef idx="0">
+      <a:effectRef idx="2">
         <a:scrgbClr r="0" g="0" b="0"/>
       </a:effectRef>
       <a:fontRef idx="minor">
@@ -7885,13 +7652,13 @@
     <dgm:sp3d/>
     <dgm:txPr/>
     <dgm:style>
-      <a:lnRef idx="2">
+      <a:lnRef idx="1">
         <a:scrgbClr r="0" g="0" b="0"/>
       </a:lnRef>
-      <a:fillRef idx="1">
+      <a:fillRef idx="3">
         <a:scrgbClr r="0" g="0" b="0"/>
       </a:fillRef>
-      <a:effectRef idx="0">
+      <a:effectRef idx="2">
         <a:scrgbClr r="0" g="0" b="0"/>
       </a:effectRef>
       <a:fontRef idx="minor">
@@ -7907,13 +7674,13 @@
     <dgm:sp3d/>
     <dgm:txPr/>
     <dgm:style>
-      <a:lnRef idx="2">
+      <a:lnRef idx="1">
         <a:scrgbClr r="0" g="0" b="0"/>
       </a:lnRef>
-      <a:fillRef idx="1">
+      <a:fillRef idx="3">
         <a:scrgbClr r="0" g="0" b="0"/>
       </a:fillRef>
-      <a:effectRef idx="0">
+      <a:effectRef idx="2">
         <a:scrgbClr r="0" g="0" b="0"/>
       </a:effectRef>
       <a:fontRef idx="minor">
@@ -7929,7 +7696,7 @@
     <dgm:sp3d/>
     <dgm:txPr/>
     <dgm:style>
-      <a:lnRef idx="2">
+      <a:lnRef idx="1">
         <a:scrgbClr r="0" g="0" b="0"/>
       </a:lnRef>
       <a:fillRef idx="0">
@@ -7949,7 +7716,7 @@
     <dgm:sp3d/>
     <dgm:txPr/>
     <dgm:style>
-      <a:lnRef idx="2">
+      <a:lnRef idx="1">
         <a:scrgbClr r="0" g="0" b="0"/>
       </a:lnRef>
       <a:fillRef idx="0">
@@ -7969,7 +7736,7 @@
     <dgm:sp3d/>
     <dgm:txPr/>
     <dgm:style>
-      <a:lnRef idx="2">
+      <a:lnRef idx="1">
         <a:scrgbClr r="0" g="0" b="0"/>
       </a:lnRef>
       <a:fillRef idx="0">
@@ -7989,7 +7756,7 @@
     <dgm:sp3d/>
     <dgm:txPr/>
     <dgm:style>
-      <a:lnRef idx="2">
+      <a:lnRef idx="1">
         <a:scrgbClr r="0" g="0" b="0"/>
       </a:lnRef>
       <a:fillRef idx="0">
@@ -8009,7 +7776,7 @@
     <dgm:sp3d/>
     <dgm:txPr/>
     <dgm:style>
-      <a:lnRef idx="2">
+      <a:lnRef idx="1">
         <a:scrgbClr r="0" g="0" b="0"/>
       </a:lnRef>
       <a:fillRef idx="1">
@@ -8029,7 +7796,7 @@
     <dgm:sp3d/>
     <dgm:txPr/>
     <dgm:style>
-      <a:lnRef idx="2">
+      <a:lnRef idx="1">
         <a:scrgbClr r="0" g="0" b="0"/>
       </a:lnRef>
       <a:fillRef idx="1">
@@ -8049,7 +7816,7 @@
     <dgm:sp3d/>
     <dgm:txPr/>
     <dgm:style>
-      <a:lnRef idx="2">
+      <a:lnRef idx="1">
         <a:scrgbClr r="0" g="0" b="0"/>
       </a:lnRef>
       <a:fillRef idx="1">
@@ -8089,7 +7856,7 @@
     <dgm:sp3d/>
     <dgm:txPr/>
     <dgm:style>
-      <a:lnRef idx="2">
+      <a:lnRef idx="1">
         <a:scrgbClr r="0" g="0" b="0"/>
       </a:lnRef>
       <a:fillRef idx="1">
@@ -8109,7 +7876,7 @@
     <dgm:sp3d/>
     <dgm:txPr/>
     <dgm:style>
-      <a:lnRef idx="2">
+      <a:lnRef idx="1">
         <a:scrgbClr r="0" g="0" b="0"/>
       </a:lnRef>
       <a:fillRef idx="1">
@@ -8129,7 +7896,7 @@
     <dgm:sp3d/>
     <dgm:txPr/>
     <dgm:style>
-      <a:lnRef idx="2">
+      <a:lnRef idx="1">
         <a:scrgbClr r="0" g="0" b="0"/>
       </a:lnRef>
       <a:fillRef idx="1">
@@ -8149,7 +7916,7 @@
     <dgm:sp3d/>
     <dgm:txPr/>
     <dgm:style>
-      <a:lnRef idx="2">
+      <a:lnRef idx="1">
         <a:scrgbClr r="0" g="0" b="0"/>
       </a:lnRef>
       <a:fillRef idx="1">
@@ -8169,7 +7936,7 @@
     <dgm:sp3d/>
     <dgm:txPr/>
     <dgm:style>
-      <a:lnRef idx="2">
+      <a:lnRef idx="1">
         <a:scrgbClr r="0" g="0" b="0"/>
       </a:lnRef>
       <a:fillRef idx="1">
@@ -8189,7 +7956,7 @@
     <dgm:sp3d/>
     <dgm:txPr/>
     <dgm:style>
-      <a:lnRef idx="2">
+      <a:lnRef idx="1">
         <a:scrgbClr r="0" g="0" b="0"/>
       </a:lnRef>
       <a:fillRef idx="1">
@@ -8209,7 +7976,7 @@
     <dgm:sp3d/>
     <dgm:txPr/>
     <dgm:style>
-      <a:lnRef idx="2">
+      <a:lnRef idx="1">
         <a:scrgbClr r="0" g="0" b="0"/>
       </a:lnRef>
       <a:fillRef idx="1">
@@ -8229,7 +7996,7 @@
     <dgm:sp3d/>
     <dgm:txPr/>
     <dgm:style>
-      <a:lnRef idx="2">
+      <a:lnRef idx="1">
         <a:scrgbClr r="0" g="0" b="0"/>
       </a:lnRef>
       <a:fillRef idx="1">
@@ -8249,7 +8016,7 @@
     <dgm:sp3d/>
     <dgm:txPr/>
     <dgm:style>
-      <a:lnRef idx="2">
+      <a:lnRef idx="1">
         <a:scrgbClr r="0" g="0" b="0"/>
       </a:lnRef>
       <a:fillRef idx="1">
@@ -8269,7 +8036,7 @@
     <dgm:sp3d/>
     <dgm:txPr/>
     <dgm:style>
-      <a:lnRef idx="2">
+      <a:lnRef idx="1">
         <a:scrgbClr r="0" g="0" b="0"/>
       </a:lnRef>
       <a:fillRef idx="1">
@@ -8289,7 +8056,7 @@
     <dgm:sp3d/>
     <dgm:txPr/>
     <dgm:style>
-      <a:lnRef idx="2">
+      <a:lnRef idx="1">
         <a:scrgbClr r="0" g="0" b="0"/>
       </a:lnRef>
       <a:fillRef idx="1">
@@ -8315,7 +8082,7 @@
       <a:fillRef idx="1">
         <a:scrgbClr r="0" g="0" b="0"/>
       </a:fillRef>
-      <a:effectRef idx="0">
+      <a:effectRef idx="2">
         <a:scrgbClr r="0" g="0" b="0"/>
       </a:effectRef>
       <a:fontRef idx="minor"/>
@@ -8335,7 +8102,7 @@
       <a:fillRef idx="1">
         <a:scrgbClr r="0" g="0" b="0"/>
       </a:fillRef>
-      <a:effectRef idx="0">
+      <a:effectRef idx="2">
         <a:scrgbClr r="0" g="0" b="0"/>
       </a:effectRef>
       <a:fontRef idx="minor"/>
@@ -8369,13 +8136,13 @@
     <dgm:sp3d/>
     <dgm:txPr/>
     <dgm:style>
-      <a:lnRef idx="2">
+      <a:lnRef idx="0">
         <a:scrgbClr r="0" g="0" b="0"/>
       </a:lnRef>
-      <a:fillRef idx="1">
+      <a:fillRef idx="3">
         <a:scrgbClr r="0" g="0" b="0"/>
       </a:fillRef>
-      <a:effectRef idx="0">
+      <a:effectRef idx="2">
         <a:scrgbClr r="0" g="0" b="0"/>
       </a:effectRef>
       <a:fontRef idx="minor"/>
@@ -11877,7 +11644,7 @@
         </p:nvSpPr>
         <p:spPr>
           <a:xfrm>
-            <a:off x="1524000" y="3011117"/>
+            <a:off x="1699104" y="3011117"/>
             <a:ext cx="6618051" cy="1355750"/>
           </a:xfrm>
         </p:spPr>
@@ -11889,8 +11656,8 @@
           <a:p>
             <a:pPr algn="l"/>
             <a:r>
-              <a:rPr lang="en-US" sz="5400"/>
-              <a:t>NBA Stat Anaylsis</a:t>
+              <a:rPr lang="en-US" sz="5400" dirty="0"/>
+              <a:t>NBA Statistical Analysis</a:t>
             </a:r>
           </a:p>
         </p:txBody>
@@ -11913,7 +11680,7 @@
         </p:nvSpPr>
         <p:spPr>
           <a:xfrm>
-            <a:off x="1524000" y="4373823"/>
+            <a:off x="1745443" y="4344624"/>
             <a:ext cx="6618051" cy="911117"/>
           </a:xfrm>
         </p:spPr>
@@ -12116,7 +11883,7 @@
         </p:blipFill>
         <p:spPr>
           <a:xfrm>
-            <a:off x="8472791" y="1184748"/>
+            <a:off x="8317155" y="582678"/>
             <a:ext cx="3079129" cy="3079129"/>
           </a:xfrm>
           <a:prstGeom prst="rect">
@@ -12232,6 +11999,53 @@
           </a:p>
         </p:txBody>
       </p:sp>
+      <p:pic>
+        <p:nvPicPr>
+          <p:cNvPr id="2050" name="Picture 2" descr="Image result for nba logo vector">
+            <a:extLst>
+              <a:ext uri="{FF2B5EF4-FFF2-40B4-BE49-F238E27FC236}">
+                <a16:creationId xmlns:a16="http://schemas.microsoft.com/office/drawing/2014/main" id="{3B671638-B8D5-4B22-B09C-9508E6B62C5B}"/>
+              </a:ext>
+            </a:extLst>
+          </p:cNvPr>
+          <p:cNvPicPr>
+            <a:picLocks noChangeAspect="1" noChangeArrowheads="1"/>
+          </p:cNvPicPr>
+          <p:nvPr/>
+        </p:nvPicPr>
+        <p:blipFill>
+          <a:blip r:embed="rId4">
+            <a:extLst>
+              <a:ext uri="{28A0092B-C50C-407E-A947-70E740481C1C}">
+                <a14:useLocalDpi xmlns:a14="http://schemas.microsoft.com/office/drawing/2010/main" val="0"/>
+              </a:ext>
+            </a:extLst>
+          </a:blip>
+          <a:srcRect/>
+          <a:stretch>
+            <a:fillRect/>
+          </a:stretch>
+        </p:blipFill>
+        <p:spPr bwMode="auto">
+          <a:xfrm>
+            <a:off x="-23853" y="3297181"/>
+            <a:ext cx="1936317" cy="1936317"/>
+          </a:xfrm>
+          <a:prstGeom prst="rect">
+            <a:avLst/>
+          </a:prstGeom>
+          <a:noFill/>
+          <a:extLst>
+            <a:ext uri="{909E8E84-426E-40DD-AFC4-6F175D3DCCD1}">
+              <a14:hiddenFill xmlns:a14="http://schemas.microsoft.com/office/drawing/2010/main">
+                <a:solidFill>
+                  <a:srgbClr val="FFFFFF"/>
+                </a:solidFill>
+              </a14:hiddenFill>
+            </a:ext>
+          </a:extLst>
+        </p:spPr>
+      </p:pic>
     </p:spTree>
     <p:extLst>
       <p:ext uri="{BB962C8B-B14F-4D97-AF65-F5344CB8AC3E}">
@@ -12806,7 +12620,7 @@
             <p:ph idx="1"/>
             <p:extLst>
               <p:ext uri="{D42A27DB-BD31-4B8C-83A1-F6EECF244321}">
-                <p14:modId xmlns:p14="http://schemas.microsoft.com/office/powerpoint/2010/main" val="3527939520"/>
+                <p14:modId xmlns:p14="http://schemas.microsoft.com/office/powerpoint/2010/main" val="460202338"/>
               </p:ext>
             </p:extLst>
           </p:nvPr>
@@ -13006,7 +12820,7 @@
             <p:ph idx="1"/>
             <p:extLst>
               <p:ext uri="{D42A27DB-BD31-4B8C-83A1-F6EECF244321}">
-                <p14:modId xmlns:p14="http://schemas.microsoft.com/office/powerpoint/2010/main" val="1361784171"/>
+                <p14:modId xmlns:p14="http://schemas.microsoft.com/office/powerpoint/2010/main" val="3730724299"/>
               </p:ext>
             </p:extLst>
           </p:nvPr>
@@ -13021,6 +12835,100 @@
           </a:graphicData>
         </a:graphic>
       </p:graphicFrame>
+      <p:pic>
+        <p:nvPicPr>
+          <p:cNvPr id="3078" name="Picture 6" descr="Image result for rstudio logo">
+            <a:extLst>
+              <a:ext uri="{FF2B5EF4-FFF2-40B4-BE49-F238E27FC236}">
+                <a16:creationId xmlns:a16="http://schemas.microsoft.com/office/drawing/2014/main" id="{E79BF26C-33A2-4C84-8414-691DB11D4E3A}"/>
+              </a:ext>
+            </a:extLst>
+          </p:cNvPr>
+          <p:cNvPicPr>
+            <a:picLocks noChangeAspect="1" noChangeArrowheads="1"/>
+          </p:cNvPicPr>
+          <p:nvPr/>
+        </p:nvPicPr>
+        <p:blipFill>
+          <a:blip r:embed="rId7">
+            <a:extLst>
+              <a:ext uri="{28A0092B-C50C-407E-A947-70E740481C1C}">
+                <a14:useLocalDpi xmlns:a14="http://schemas.microsoft.com/office/drawing/2010/main" val="0"/>
+              </a:ext>
+            </a:extLst>
+          </a:blip>
+          <a:srcRect/>
+          <a:stretch>
+            <a:fillRect/>
+          </a:stretch>
+        </p:blipFill>
+        <p:spPr bwMode="auto">
+          <a:xfrm>
+            <a:off x="10019489" y="2975043"/>
+            <a:ext cx="721468" cy="721468"/>
+          </a:xfrm>
+          <a:prstGeom prst="rect">
+            <a:avLst/>
+          </a:prstGeom>
+          <a:noFill/>
+          <a:extLst>
+            <a:ext uri="{909E8E84-426E-40DD-AFC4-6F175D3DCCD1}">
+              <a14:hiddenFill xmlns:a14="http://schemas.microsoft.com/office/drawing/2010/main">
+                <a:solidFill>
+                  <a:srgbClr val="FFFFFF"/>
+                </a:solidFill>
+              </a14:hiddenFill>
+            </a:ext>
+          </a:extLst>
+        </p:spPr>
+      </p:pic>
+      <p:pic>
+        <p:nvPicPr>
+          <p:cNvPr id="3080" name="Picture 8" descr="Image result for python logo">
+            <a:extLst>
+              <a:ext uri="{FF2B5EF4-FFF2-40B4-BE49-F238E27FC236}">
+                <a16:creationId xmlns:a16="http://schemas.microsoft.com/office/drawing/2014/main" id="{4964B81F-4C32-4179-BBA8-BFB99CB21DE2}"/>
+              </a:ext>
+            </a:extLst>
+          </p:cNvPr>
+          <p:cNvPicPr>
+            <a:picLocks noChangeAspect="1" noChangeArrowheads="1"/>
+          </p:cNvPicPr>
+          <p:nvPr/>
+        </p:nvPicPr>
+        <p:blipFill>
+          <a:blip r:embed="rId8">
+            <a:extLst>
+              <a:ext uri="{28A0092B-C50C-407E-A947-70E740481C1C}">
+                <a14:useLocalDpi xmlns:a14="http://schemas.microsoft.com/office/drawing/2010/main" val="0"/>
+              </a:ext>
+            </a:extLst>
+          </a:blip>
+          <a:srcRect/>
+          <a:stretch>
+            <a:fillRect/>
+          </a:stretch>
+        </p:blipFill>
+        <p:spPr bwMode="auto">
+          <a:xfrm>
+            <a:off x="8790499" y="2975043"/>
+            <a:ext cx="778821" cy="746478"/>
+          </a:xfrm>
+          <a:prstGeom prst="rect">
+            <a:avLst/>
+          </a:prstGeom>
+          <a:noFill/>
+          <a:extLst>
+            <a:ext uri="{909E8E84-426E-40DD-AFC4-6F175D3DCCD1}">
+              <a14:hiddenFill xmlns:a14="http://schemas.microsoft.com/office/drawing/2010/main">
+                <a:solidFill>
+                  <a:srgbClr val="FFFFFF"/>
+                </a:solidFill>
+              </a14:hiddenFill>
+            </a:ext>
+          </a:extLst>
+        </p:spPr>
+      </p:pic>
     </p:spTree>
     <p:extLst>
       <p:ext uri="{BB962C8B-B14F-4D97-AF65-F5344CB8AC3E}">
@@ -13061,7 +12969,7 @@
       </p:grpSpPr>
       <p:sp>
         <p:nvSpPr>
-          <p:cNvPr id="10" name="Rectangle 9">
+          <p:cNvPr id="15" name="Rectangle 14">
             <a:extLst>
               <a:ext uri="{FF2B5EF4-FFF2-40B4-BE49-F238E27FC236}">
                 <a16:creationId xmlns:a16="http://schemas.microsoft.com/office/drawing/2014/main" id="{42A5316D-ED2F-4F89-B4B4-8D9240B1A348}"/>
@@ -13582,10 +13490,10 @@
       </p:grpSpPr>
       <p:sp>
         <p:nvSpPr>
-          <p:cNvPr id="10" name="Rectangle 9">
+          <p:cNvPr id="15" name="Rectangle 14">
             <a:extLst>
               <a:ext uri="{FF2B5EF4-FFF2-40B4-BE49-F238E27FC236}">
-                <a16:creationId xmlns:a16="http://schemas.microsoft.com/office/drawing/2014/main" id="{96918796-2918-40D6-BE3A-4600C47FCD42}"/>
+                <a16:creationId xmlns:a16="http://schemas.microsoft.com/office/drawing/2014/main" id="{42A5316D-ED2F-4F89-B4B4-8D9240B1A348}"/>
               </a:ext>
               <a:ext uri="{C183D7F6-B498-43B3-948B-1728B52AA6E4}">
                 <adec:decorative xmlns:adec="http://schemas.microsoft.com/office/drawing/2017/decorative" val="1"/>
@@ -13605,14 +13513,14 @@
         </p:nvSpPr>
         <p:spPr>
           <a:xfrm>
-            <a:off x="0" y="651752"/>
-            <a:ext cx="12192000" cy="736551"/>
+            <a:off x="0" y="0"/>
+            <a:ext cx="2013557" cy="6858000"/>
           </a:xfrm>
           <a:prstGeom prst="rect">
             <a:avLst/>
           </a:prstGeom>
           <a:solidFill>
-            <a:schemeClr val="tx1"/>
+            <a:srgbClr val="7F7F7F"/>
           </a:solidFill>
           <a:ln>
             <a:noFill/>
@@ -13638,7 +13546,7 @@
           <a:bodyPr rtlCol="0" anchor="ctr"/>
           <a:lstStyle/>
           <a:p>
-            <a:pPr marL="0" marR="0" lvl="0" indent="0" algn="ctr" defTabSz="457200" rtl="0" eaLnBrk="1" fontAlgn="auto" latinLnBrk="0" hangingPunct="1">
+            <a:pPr marL="0" marR="0" lvl="0" indent="0" algn="ctr" defTabSz="914400" rtl="0" eaLnBrk="1" fontAlgn="auto" latinLnBrk="0" hangingPunct="1">
               <a:lnSpc>
                 <a:spcPct val="100000"/>
               </a:lnSpc>
@@ -13690,9 +13598,20 @@
         </p:nvSpPr>
         <p:spPr>
           <a:xfrm>
-            <a:off x="838200" y="672747"/>
-            <a:ext cx="10515600" cy="715556"/>
+            <a:off x="694510" y="1487272"/>
+            <a:ext cx="2743200" cy="2743200"/>
           </a:xfrm>
+          <a:prstGeom prst="ellipse">
+            <a:avLst/>
+          </a:prstGeom>
+          <a:solidFill>
+            <a:srgbClr val="262626"/>
+          </a:solidFill>
+          <a:ln w="174625" cmpd="thinThick">
+            <a:solidFill>
+              <a:srgbClr val="262626"/>
+            </a:solidFill>
+          </a:ln>
         </p:spPr>
         <p:txBody>
           <a:bodyPr>
@@ -13702,16 +13621,16 @@
           <a:p>
             <a:pPr algn="ctr"/>
             <a:br>
-              <a:rPr lang="en-US" sz="2200">
+              <a:rPr lang="en-US" sz="2600" dirty="0">
                 <a:solidFill>
-                  <a:schemeClr val="bg1"/>
+                  <a:srgbClr val="FFFFFF"/>
                 </a:solidFill>
               </a:rPr>
             </a:br>
             <a:r>
-              <a:rPr lang="en-US" sz="2200">
+              <a:rPr lang="en-US" sz="2600" dirty="0">
                 <a:solidFill>
-                  <a:schemeClr val="bg1"/>
+                  <a:srgbClr val="FFFFFF"/>
                 </a:solidFill>
               </a:rPr>
               <a:t>Analysis</a:t>
@@ -13735,14 +13654,14 @@
             <p:ph idx="1"/>
             <p:extLst>
               <p:ext uri="{D42A27DB-BD31-4B8C-83A1-F6EECF244321}">
-                <p14:modId xmlns:p14="http://schemas.microsoft.com/office/powerpoint/2010/main" val="2410912857"/>
+                <p14:modId xmlns:p14="http://schemas.microsoft.com/office/powerpoint/2010/main" val="3833954437"/>
               </p:ext>
             </p:extLst>
           </p:nvPr>
         </p:nvGraphicFramePr>
         <p:xfrm>
-          <a:off x="838200" y="2166938"/>
-          <a:ext cx="10515600" cy="3457575"/>
+          <a:off x="4207276" y="2087658"/>
+          <a:ext cx="7188199" cy="1542427"/>
         </p:xfrm>
         <a:graphic>
           <a:graphicData uri="http://schemas.openxmlformats.org/drawingml/2006/diagram">
@@ -14007,7 +13926,7 @@
         </p:blipFill>
         <p:spPr>
           <a:xfrm>
-            <a:off x="320040" y="3703953"/>
+            <a:off x="320040" y="2736287"/>
             <a:ext cx="11496821" cy="1609553"/>
           </a:xfrm>
           <a:prstGeom prst="rect">
@@ -14015,10 +13934,1470 @@
           </a:prstGeom>
         </p:spPr>
       </p:pic>
+      <p:sp>
+        <p:nvSpPr>
+          <p:cNvPr id="3" name="TextBox 2">
+            <a:extLst>
+              <a:ext uri="{FF2B5EF4-FFF2-40B4-BE49-F238E27FC236}">
+                <a16:creationId xmlns:a16="http://schemas.microsoft.com/office/drawing/2014/main" id="{0E5E66AC-47C6-4330-B33A-3A3F46BC7CD0}"/>
+              </a:ext>
+            </a:extLst>
+          </p:cNvPr>
+          <p:cNvSpPr txBox="1"/>
+          <p:nvPr/>
+        </p:nvSpPr>
+        <p:spPr>
+          <a:xfrm>
+            <a:off x="1611860" y="4891596"/>
+            <a:ext cx="8913180" cy="369332"/>
+          </a:xfrm>
+          <a:prstGeom prst="rect">
+            <a:avLst/>
+          </a:prstGeom>
+          <a:noFill/>
+        </p:spPr>
+        <p:txBody>
+          <a:bodyPr wrap="square" rtlCol="0">
+            <a:spAutoFit/>
+          </a:bodyPr>
+          <a:lstStyle/>
+          <a:p>
+            <a:r>
+              <a:rPr lang="en-US" dirty="0"/>
+              <a:t>Stats used for each player: Points avg, Assist avg, Adjusted Field Goal %, Turnover avg</a:t>
+            </a:r>
+          </a:p>
+        </p:txBody>
+      </p:sp>
     </p:spTree>
     <p:extLst>
       <p:ext uri="{BB962C8B-B14F-4D97-AF65-F5344CB8AC3E}">
         <p14:creationId xmlns:p14="http://schemas.microsoft.com/office/powerpoint/2010/main" val="150960606"/>
+      </p:ext>
+    </p:extLst>
+  </p:cSld>
+  <p:clrMapOvr>
+    <a:masterClrMapping/>
+  </p:clrMapOvr>
+</p:sld>
+</file>
+
+<file path=ppt/slides/slide8.xml><?xml version="1.0" encoding="utf-8"?>
+<p:sld xmlns:a="http://schemas.openxmlformats.org/drawingml/2006/main" xmlns:r="http://schemas.openxmlformats.org/officeDocument/2006/relationships" xmlns:p="http://schemas.openxmlformats.org/presentationml/2006/main">
+  <p:cSld>
+    <p:bg>
+      <p:bgPr>
+        <a:solidFill>
+          <a:schemeClr val="bg1"/>
+        </a:solidFill>
+        <a:effectLst/>
+      </p:bgPr>
+    </p:bg>
+    <p:spTree>
+      <p:nvGrpSpPr>
+        <p:cNvPr id="1" name=""/>
+        <p:cNvGrpSpPr/>
+        <p:nvPr/>
+      </p:nvGrpSpPr>
+      <p:grpSpPr>
+        <a:xfrm>
+          <a:off x="0" y="0"/>
+          <a:ext cx="0" cy="0"/>
+          <a:chOff x="0" y="0"/>
+          <a:chExt cx="0" cy="0"/>
+        </a:xfrm>
+      </p:grpSpPr>
+      <p:sp useBgFill="1">
+        <p:nvSpPr>
+          <p:cNvPr id="8" name="Rectangle 7">
+            <a:extLst>
+              <a:ext uri="{FF2B5EF4-FFF2-40B4-BE49-F238E27FC236}">
+                <a16:creationId xmlns:a16="http://schemas.microsoft.com/office/drawing/2014/main" id="{D4C3103B-AE2E-41DA-8805-65F1A948FD5A}"/>
+              </a:ext>
+              <a:ext uri="{C183D7F6-B498-43B3-948B-1728B52AA6E4}">
+                <adec:decorative xmlns:adec="http://schemas.microsoft.com/office/drawing/2017/decorative" val="1"/>
+              </a:ext>
+            </a:extLst>
+          </p:cNvPr>
+          <p:cNvSpPr>
+            <a:spLocks noGrp="1" noRot="1" noChangeAspect="1" noMove="1" noResize="1" noEditPoints="1" noAdjustHandles="1" noChangeArrowheads="1" noChangeShapeType="1" noTextEdit="1"/>
+          </p:cNvSpPr>
+          <p:nvPr>
+            <p:extLst>
+              <p:ext uri="{386F3935-93C4-4BCD-93E2-E3B085C9AB24}">
+                <p16:designElem xmlns:p16="http://schemas.microsoft.com/office/powerpoint/2015/main" val="1"/>
+              </p:ext>
+            </p:extLst>
+          </p:nvPr>
+        </p:nvSpPr>
+        <p:spPr>
+          <a:xfrm>
+            <a:off x="0" y="0"/>
+            <a:ext cx="12192000" cy="6858000"/>
+          </a:xfrm>
+          <a:prstGeom prst="rect">
+            <a:avLst/>
+          </a:prstGeom>
+          <a:ln>
+            <a:noFill/>
+          </a:ln>
+        </p:spPr>
+        <p:style>
+          <a:lnRef idx="2">
+            <a:schemeClr val="accent1">
+              <a:shade val="50000"/>
+            </a:schemeClr>
+          </a:lnRef>
+          <a:fillRef idx="1">
+            <a:schemeClr val="accent1"/>
+          </a:fillRef>
+          <a:effectRef idx="0">
+            <a:schemeClr val="accent1"/>
+          </a:effectRef>
+          <a:fontRef idx="minor">
+            <a:schemeClr val="lt1"/>
+          </a:fontRef>
+        </p:style>
+        <p:txBody>
+          <a:bodyPr rtlCol="0" anchor="ctr"/>
+          <a:lstStyle/>
+          <a:p>
+            <a:pPr marL="0" marR="0" lvl="0" indent="0" algn="ctr" defTabSz="914400" rtl="0" eaLnBrk="1" fontAlgn="auto" latinLnBrk="0" hangingPunct="1">
+              <a:lnSpc>
+                <a:spcPct val="100000"/>
+              </a:lnSpc>
+              <a:spcBef>
+                <a:spcPts val="0"/>
+              </a:spcBef>
+              <a:spcAft>
+                <a:spcPts val="0"/>
+              </a:spcAft>
+              <a:buClrTx/>
+              <a:buSzTx/>
+              <a:buFontTx/>
+              <a:buNone/>
+              <a:tabLst/>
+              <a:defRPr/>
+            </a:pPr>
+            <a:endParaRPr kumimoji="0" lang="en-US" sz="1800" b="0" i="0" u="none" strike="noStrike" kern="1200" cap="none" spc="0" normalizeH="0" baseline="0" noProof="0">
+              <a:ln>
+                <a:noFill/>
+              </a:ln>
+              <a:solidFill>
+                <a:prstClr val="white"/>
+              </a:solidFill>
+              <a:effectLst/>
+              <a:uLnTx/>
+              <a:uFillTx/>
+              <a:latin typeface="Calibri" panose="020F0502020204030204"/>
+              <a:ea typeface="+mn-ea"/>
+              <a:cs typeface="+mn-cs"/>
+            </a:endParaRPr>
+          </a:p>
+        </p:txBody>
+      </p:sp>
+      <p:sp>
+        <p:nvSpPr>
+          <p:cNvPr id="10" name="Freeform: Shape 9">
+            <a:extLst>
+              <a:ext uri="{FF2B5EF4-FFF2-40B4-BE49-F238E27FC236}">
+                <a16:creationId xmlns:a16="http://schemas.microsoft.com/office/drawing/2014/main" id="{E3BC0C31-69A7-4200-9AFE-927230E1E04C}"/>
+              </a:ext>
+              <a:ext uri="{C183D7F6-B498-43B3-948B-1728B52AA6E4}">
+                <adec:decorative xmlns:adec="http://schemas.microsoft.com/office/drawing/2017/decorative" val="1"/>
+              </a:ext>
+            </a:extLst>
+          </p:cNvPr>
+          <p:cNvSpPr>
+            <a:spLocks noGrp="1" noRot="1" noChangeAspect="1" noMove="1" noResize="1" noEditPoints="1" noAdjustHandles="1" noChangeArrowheads="1" noChangeShapeType="1" noTextEdit="1"/>
+          </p:cNvSpPr>
+          <p:nvPr>
+            <p:extLst>
+              <p:ext uri="{386F3935-93C4-4BCD-93E2-E3B085C9AB24}">
+                <p16:designElem xmlns:p16="http://schemas.microsoft.com/office/powerpoint/2015/main" val="1"/>
+              </p:ext>
+            </p:extLst>
+          </p:nvPr>
+        </p:nvSpPr>
+        <p:spPr>
+          <a:xfrm>
+            <a:off x="0" y="2030410"/>
+            <a:ext cx="7005134" cy="4827590"/>
+          </a:xfrm>
+          <a:custGeom>
+            <a:avLst/>
+            <a:gdLst>
+              <a:gd name="connsiteX0" fmla="*/ 1974535 w 7005134"/>
+              <a:gd name="connsiteY0" fmla="*/ 0 h 4827590"/>
+              <a:gd name="connsiteX1" fmla="*/ 7003848 w 7005134"/>
+              <a:gd name="connsiteY1" fmla="*/ 4776721 h 4827590"/>
+              <a:gd name="connsiteX2" fmla="*/ 7005134 w 7005134"/>
+              <a:gd name="connsiteY2" fmla="*/ 4827590 h 4827590"/>
+              <a:gd name="connsiteX3" fmla="*/ 0 w 7005134"/>
+              <a:gd name="connsiteY3" fmla="*/ 4827590 h 4827590"/>
+              <a:gd name="connsiteX4" fmla="*/ 0 w 7005134"/>
+              <a:gd name="connsiteY4" fmla="*/ 402231 h 4827590"/>
+              <a:gd name="connsiteX5" fmla="*/ 14349 w 7005134"/>
+              <a:gd name="connsiteY5" fmla="*/ 395744 h 4827590"/>
+              <a:gd name="connsiteX6" fmla="*/ 1974535 w 7005134"/>
+              <a:gd name="connsiteY6" fmla="*/ 0 h 4827590"/>
+            </a:gdLst>
+            <a:ahLst/>
+            <a:cxnLst>
+              <a:cxn ang="0">
+                <a:pos x="connsiteX0" y="connsiteY0"/>
+              </a:cxn>
+              <a:cxn ang="0">
+                <a:pos x="connsiteX1" y="connsiteY1"/>
+              </a:cxn>
+              <a:cxn ang="0">
+                <a:pos x="connsiteX2" y="connsiteY2"/>
+              </a:cxn>
+              <a:cxn ang="0">
+                <a:pos x="connsiteX3" y="connsiteY3"/>
+              </a:cxn>
+              <a:cxn ang="0">
+                <a:pos x="connsiteX4" y="connsiteY4"/>
+              </a:cxn>
+              <a:cxn ang="0">
+                <a:pos x="connsiteX5" y="connsiteY5"/>
+              </a:cxn>
+              <a:cxn ang="0">
+                <a:pos x="connsiteX6" y="connsiteY6"/>
+              </a:cxn>
+            </a:cxnLst>
+            <a:rect l="l" t="t" r="r" b="b"/>
+            <a:pathLst>
+              <a:path w="7005134" h="4827590">
+                <a:moveTo>
+                  <a:pt x="1974535" y="0"/>
+                </a:moveTo>
+                <a:cubicBezTo>
+                  <a:pt x="4668853" y="0"/>
+                  <a:pt x="6868971" y="2115921"/>
+                  <a:pt x="7003848" y="4776721"/>
+                </a:cubicBezTo>
+                <a:lnTo>
+                  <a:pt x="7005134" y="4827590"/>
+                </a:lnTo>
+                <a:lnTo>
+                  <a:pt x="0" y="4827590"/>
+                </a:lnTo>
+                <a:lnTo>
+                  <a:pt x="0" y="402231"/>
+                </a:lnTo>
+                <a:lnTo>
+                  <a:pt x="14349" y="395744"/>
+                </a:lnTo>
+                <a:cubicBezTo>
+                  <a:pt x="616832" y="140915"/>
+                  <a:pt x="1279227" y="0"/>
+                  <a:pt x="1974535" y="0"/>
+                </a:cubicBezTo>
+                <a:close/>
+              </a:path>
+            </a:pathLst>
+          </a:custGeom>
+          <a:solidFill>
+            <a:schemeClr val="accent1">
+              <a:alpha val="40000"/>
+            </a:schemeClr>
+          </a:solidFill>
+          <a:ln>
+            <a:noFill/>
+          </a:ln>
+        </p:spPr>
+        <p:style>
+          <a:lnRef idx="2">
+            <a:schemeClr val="accent1">
+              <a:shade val="50000"/>
+            </a:schemeClr>
+          </a:lnRef>
+          <a:fillRef idx="1">
+            <a:schemeClr val="accent1"/>
+          </a:fillRef>
+          <a:effectRef idx="0">
+            <a:schemeClr val="accent1"/>
+          </a:effectRef>
+          <a:fontRef idx="minor">
+            <a:schemeClr val="lt1"/>
+          </a:fontRef>
+        </p:style>
+        <p:txBody>
+          <a:bodyPr rtlCol="0" anchor="ctr"/>
+          <a:lstStyle/>
+          <a:p>
+            <a:pPr marL="0" marR="0" lvl="0" indent="0" algn="ctr" defTabSz="914400" rtl="0" eaLnBrk="1" fontAlgn="auto" latinLnBrk="0" hangingPunct="1">
+              <a:lnSpc>
+                <a:spcPct val="100000"/>
+              </a:lnSpc>
+              <a:spcBef>
+                <a:spcPts val="0"/>
+              </a:spcBef>
+              <a:spcAft>
+                <a:spcPts val="0"/>
+              </a:spcAft>
+              <a:buClrTx/>
+              <a:buSzTx/>
+              <a:buFontTx/>
+              <a:buNone/>
+              <a:tabLst/>
+              <a:defRPr/>
+            </a:pPr>
+            <a:endParaRPr kumimoji="0" lang="en-US" sz="1800" b="0" i="0" u="none" strike="noStrike" kern="1200" cap="none" spc="0" normalizeH="0" baseline="0" noProof="0">
+              <a:ln>
+                <a:noFill/>
+              </a:ln>
+              <a:solidFill>
+                <a:prstClr val="white"/>
+              </a:solidFill>
+              <a:effectLst/>
+              <a:uLnTx/>
+              <a:uFillTx/>
+              <a:latin typeface="Calibri" panose="020F0502020204030204"/>
+              <a:ea typeface="+mn-ea"/>
+              <a:cs typeface="+mn-cs"/>
+            </a:endParaRPr>
+          </a:p>
+        </p:txBody>
+      </p:sp>
+      <p:sp>
+        <p:nvSpPr>
+          <p:cNvPr id="2" name="Title 1">
+            <a:extLst>
+              <a:ext uri="{FF2B5EF4-FFF2-40B4-BE49-F238E27FC236}">
+                <a16:creationId xmlns:a16="http://schemas.microsoft.com/office/drawing/2014/main" id="{6C214134-0690-48E5-9B99-D2350BF86B5F}"/>
+              </a:ext>
+            </a:extLst>
+          </p:cNvPr>
+          <p:cNvSpPr>
+            <a:spLocks noGrp="1"/>
+          </p:cNvSpPr>
+          <p:nvPr>
+            <p:ph type="title"/>
+          </p:nvPr>
+        </p:nvSpPr>
+        <p:spPr>
+          <a:xfrm>
+            <a:off x="1158240" y="5045179"/>
+            <a:ext cx="10307952" cy="1325563"/>
+          </a:xfrm>
+        </p:spPr>
+        <p:txBody>
+          <a:bodyPr>
+            <a:normAutofit/>
+          </a:bodyPr>
+          <a:lstStyle/>
+          <a:p>
+            <a:r>
+              <a:rPr lang="en-US" dirty="0"/>
+              <a:t>Visuals - PPG</a:t>
+            </a:r>
+          </a:p>
+        </p:txBody>
+      </p:sp>
+      <p:cxnSp>
+        <p:nvCxnSpPr>
+          <p:cNvPr id="12" name="Straight Connector 11">
+            <a:extLst>
+              <a:ext uri="{FF2B5EF4-FFF2-40B4-BE49-F238E27FC236}">
+                <a16:creationId xmlns:a16="http://schemas.microsoft.com/office/drawing/2014/main" id="{45B5AFC7-2F07-4F7B-9151-E45D7548D8F3}"/>
+              </a:ext>
+              <a:ext uri="{C183D7F6-B498-43B3-948B-1728B52AA6E4}">
+                <adec:decorative xmlns:adec="http://schemas.microsoft.com/office/drawing/2017/decorative" val="1"/>
+              </a:ext>
+            </a:extLst>
+          </p:cNvPr>
+          <p:cNvCxnSpPr>
+            <a:cxnSpLocks noGrp="1" noRot="1" noChangeAspect="1" noMove="1" noResize="1" noEditPoints="1" noAdjustHandles="1" noChangeArrowheads="1" noChangeShapeType="1"/>
+          </p:cNvCxnSpPr>
+          <p:nvPr>
+            <p:extLst>
+              <p:ext uri="{386F3935-93C4-4BCD-93E2-E3B085C9AB24}">
+                <p16:designElem xmlns:p16="http://schemas.microsoft.com/office/powerpoint/2015/main" val="1"/>
+              </p:ext>
+            </p:extLst>
+          </p:nvPr>
+        </p:nvCxnSpPr>
+        <p:spPr>
+          <a:xfrm>
+            <a:off x="1272540" y="4450080"/>
+            <a:ext cx="1234440" cy="0"/>
+          </a:xfrm>
+          <a:prstGeom prst="line">
+            <a:avLst/>
+          </a:prstGeom>
+          <a:ln w="50800">
+            <a:solidFill>
+              <a:schemeClr val="tx1">
+                <a:lumMod val="75000"/>
+                <a:lumOff val="25000"/>
+              </a:schemeClr>
+            </a:solidFill>
+          </a:ln>
+        </p:spPr>
+        <p:style>
+          <a:lnRef idx="1">
+            <a:schemeClr val="accent1"/>
+          </a:lnRef>
+          <a:fillRef idx="0">
+            <a:schemeClr val="accent1"/>
+          </a:fillRef>
+          <a:effectRef idx="0">
+            <a:schemeClr val="accent1"/>
+          </a:effectRef>
+          <a:fontRef idx="minor">
+            <a:schemeClr val="tx1"/>
+          </a:fontRef>
+        </p:style>
+      </p:cxnSp>
+      <p:sp>
+        <p:nvSpPr>
+          <p:cNvPr id="14" name="Oval 13">
+            <a:extLst>
+              <a:ext uri="{FF2B5EF4-FFF2-40B4-BE49-F238E27FC236}">
+                <a16:creationId xmlns:a16="http://schemas.microsoft.com/office/drawing/2014/main" id="{CB1340FC-C4E2-4CD5-9BCA-7A022E8B4989}"/>
+              </a:ext>
+              <a:ext uri="{C183D7F6-B498-43B3-948B-1728B52AA6E4}">
+                <adec:decorative xmlns:adec="http://schemas.microsoft.com/office/drawing/2017/decorative" val="1"/>
+              </a:ext>
+            </a:extLst>
+          </p:cNvPr>
+          <p:cNvSpPr>
+            <a:spLocks noGrp="1" noRot="1" noChangeAspect="1" noMove="1" noResize="1" noEditPoints="1" noAdjustHandles="1" noChangeArrowheads="1" noChangeShapeType="1" noTextEdit="1"/>
+          </p:cNvSpPr>
+          <p:nvPr>
+            <p:extLst>
+              <p:ext uri="{386F3935-93C4-4BCD-93E2-E3B085C9AB24}">
+                <p16:designElem xmlns:p16="http://schemas.microsoft.com/office/powerpoint/2015/main" val="1"/>
+              </p:ext>
+            </p:extLst>
+          </p:nvPr>
+        </p:nvSpPr>
+        <p:spPr>
+          <a:xfrm>
+            <a:off x="8134348" y="999969"/>
+            <a:ext cx="3444236" cy="3444236"/>
+          </a:xfrm>
+          <a:prstGeom prst="ellipse">
+            <a:avLst/>
+          </a:prstGeom>
+          <a:solidFill>
+            <a:schemeClr val="tx1">
+              <a:alpha val="50000"/>
+            </a:schemeClr>
+          </a:solidFill>
+          <a:ln>
+            <a:noFill/>
+          </a:ln>
+        </p:spPr>
+        <p:style>
+          <a:lnRef idx="2">
+            <a:schemeClr val="accent1">
+              <a:shade val="50000"/>
+            </a:schemeClr>
+          </a:lnRef>
+          <a:fillRef idx="1">
+            <a:schemeClr val="accent1"/>
+          </a:fillRef>
+          <a:effectRef idx="0">
+            <a:schemeClr val="accent1"/>
+          </a:effectRef>
+          <a:fontRef idx="minor">
+            <a:schemeClr val="lt1"/>
+          </a:fontRef>
+        </p:style>
+        <p:txBody>
+          <a:bodyPr rtlCol="0" anchor="ctr"/>
+          <a:lstStyle/>
+          <a:p>
+            <a:pPr marL="0" marR="0" lvl="0" indent="0" algn="ctr" defTabSz="914400" rtl="0" eaLnBrk="1" fontAlgn="auto" latinLnBrk="0" hangingPunct="1">
+              <a:lnSpc>
+                <a:spcPct val="100000"/>
+              </a:lnSpc>
+              <a:spcBef>
+                <a:spcPts val="0"/>
+              </a:spcBef>
+              <a:spcAft>
+                <a:spcPts val="0"/>
+              </a:spcAft>
+              <a:buClrTx/>
+              <a:buSzTx/>
+              <a:buFontTx/>
+              <a:buNone/>
+              <a:tabLst/>
+              <a:defRPr/>
+            </a:pPr>
+            <a:endParaRPr kumimoji="0" lang="en-US" sz="1800" b="0" i="0" u="none" strike="noStrike" kern="1200" cap="none" spc="0" normalizeH="0" baseline="0" noProof="0">
+              <a:ln>
+                <a:noFill/>
+              </a:ln>
+              <a:solidFill>
+                <a:prstClr val="white"/>
+              </a:solidFill>
+              <a:effectLst/>
+              <a:uLnTx/>
+              <a:uFillTx/>
+              <a:latin typeface="Calibri" panose="020F0502020204030204"/>
+              <a:ea typeface="+mn-ea"/>
+              <a:cs typeface="+mn-cs"/>
+            </a:endParaRPr>
+          </a:p>
+        </p:txBody>
+      </p:sp>
+      <p:pic>
+        <p:nvPicPr>
+          <p:cNvPr id="5" name="Picture 4">
+            <a:extLst>
+              <a:ext uri="{FF2B5EF4-FFF2-40B4-BE49-F238E27FC236}">
+                <a16:creationId xmlns:a16="http://schemas.microsoft.com/office/drawing/2014/main" id="{CACB5D44-EF17-4B62-9B2B-E8DB99A8AAD6}"/>
+              </a:ext>
+            </a:extLst>
+          </p:cNvPr>
+          <p:cNvPicPr>
+            <a:picLocks noChangeAspect="1"/>
+          </p:cNvPicPr>
+          <p:nvPr/>
+        </p:nvPicPr>
+        <p:blipFill>
+          <a:blip r:embed="rId2">
+            <a:extLst>
+              <a:ext uri="{28A0092B-C50C-407E-A947-70E740481C1C}">
+                <a14:useLocalDpi xmlns:a14="http://schemas.microsoft.com/office/drawing/2010/main" val="0"/>
+              </a:ext>
+            </a:extLst>
+          </a:blip>
+          <a:stretch>
+            <a:fillRect/>
+          </a:stretch>
+        </p:blipFill>
+        <p:spPr>
+          <a:xfrm>
+            <a:off x="1272540" y="421031"/>
+            <a:ext cx="4629149" cy="2595562"/>
+          </a:xfrm>
+          <a:prstGeom prst="rect">
+            <a:avLst/>
+          </a:prstGeom>
+        </p:spPr>
+      </p:pic>
+      <p:pic>
+        <p:nvPicPr>
+          <p:cNvPr id="7" name="Picture 6">
+            <a:extLst>
+              <a:ext uri="{FF2B5EF4-FFF2-40B4-BE49-F238E27FC236}">
+                <a16:creationId xmlns:a16="http://schemas.microsoft.com/office/drawing/2014/main" id="{CA0FC463-3001-48E1-BC29-5056A5EE4E71}"/>
+              </a:ext>
+            </a:extLst>
+          </p:cNvPr>
+          <p:cNvPicPr>
+            <a:picLocks noChangeAspect="1"/>
+          </p:cNvPicPr>
+          <p:nvPr/>
+        </p:nvPicPr>
+        <p:blipFill>
+          <a:blip r:embed="rId3">
+            <a:extLst>
+              <a:ext uri="{28A0092B-C50C-407E-A947-70E740481C1C}">
+                <a14:useLocalDpi xmlns:a14="http://schemas.microsoft.com/office/drawing/2010/main" val="0"/>
+              </a:ext>
+            </a:extLst>
+          </a:blip>
+          <a:stretch>
+            <a:fillRect/>
+          </a:stretch>
+        </p:blipFill>
+        <p:spPr>
+          <a:xfrm>
+            <a:off x="6877455" y="363624"/>
+            <a:ext cx="5119707" cy="2870618"/>
+          </a:xfrm>
+          <a:prstGeom prst="rect">
+            <a:avLst/>
+          </a:prstGeom>
+        </p:spPr>
+      </p:pic>
+      <p:pic>
+        <p:nvPicPr>
+          <p:cNvPr id="11" name="Picture 10">
+            <a:extLst>
+              <a:ext uri="{FF2B5EF4-FFF2-40B4-BE49-F238E27FC236}">
+                <a16:creationId xmlns:a16="http://schemas.microsoft.com/office/drawing/2014/main" id="{D819CC64-2B08-4E76-BD2B-2D2BC87243EF}"/>
+              </a:ext>
+            </a:extLst>
+          </p:cNvPr>
+          <p:cNvPicPr>
+            <a:picLocks noChangeAspect="1"/>
+          </p:cNvPicPr>
+          <p:nvPr/>
+        </p:nvPicPr>
+        <p:blipFill>
+          <a:blip r:embed="rId4">
+            <a:extLst>
+              <a:ext uri="{28A0092B-C50C-407E-A947-70E740481C1C}">
+                <a14:useLocalDpi xmlns:a14="http://schemas.microsoft.com/office/drawing/2010/main" val="0"/>
+              </a:ext>
+            </a:extLst>
+          </a:blip>
+          <a:stretch>
+            <a:fillRect/>
+          </a:stretch>
+        </p:blipFill>
+        <p:spPr>
+          <a:xfrm>
+            <a:off x="6877455" y="3180397"/>
+            <a:ext cx="5119707" cy="2870617"/>
+          </a:xfrm>
+          <a:prstGeom prst="rect">
+            <a:avLst/>
+          </a:prstGeom>
+        </p:spPr>
+      </p:pic>
+      <p:pic>
+        <p:nvPicPr>
+          <p:cNvPr id="1026" name="Picture 2" descr="Image result for steph curry headshot">
+            <a:extLst>
+              <a:ext uri="{FF2B5EF4-FFF2-40B4-BE49-F238E27FC236}">
+                <a16:creationId xmlns:a16="http://schemas.microsoft.com/office/drawing/2014/main" id="{3D9C5F30-A37D-446C-A8C1-37EC90C366B1}"/>
+              </a:ext>
+            </a:extLst>
+          </p:cNvPr>
+          <p:cNvPicPr>
+            <a:picLocks noChangeAspect="1" noChangeArrowheads="1"/>
+          </p:cNvPicPr>
+          <p:nvPr/>
+        </p:nvPicPr>
+        <p:blipFill>
+          <a:blip r:embed="rId5">
+            <a:extLst>
+              <a:ext uri="{28A0092B-C50C-407E-A947-70E740481C1C}">
+                <a14:useLocalDpi xmlns:a14="http://schemas.microsoft.com/office/drawing/2010/main" val="0"/>
+              </a:ext>
+            </a:extLst>
+          </a:blip>
+          <a:srcRect/>
+          <a:stretch>
+            <a:fillRect/>
+          </a:stretch>
+        </p:blipFill>
+        <p:spPr bwMode="auto">
+          <a:xfrm>
+            <a:off x="3100" y="1511091"/>
+            <a:ext cx="1504747" cy="1504747"/>
+          </a:xfrm>
+          <a:prstGeom prst="rect">
+            <a:avLst/>
+          </a:prstGeom>
+          <a:noFill/>
+          <a:extLst>
+            <a:ext uri="{909E8E84-426E-40DD-AFC4-6F175D3DCCD1}">
+              <a14:hiddenFill xmlns:a14="http://schemas.microsoft.com/office/drawing/2010/main">
+                <a:solidFill>
+                  <a:srgbClr val="FFFFFF"/>
+                </a:solidFill>
+              </a14:hiddenFill>
+            </a:ext>
+          </a:extLst>
+        </p:spPr>
+      </p:pic>
+      <p:pic>
+        <p:nvPicPr>
+          <p:cNvPr id="1028" name="Picture 4" descr="Image result for James harden headshot">
+            <a:extLst>
+              <a:ext uri="{FF2B5EF4-FFF2-40B4-BE49-F238E27FC236}">
+                <a16:creationId xmlns:a16="http://schemas.microsoft.com/office/drawing/2014/main" id="{21F1BF15-2B8C-4694-B1BD-A526DFF0E555}"/>
+              </a:ext>
+            </a:extLst>
+          </p:cNvPr>
+          <p:cNvPicPr>
+            <a:picLocks noChangeAspect="1" noChangeArrowheads="1"/>
+          </p:cNvPicPr>
+          <p:nvPr/>
+        </p:nvPicPr>
+        <p:blipFill>
+          <a:blip r:embed="rId6">
+            <a:extLst>
+              <a:ext uri="{28A0092B-C50C-407E-A947-70E740481C1C}">
+                <a14:useLocalDpi xmlns:a14="http://schemas.microsoft.com/office/drawing/2010/main" val="0"/>
+              </a:ext>
+            </a:extLst>
+          </a:blip>
+          <a:srcRect/>
+          <a:stretch>
+            <a:fillRect/>
+          </a:stretch>
+        </p:blipFill>
+        <p:spPr bwMode="auto">
+          <a:xfrm>
+            <a:off x="5710937" y="1551674"/>
+            <a:ext cx="1239203" cy="1504747"/>
+          </a:xfrm>
+          <a:prstGeom prst="rect">
+            <a:avLst/>
+          </a:prstGeom>
+          <a:noFill/>
+          <a:extLst>
+            <a:ext uri="{909E8E84-426E-40DD-AFC4-6F175D3DCCD1}">
+              <a14:hiddenFill xmlns:a14="http://schemas.microsoft.com/office/drawing/2010/main">
+                <a:solidFill>
+                  <a:srgbClr val="FFFFFF"/>
+                </a:solidFill>
+              </a14:hiddenFill>
+            </a:ext>
+          </a:extLst>
+        </p:spPr>
+      </p:pic>
+      <p:pic>
+        <p:nvPicPr>
+          <p:cNvPr id="1030" name="Picture 6" descr="Image result for kevin durant headshot">
+            <a:extLst>
+              <a:ext uri="{FF2B5EF4-FFF2-40B4-BE49-F238E27FC236}">
+                <a16:creationId xmlns:a16="http://schemas.microsoft.com/office/drawing/2014/main" id="{0C73B1D5-03CE-4542-ACA1-2D8AEA54B688}"/>
+              </a:ext>
+            </a:extLst>
+          </p:cNvPr>
+          <p:cNvPicPr>
+            <a:picLocks noChangeAspect="1" noChangeArrowheads="1"/>
+          </p:cNvPicPr>
+          <p:nvPr/>
+        </p:nvPicPr>
+        <p:blipFill>
+          <a:blip r:embed="rId7">
+            <a:extLst>
+              <a:ext uri="{28A0092B-C50C-407E-A947-70E740481C1C}">
+                <a14:useLocalDpi xmlns:a14="http://schemas.microsoft.com/office/drawing/2010/main" val="0"/>
+              </a:ext>
+            </a:extLst>
+          </a:blip>
+          <a:srcRect/>
+          <a:stretch>
+            <a:fillRect/>
+          </a:stretch>
+        </p:blipFill>
+        <p:spPr bwMode="auto">
+          <a:xfrm>
+            <a:off x="5688604" y="4301662"/>
+            <a:ext cx="1235760" cy="1500566"/>
+          </a:xfrm>
+          <a:prstGeom prst="rect">
+            <a:avLst/>
+          </a:prstGeom>
+          <a:noFill/>
+          <a:extLst>
+            <a:ext uri="{909E8E84-426E-40DD-AFC4-6F175D3DCCD1}">
+              <a14:hiddenFill xmlns:a14="http://schemas.microsoft.com/office/drawing/2010/main">
+                <a:solidFill>
+                  <a:srgbClr val="FFFFFF"/>
+                </a:solidFill>
+              </a14:hiddenFill>
+            </a:ext>
+          </a:extLst>
+        </p:spPr>
+      </p:pic>
+    </p:spTree>
+    <p:extLst>
+      <p:ext uri="{BB962C8B-B14F-4D97-AF65-F5344CB8AC3E}">
+        <p14:creationId xmlns:p14="http://schemas.microsoft.com/office/powerpoint/2010/main" val="3193340094"/>
+      </p:ext>
+    </p:extLst>
+  </p:cSld>
+  <p:clrMapOvr>
+    <a:masterClrMapping/>
+  </p:clrMapOvr>
+</p:sld>
+</file>
+
+<file path=ppt/slides/slide9.xml><?xml version="1.0" encoding="utf-8"?>
+<p:sld xmlns:a="http://schemas.openxmlformats.org/drawingml/2006/main" xmlns:r="http://schemas.openxmlformats.org/officeDocument/2006/relationships" xmlns:p="http://schemas.openxmlformats.org/presentationml/2006/main">
+  <p:cSld>
+    <p:bg>
+      <p:bgPr>
+        <a:solidFill>
+          <a:schemeClr val="bg1"/>
+        </a:solidFill>
+        <a:effectLst/>
+      </p:bgPr>
+    </p:bg>
+    <p:spTree>
+      <p:nvGrpSpPr>
+        <p:cNvPr id="1" name=""/>
+        <p:cNvGrpSpPr/>
+        <p:nvPr/>
+      </p:nvGrpSpPr>
+      <p:grpSpPr>
+        <a:xfrm>
+          <a:off x="0" y="0"/>
+          <a:ext cx="0" cy="0"/>
+          <a:chOff x="0" y="0"/>
+          <a:chExt cx="0" cy="0"/>
+        </a:xfrm>
+      </p:grpSpPr>
+      <p:sp>
+        <p:nvSpPr>
+          <p:cNvPr id="8" name="Down Arrow 7">
+            <a:extLst>
+              <a:ext uri="{FF2B5EF4-FFF2-40B4-BE49-F238E27FC236}">
+                <a16:creationId xmlns:a16="http://schemas.microsoft.com/office/drawing/2014/main" id="{B547373F-AF2E-4907-B442-9F902B387FD0}"/>
+              </a:ext>
+              <a:ext uri="{C183D7F6-B498-43B3-948B-1728B52AA6E4}">
+                <adec:decorative xmlns:adec="http://schemas.microsoft.com/office/drawing/2017/decorative" val="1"/>
+              </a:ext>
+            </a:extLst>
+          </p:cNvPr>
+          <p:cNvSpPr>
+            <a:spLocks noGrp="1" noRot="1" noChangeAspect="1" noMove="1" noResize="1" noEditPoints="1" noAdjustHandles="1" noChangeArrowheads="1" noChangeShapeType="1" noTextEdit="1"/>
+          </p:cNvSpPr>
+          <p:nvPr>
+            <p:extLst>
+              <p:ext uri="{386F3935-93C4-4BCD-93E2-E3B085C9AB24}">
+                <p16:designElem xmlns:p16="http://schemas.microsoft.com/office/powerpoint/2015/main" val="1"/>
+              </p:ext>
+            </p:extLst>
+          </p:nvPr>
+        </p:nvSpPr>
+        <p:spPr>
+          <a:xfrm>
+            <a:off x="800100" y="-4763"/>
+            <a:ext cx="3333749" cy="3338514"/>
+          </a:xfrm>
+          <a:prstGeom prst="downArrow">
+            <a:avLst>
+              <a:gd name="adj1" fmla="val 100000"/>
+              <a:gd name="adj2" fmla="val 26890"/>
+            </a:avLst>
+          </a:prstGeom>
+          <a:solidFill>
+            <a:schemeClr val="tx1">
+              <a:lumMod val="85000"/>
+              <a:lumOff val="15000"/>
+            </a:schemeClr>
+          </a:solidFill>
+          <a:ln w="53975">
+            <a:noFill/>
+          </a:ln>
+        </p:spPr>
+        <p:style>
+          <a:lnRef idx="2">
+            <a:schemeClr val="accent1">
+              <a:shade val="50000"/>
+            </a:schemeClr>
+          </a:lnRef>
+          <a:fillRef idx="1">
+            <a:schemeClr val="accent1"/>
+          </a:fillRef>
+          <a:effectRef idx="0">
+            <a:schemeClr val="accent1"/>
+          </a:effectRef>
+          <a:fontRef idx="minor">
+            <a:schemeClr val="lt1"/>
+          </a:fontRef>
+        </p:style>
+        <p:txBody>
+          <a:bodyPr rtlCol="0" anchor="ctr"/>
+          <a:lstStyle/>
+          <a:p>
+            <a:pPr algn="ctr"/>
+            <a:endParaRPr lang="en-US"/>
+          </a:p>
+        </p:txBody>
+      </p:sp>
+      <p:sp>
+        <p:nvSpPr>
+          <p:cNvPr id="2" name="Title 1">
+            <a:extLst>
+              <a:ext uri="{FF2B5EF4-FFF2-40B4-BE49-F238E27FC236}">
+                <a16:creationId xmlns:a16="http://schemas.microsoft.com/office/drawing/2014/main" id="{4F3C0DF8-7C47-439E-BF92-5AF6D08AEA73}"/>
+              </a:ext>
+            </a:extLst>
+          </p:cNvPr>
+          <p:cNvSpPr>
+            <a:spLocks noGrp="1"/>
+          </p:cNvSpPr>
+          <p:nvPr>
+            <p:ph type="title"/>
+          </p:nvPr>
+        </p:nvSpPr>
+        <p:spPr>
+          <a:xfrm>
+            <a:off x="1028700" y="190501"/>
+            <a:ext cx="2886075" cy="2486024"/>
+          </a:xfrm>
+          <a:noFill/>
+        </p:spPr>
+        <p:txBody>
+          <a:bodyPr vert="horz" lIns="91440" tIns="45720" rIns="91440" bIns="45720" rtlCol="0" anchor="ctr">
+            <a:normAutofit/>
+          </a:bodyPr>
+          <a:lstStyle/>
+          <a:p>
+            <a:pPr algn="ctr"/>
+            <a:r>
+              <a:rPr lang="en-US" sz="3600" dirty="0">
+                <a:solidFill>
+                  <a:schemeClr val="bg1"/>
+                </a:solidFill>
+              </a:rPr>
+              <a:t>Accuracy Issue</a:t>
+            </a:r>
+          </a:p>
+        </p:txBody>
+      </p:sp>
+      <p:sp>
+        <p:nvSpPr>
+          <p:cNvPr id="4" name="TextBox 3">
+            <a:extLst>
+              <a:ext uri="{FF2B5EF4-FFF2-40B4-BE49-F238E27FC236}">
+                <a16:creationId xmlns:a16="http://schemas.microsoft.com/office/drawing/2014/main" id="{3C875BF0-C64A-4E4D-826E-CA956A4EDE5D}"/>
+              </a:ext>
+            </a:extLst>
+          </p:cNvPr>
+          <p:cNvSpPr txBox="1"/>
+          <p:nvPr/>
+        </p:nvSpPr>
+        <p:spPr>
+          <a:xfrm>
+            <a:off x="4429125" y="416260"/>
+            <a:ext cx="3333749" cy="369332"/>
+          </a:xfrm>
+          <a:prstGeom prst="rect">
+            <a:avLst/>
+          </a:prstGeom>
+          <a:noFill/>
+        </p:spPr>
+        <p:txBody>
+          <a:bodyPr wrap="square" rtlCol="0">
+            <a:spAutoFit/>
+          </a:bodyPr>
+          <a:lstStyle/>
+          <a:p>
+            <a:r>
+              <a:rPr lang="en-US" dirty="0"/>
+              <a:t>Best Result</a:t>
+            </a:r>
+          </a:p>
+        </p:txBody>
+      </p:sp>
+      <p:sp>
+        <p:nvSpPr>
+          <p:cNvPr id="5" name="TextBox 4">
+            <a:extLst>
+              <a:ext uri="{FF2B5EF4-FFF2-40B4-BE49-F238E27FC236}">
+                <a16:creationId xmlns:a16="http://schemas.microsoft.com/office/drawing/2014/main" id="{B33C6528-B46B-40A6-B1B0-92E4F36CE0CE}"/>
+              </a:ext>
+            </a:extLst>
+          </p:cNvPr>
+          <p:cNvSpPr txBox="1"/>
+          <p:nvPr/>
+        </p:nvSpPr>
+        <p:spPr>
+          <a:xfrm>
+            <a:off x="4429125" y="3528921"/>
+            <a:ext cx="1507787" cy="369332"/>
+          </a:xfrm>
+          <a:prstGeom prst="rect">
+            <a:avLst/>
+          </a:prstGeom>
+          <a:noFill/>
+        </p:spPr>
+        <p:txBody>
+          <a:bodyPr wrap="square" rtlCol="0">
+            <a:spAutoFit/>
+          </a:bodyPr>
+          <a:lstStyle/>
+          <a:p>
+            <a:r>
+              <a:rPr lang="en-US" dirty="0"/>
+              <a:t>Worst Result </a:t>
+            </a:r>
+          </a:p>
+        </p:txBody>
+      </p:sp>
+      <p:pic>
+        <p:nvPicPr>
+          <p:cNvPr id="7" name="Picture 6">
+            <a:extLst>
+              <a:ext uri="{FF2B5EF4-FFF2-40B4-BE49-F238E27FC236}">
+                <a16:creationId xmlns:a16="http://schemas.microsoft.com/office/drawing/2014/main" id="{0BB1CBC6-EC01-4B5D-80BF-00CD749DC126}"/>
+              </a:ext>
+            </a:extLst>
+          </p:cNvPr>
+          <p:cNvPicPr>
+            <a:picLocks noChangeAspect="1"/>
+          </p:cNvPicPr>
+          <p:nvPr/>
+        </p:nvPicPr>
+        <p:blipFill>
+          <a:blip r:embed="rId2">
+            <a:extLst>
+              <a:ext uri="{28A0092B-C50C-407E-A947-70E740481C1C}">
+                <a14:useLocalDpi xmlns:a14="http://schemas.microsoft.com/office/drawing/2010/main" val="0"/>
+              </a:ext>
+            </a:extLst>
+          </a:blip>
+          <a:stretch>
+            <a:fillRect/>
+          </a:stretch>
+        </p:blipFill>
+        <p:spPr>
+          <a:xfrm>
+            <a:off x="7312362" y="289978"/>
+            <a:ext cx="4730480" cy="2652378"/>
+          </a:xfrm>
+          <a:prstGeom prst="rect">
+            <a:avLst/>
+          </a:prstGeom>
+        </p:spPr>
+      </p:pic>
+      <p:pic>
+        <p:nvPicPr>
+          <p:cNvPr id="11" name="Picture 6" descr="Image result for kevin durant headshot">
+            <a:extLst>
+              <a:ext uri="{FF2B5EF4-FFF2-40B4-BE49-F238E27FC236}">
+                <a16:creationId xmlns:a16="http://schemas.microsoft.com/office/drawing/2014/main" id="{95AC18A4-9B1F-406F-8077-878DE73104FB}"/>
+              </a:ext>
+            </a:extLst>
+          </p:cNvPr>
+          <p:cNvPicPr>
+            <a:picLocks noChangeAspect="1" noChangeArrowheads="1"/>
+          </p:cNvPicPr>
+          <p:nvPr/>
+        </p:nvPicPr>
+        <p:blipFill>
+          <a:blip r:embed="rId3">
+            <a:extLst>
+              <a:ext uri="{28A0092B-C50C-407E-A947-70E740481C1C}">
+                <a14:useLocalDpi xmlns:a14="http://schemas.microsoft.com/office/drawing/2010/main" val="0"/>
+              </a:ext>
+            </a:extLst>
+          </a:blip>
+          <a:srcRect/>
+          <a:stretch>
+            <a:fillRect/>
+          </a:stretch>
+        </p:blipFill>
+        <p:spPr bwMode="auto">
+          <a:xfrm>
+            <a:off x="5342106" y="562730"/>
+            <a:ext cx="1777526" cy="2158425"/>
+          </a:xfrm>
+          <a:prstGeom prst="rect">
+            <a:avLst/>
+          </a:prstGeom>
+          <a:noFill/>
+          <a:extLst>
+            <a:ext uri="{909E8E84-426E-40DD-AFC4-6F175D3DCCD1}">
+              <a14:hiddenFill xmlns:a14="http://schemas.microsoft.com/office/drawing/2010/main">
+                <a:solidFill>
+                  <a:srgbClr val="FFFFFF"/>
+                </a:solidFill>
+              </a14:hiddenFill>
+            </a:ext>
+          </a:extLst>
+        </p:spPr>
+      </p:pic>
+      <p:pic>
+        <p:nvPicPr>
+          <p:cNvPr id="14" name="Picture 13">
+            <a:extLst>
+              <a:ext uri="{FF2B5EF4-FFF2-40B4-BE49-F238E27FC236}">
+                <a16:creationId xmlns:a16="http://schemas.microsoft.com/office/drawing/2014/main" id="{4A0CA051-8709-4836-9AB4-BDA2182EA283}"/>
+              </a:ext>
+            </a:extLst>
+          </p:cNvPr>
+          <p:cNvPicPr>
+            <a:picLocks noChangeAspect="1"/>
+          </p:cNvPicPr>
+          <p:nvPr/>
+        </p:nvPicPr>
+        <p:blipFill>
+          <a:blip r:embed="rId4">
+            <a:extLst>
+              <a:ext uri="{28A0092B-C50C-407E-A947-70E740481C1C}">
+                <a14:useLocalDpi xmlns:a14="http://schemas.microsoft.com/office/drawing/2010/main" val="0"/>
+              </a:ext>
+            </a:extLst>
+          </a:blip>
+          <a:stretch>
+            <a:fillRect/>
+          </a:stretch>
+        </p:blipFill>
+        <p:spPr>
+          <a:xfrm>
+            <a:off x="7430610" y="3469480"/>
+            <a:ext cx="4612232" cy="2586077"/>
+          </a:xfrm>
+          <a:prstGeom prst="rect">
+            <a:avLst/>
+          </a:prstGeom>
+        </p:spPr>
+      </p:pic>
+      <p:pic>
+        <p:nvPicPr>
+          <p:cNvPr id="16" name="Picture 15">
+            <a:extLst>
+              <a:ext uri="{FF2B5EF4-FFF2-40B4-BE49-F238E27FC236}">
+                <a16:creationId xmlns:a16="http://schemas.microsoft.com/office/drawing/2014/main" id="{49F5901A-6349-4B6E-84B0-9C73210CCF0D}"/>
+              </a:ext>
+            </a:extLst>
+          </p:cNvPr>
+          <p:cNvPicPr>
+            <a:picLocks noChangeAspect="1"/>
+          </p:cNvPicPr>
+          <p:nvPr/>
+        </p:nvPicPr>
+        <p:blipFill>
+          <a:blip r:embed="rId5">
+            <a:extLst>
+              <a:ext uri="{28A0092B-C50C-407E-A947-70E740481C1C}">
+                <a14:useLocalDpi xmlns:a14="http://schemas.microsoft.com/office/drawing/2010/main" val="0"/>
+              </a:ext>
+            </a:extLst>
+          </a:blip>
+          <a:stretch>
+            <a:fillRect/>
+          </a:stretch>
+        </p:blipFill>
+        <p:spPr>
+          <a:xfrm>
+            <a:off x="5789816" y="2870214"/>
+            <a:ext cx="6408224" cy="276614"/>
+          </a:xfrm>
+          <a:prstGeom prst="rect">
+            <a:avLst/>
+          </a:prstGeom>
+        </p:spPr>
+      </p:pic>
+      <p:sp>
+        <p:nvSpPr>
+          <p:cNvPr id="12" name="Oval 11">
+            <a:extLst>
+              <a:ext uri="{FF2B5EF4-FFF2-40B4-BE49-F238E27FC236}">
+                <a16:creationId xmlns:a16="http://schemas.microsoft.com/office/drawing/2014/main" id="{D465A6AC-AE88-4EA5-9268-8253707136D3}"/>
+              </a:ext>
+            </a:extLst>
+          </p:cNvPr>
+          <p:cNvSpPr/>
+          <p:nvPr/>
+        </p:nvSpPr>
+        <p:spPr>
+          <a:xfrm>
+            <a:off x="7622143" y="2816854"/>
+            <a:ext cx="1202264" cy="503567"/>
+          </a:xfrm>
+          <a:prstGeom prst="ellipse">
+            <a:avLst/>
+          </a:prstGeom>
+          <a:noFill/>
+          <a:ln w="28575">
+            <a:solidFill>
+              <a:srgbClr val="FF0000"/>
+            </a:solidFill>
+          </a:ln>
+        </p:spPr>
+        <p:style>
+          <a:lnRef idx="2">
+            <a:schemeClr val="accent1">
+              <a:shade val="50000"/>
+            </a:schemeClr>
+          </a:lnRef>
+          <a:fillRef idx="1">
+            <a:schemeClr val="accent1"/>
+          </a:fillRef>
+          <a:effectRef idx="0">
+            <a:schemeClr val="accent1"/>
+          </a:effectRef>
+          <a:fontRef idx="minor">
+            <a:schemeClr val="lt1"/>
+          </a:fontRef>
+        </p:style>
+        <p:txBody>
+          <a:bodyPr rtlCol="0" anchor="ctr"/>
+          <a:lstStyle/>
+          <a:p>
+            <a:pPr algn="ctr"/>
+            <a:endParaRPr lang="en-US"/>
+          </a:p>
+        </p:txBody>
+      </p:sp>
+      <p:pic>
+        <p:nvPicPr>
+          <p:cNvPr id="17" name="Picture 2" descr="Image result for steph curry headshot">
+            <a:extLst>
+              <a:ext uri="{FF2B5EF4-FFF2-40B4-BE49-F238E27FC236}">
+                <a16:creationId xmlns:a16="http://schemas.microsoft.com/office/drawing/2014/main" id="{488BD1E6-0B7E-4A52-AC92-3D2BD8E0F6D9}"/>
+              </a:ext>
+            </a:extLst>
+          </p:cNvPr>
+          <p:cNvPicPr>
+            <a:picLocks noChangeAspect="1" noChangeArrowheads="1"/>
+          </p:cNvPicPr>
+          <p:nvPr/>
+        </p:nvPicPr>
+        <p:blipFill>
+          <a:blip r:embed="rId6">
+            <a:extLst>
+              <a:ext uri="{28A0092B-C50C-407E-A947-70E740481C1C}">
+                <a14:useLocalDpi xmlns:a14="http://schemas.microsoft.com/office/drawing/2010/main" val="0"/>
+              </a:ext>
+            </a:extLst>
+          </a:blip>
+          <a:srcRect/>
+          <a:stretch>
+            <a:fillRect/>
+          </a:stretch>
+        </p:blipFill>
+        <p:spPr bwMode="auto">
+          <a:xfrm>
+            <a:off x="5254040" y="3713587"/>
+            <a:ext cx="2176570" cy="2176570"/>
+          </a:xfrm>
+          <a:prstGeom prst="rect">
+            <a:avLst/>
+          </a:prstGeom>
+          <a:noFill/>
+          <a:extLst>
+            <a:ext uri="{909E8E84-426E-40DD-AFC4-6F175D3DCCD1}">
+              <a14:hiddenFill xmlns:a14="http://schemas.microsoft.com/office/drawing/2010/main">
+                <a:solidFill>
+                  <a:srgbClr val="FFFFFF"/>
+                </a:solidFill>
+              </a14:hiddenFill>
+            </a:ext>
+          </a:extLst>
+        </p:spPr>
+      </p:pic>
+      <p:pic>
+        <p:nvPicPr>
+          <p:cNvPr id="19" name="Picture 18">
+            <a:extLst>
+              <a:ext uri="{FF2B5EF4-FFF2-40B4-BE49-F238E27FC236}">
+                <a16:creationId xmlns:a16="http://schemas.microsoft.com/office/drawing/2014/main" id="{3198D0AD-28BA-4AEA-BD45-CF45CBD0570D}"/>
+              </a:ext>
+            </a:extLst>
+          </p:cNvPr>
+          <p:cNvPicPr>
+            <a:picLocks noChangeAspect="1"/>
+          </p:cNvPicPr>
+          <p:nvPr/>
+        </p:nvPicPr>
+        <p:blipFill>
+          <a:blip r:embed="rId7">
+            <a:extLst>
+              <a:ext uri="{28A0092B-C50C-407E-A947-70E740481C1C}">
+                <a14:useLocalDpi xmlns:a14="http://schemas.microsoft.com/office/drawing/2010/main" val="0"/>
+              </a:ext>
+            </a:extLst>
+          </a:blip>
+          <a:stretch>
+            <a:fillRect/>
+          </a:stretch>
+        </p:blipFill>
+        <p:spPr>
+          <a:xfrm>
+            <a:off x="5789816" y="6152581"/>
+            <a:ext cx="6362498" cy="304335"/>
+          </a:xfrm>
+          <a:prstGeom prst="rect">
+            <a:avLst/>
+          </a:prstGeom>
+        </p:spPr>
+      </p:pic>
+      <p:sp>
+        <p:nvSpPr>
+          <p:cNvPr id="20" name="Oval 19">
+            <a:extLst>
+              <a:ext uri="{FF2B5EF4-FFF2-40B4-BE49-F238E27FC236}">
+                <a16:creationId xmlns:a16="http://schemas.microsoft.com/office/drawing/2014/main" id="{0DB7FD76-B13C-49F7-BC99-85045A32B1F0}"/>
+              </a:ext>
+            </a:extLst>
+          </p:cNvPr>
+          <p:cNvSpPr/>
+          <p:nvPr/>
+        </p:nvSpPr>
+        <p:spPr>
+          <a:xfrm>
+            <a:off x="7622143" y="6056024"/>
+            <a:ext cx="1202264" cy="503567"/>
+          </a:xfrm>
+          <a:prstGeom prst="ellipse">
+            <a:avLst/>
+          </a:prstGeom>
+          <a:noFill/>
+          <a:ln w="28575">
+            <a:solidFill>
+              <a:srgbClr val="FF0000"/>
+            </a:solidFill>
+          </a:ln>
+        </p:spPr>
+        <p:style>
+          <a:lnRef idx="2">
+            <a:schemeClr val="accent1">
+              <a:shade val="50000"/>
+            </a:schemeClr>
+          </a:lnRef>
+          <a:fillRef idx="1">
+            <a:schemeClr val="accent1"/>
+          </a:fillRef>
+          <a:effectRef idx="0">
+            <a:schemeClr val="accent1"/>
+          </a:effectRef>
+          <a:fontRef idx="minor">
+            <a:schemeClr val="lt1"/>
+          </a:fontRef>
+        </p:style>
+        <p:txBody>
+          <a:bodyPr rtlCol="0" anchor="ctr"/>
+          <a:lstStyle/>
+          <a:p>
+            <a:pPr algn="ctr"/>
+            <a:endParaRPr lang="en-US"/>
+          </a:p>
+        </p:txBody>
+      </p:sp>
+      <p:sp>
+        <p:nvSpPr>
+          <p:cNvPr id="21" name="TextBox 20">
+            <a:extLst>
+              <a:ext uri="{FF2B5EF4-FFF2-40B4-BE49-F238E27FC236}">
+                <a16:creationId xmlns:a16="http://schemas.microsoft.com/office/drawing/2014/main" id="{3B2AC3C8-C45A-42D1-9A2A-8532198E5BBE}"/>
+              </a:ext>
+            </a:extLst>
+          </p:cNvPr>
+          <p:cNvSpPr txBox="1"/>
+          <p:nvPr/>
+        </p:nvSpPr>
+        <p:spPr>
+          <a:xfrm>
+            <a:off x="807871" y="4212796"/>
+            <a:ext cx="3645577" cy="1200329"/>
+          </a:xfrm>
+          <a:prstGeom prst="rect">
+            <a:avLst/>
+          </a:prstGeom>
+          <a:noFill/>
+        </p:spPr>
+        <p:txBody>
+          <a:bodyPr wrap="square" rtlCol="0">
+            <a:spAutoFit/>
+          </a:bodyPr>
+          <a:lstStyle/>
+          <a:p>
+            <a:r>
+              <a:rPr lang="en-US" dirty="0"/>
+              <a:t>This shows us that neither the drift method nor the naïve method are good predictors of future performance</a:t>
+            </a:r>
+          </a:p>
+        </p:txBody>
+      </p:sp>
+      <p:sp>
+        <p:nvSpPr>
+          <p:cNvPr id="22" name="TextBox 21">
+            <a:extLst>
+              <a:ext uri="{FF2B5EF4-FFF2-40B4-BE49-F238E27FC236}">
+                <a16:creationId xmlns:a16="http://schemas.microsoft.com/office/drawing/2014/main" id="{7D46077F-BC9C-4AE9-8D2A-2724D29A30F2}"/>
+              </a:ext>
+            </a:extLst>
+          </p:cNvPr>
+          <p:cNvSpPr txBox="1"/>
+          <p:nvPr/>
+        </p:nvSpPr>
+        <p:spPr>
+          <a:xfrm>
+            <a:off x="807871" y="5443561"/>
+            <a:ext cx="3499021" cy="646331"/>
+          </a:xfrm>
+          <a:prstGeom prst="rect">
+            <a:avLst/>
+          </a:prstGeom>
+          <a:noFill/>
+        </p:spPr>
+        <p:txBody>
+          <a:bodyPr wrap="square" rtlCol="0">
+            <a:spAutoFit/>
+          </a:bodyPr>
+          <a:lstStyle/>
+          <a:p>
+            <a:r>
+              <a:rPr lang="en-US" dirty="0"/>
+              <a:t>The better results that we got were purely circumstantial  </a:t>
+            </a:r>
+          </a:p>
+        </p:txBody>
+      </p:sp>
+      <p:sp>
+        <p:nvSpPr>
+          <p:cNvPr id="23" name="TextBox 22">
+            <a:extLst>
+              <a:ext uri="{FF2B5EF4-FFF2-40B4-BE49-F238E27FC236}">
+                <a16:creationId xmlns:a16="http://schemas.microsoft.com/office/drawing/2014/main" id="{09F2347D-A633-428B-BE2A-2F48C1F5CAC6}"/>
+              </a:ext>
+            </a:extLst>
+          </p:cNvPr>
+          <p:cNvSpPr txBox="1"/>
+          <p:nvPr/>
+        </p:nvSpPr>
+        <p:spPr>
+          <a:xfrm>
+            <a:off x="807871" y="3536029"/>
+            <a:ext cx="3333749" cy="646331"/>
+          </a:xfrm>
+          <a:prstGeom prst="rect">
+            <a:avLst/>
+          </a:prstGeom>
+          <a:noFill/>
+        </p:spPr>
+        <p:txBody>
+          <a:bodyPr wrap="square" rtlCol="0">
+            <a:spAutoFit/>
+          </a:bodyPr>
+          <a:lstStyle/>
+          <a:p>
+            <a:r>
+              <a:rPr lang="en-US" dirty="0"/>
+              <a:t>RMSE is not less that 10% of the mean of f(x)</a:t>
+            </a:r>
+          </a:p>
+        </p:txBody>
+      </p:sp>
+      <p:sp>
+        <p:nvSpPr>
+          <p:cNvPr id="25" name="TextBox 24">
+            <a:extLst>
+              <a:ext uri="{FF2B5EF4-FFF2-40B4-BE49-F238E27FC236}">
+                <a16:creationId xmlns:a16="http://schemas.microsoft.com/office/drawing/2014/main" id="{4B1CA78A-91DC-4A52-AF44-942BDF08B096}"/>
+              </a:ext>
+            </a:extLst>
+          </p:cNvPr>
+          <p:cNvSpPr txBox="1"/>
+          <p:nvPr/>
+        </p:nvSpPr>
+        <p:spPr>
+          <a:xfrm>
+            <a:off x="381551" y="6165546"/>
+            <a:ext cx="4492101" cy="369332"/>
+          </a:xfrm>
+          <a:prstGeom prst="rect">
+            <a:avLst/>
+          </a:prstGeom>
+          <a:noFill/>
+        </p:spPr>
+        <p:txBody>
+          <a:bodyPr wrap="square" rtlCol="0">
+            <a:spAutoFit/>
+          </a:bodyPr>
+          <a:lstStyle/>
+          <a:p>
+            <a:r>
+              <a:rPr lang="en-US" b="1" dirty="0"/>
+              <a:t>Cannot effectively predict future statistics</a:t>
+            </a:r>
+          </a:p>
+        </p:txBody>
+      </p:sp>
+    </p:spTree>
+    <p:extLst>
+      <p:ext uri="{BB962C8B-B14F-4D97-AF65-F5344CB8AC3E}">
+        <p14:creationId xmlns:p14="http://schemas.microsoft.com/office/powerpoint/2010/main" val="4215656960"/>
       </p:ext>
     </p:extLst>
   </p:cSld>

--- a/NBA Stat Anaylsis.pptx
+++ b/NBA Stat Anaylsis.pptx
@@ -12,8 +12,9 @@
     <p:sldId id="259" r:id="rId6"/>
     <p:sldId id="260" r:id="rId7"/>
     <p:sldId id="262" r:id="rId8"/>
-    <p:sldId id="263" r:id="rId9"/>
-    <p:sldId id="264" r:id="rId10"/>
+    <p:sldId id="265" r:id="rId9"/>
+    <p:sldId id="263" r:id="rId10"/>
+    <p:sldId id="264" r:id="rId11"/>
   </p:sldIdLst>
   <p:sldSz cx="12192000" cy="6858000"/>
   <p:notesSz cx="6858000" cy="9144000"/>
@@ -12059,6 +12060,706 @@
 </p:sld>
 </file>
 
+<file path=ppt/slides/slide10.xml><?xml version="1.0" encoding="utf-8"?>
+<p:sld xmlns:a="http://schemas.openxmlformats.org/drawingml/2006/main" xmlns:r="http://schemas.openxmlformats.org/officeDocument/2006/relationships" xmlns:p="http://schemas.openxmlformats.org/presentationml/2006/main">
+  <p:cSld>
+    <p:bg>
+      <p:bgPr>
+        <a:solidFill>
+          <a:schemeClr val="bg1"/>
+        </a:solidFill>
+        <a:effectLst/>
+      </p:bgPr>
+    </p:bg>
+    <p:spTree>
+      <p:nvGrpSpPr>
+        <p:cNvPr id="1" name=""/>
+        <p:cNvGrpSpPr/>
+        <p:nvPr/>
+      </p:nvGrpSpPr>
+      <p:grpSpPr>
+        <a:xfrm>
+          <a:off x="0" y="0"/>
+          <a:ext cx="0" cy="0"/>
+          <a:chOff x="0" y="0"/>
+          <a:chExt cx="0" cy="0"/>
+        </a:xfrm>
+      </p:grpSpPr>
+      <p:sp>
+        <p:nvSpPr>
+          <p:cNvPr id="8" name="Down Arrow 7">
+            <a:extLst>
+              <a:ext uri="{FF2B5EF4-FFF2-40B4-BE49-F238E27FC236}">
+                <a16:creationId xmlns:a16="http://schemas.microsoft.com/office/drawing/2014/main" id="{B547373F-AF2E-4907-B442-9F902B387FD0}"/>
+              </a:ext>
+              <a:ext uri="{C183D7F6-B498-43B3-948B-1728B52AA6E4}">
+                <adec:decorative xmlns:adec="http://schemas.microsoft.com/office/drawing/2017/decorative" val="1"/>
+              </a:ext>
+            </a:extLst>
+          </p:cNvPr>
+          <p:cNvSpPr>
+            <a:spLocks noGrp="1" noRot="1" noChangeAspect="1" noMove="1" noResize="1" noEditPoints="1" noAdjustHandles="1" noChangeArrowheads="1" noChangeShapeType="1" noTextEdit="1"/>
+          </p:cNvSpPr>
+          <p:nvPr>
+            <p:extLst>
+              <p:ext uri="{386F3935-93C4-4BCD-93E2-E3B085C9AB24}">
+                <p16:designElem xmlns:p16="http://schemas.microsoft.com/office/powerpoint/2015/main" val="1"/>
+              </p:ext>
+            </p:extLst>
+          </p:nvPr>
+        </p:nvSpPr>
+        <p:spPr>
+          <a:xfrm>
+            <a:off x="800100" y="-4763"/>
+            <a:ext cx="3333749" cy="3338514"/>
+          </a:xfrm>
+          <a:prstGeom prst="downArrow">
+            <a:avLst>
+              <a:gd name="adj1" fmla="val 100000"/>
+              <a:gd name="adj2" fmla="val 26890"/>
+            </a:avLst>
+          </a:prstGeom>
+          <a:solidFill>
+            <a:schemeClr val="tx1">
+              <a:lumMod val="85000"/>
+              <a:lumOff val="15000"/>
+            </a:schemeClr>
+          </a:solidFill>
+          <a:ln w="53975">
+            <a:noFill/>
+          </a:ln>
+        </p:spPr>
+        <p:style>
+          <a:lnRef idx="2">
+            <a:schemeClr val="accent1">
+              <a:shade val="50000"/>
+            </a:schemeClr>
+          </a:lnRef>
+          <a:fillRef idx="1">
+            <a:schemeClr val="accent1"/>
+          </a:fillRef>
+          <a:effectRef idx="0">
+            <a:schemeClr val="accent1"/>
+          </a:effectRef>
+          <a:fontRef idx="minor">
+            <a:schemeClr val="lt1"/>
+          </a:fontRef>
+        </p:style>
+        <p:txBody>
+          <a:bodyPr rtlCol="0" anchor="ctr"/>
+          <a:lstStyle/>
+          <a:p>
+            <a:pPr algn="ctr"/>
+            <a:endParaRPr lang="en-US"/>
+          </a:p>
+        </p:txBody>
+      </p:sp>
+      <p:sp>
+        <p:nvSpPr>
+          <p:cNvPr id="2" name="Title 1">
+            <a:extLst>
+              <a:ext uri="{FF2B5EF4-FFF2-40B4-BE49-F238E27FC236}">
+                <a16:creationId xmlns:a16="http://schemas.microsoft.com/office/drawing/2014/main" id="{4F3C0DF8-7C47-439E-BF92-5AF6D08AEA73}"/>
+              </a:ext>
+            </a:extLst>
+          </p:cNvPr>
+          <p:cNvSpPr>
+            <a:spLocks noGrp="1"/>
+          </p:cNvSpPr>
+          <p:nvPr>
+            <p:ph type="title"/>
+          </p:nvPr>
+        </p:nvSpPr>
+        <p:spPr>
+          <a:xfrm>
+            <a:off x="1028700" y="190501"/>
+            <a:ext cx="2886075" cy="2486024"/>
+          </a:xfrm>
+          <a:noFill/>
+        </p:spPr>
+        <p:txBody>
+          <a:bodyPr vert="horz" lIns="91440" tIns="45720" rIns="91440" bIns="45720" rtlCol="0" anchor="ctr">
+            <a:normAutofit/>
+          </a:bodyPr>
+          <a:lstStyle/>
+          <a:p>
+            <a:pPr algn="ctr"/>
+            <a:r>
+              <a:rPr lang="en-US" sz="3600" dirty="0">
+                <a:solidFill>
+                  <a:schemeClr val="bg1"/>
+                </a:solidFill>
+              </a:rPr>
+              <a:t>Accuracy Issue</a:t>
+            </a:r>
+          </a:p>
+        </p:txBody>
+      </p:sp>
+      <p:sp>
+        <p:nvSpPr>
+          <p:cNvPr id="4" name="TextBox 3">
+            <a:extLst>
+              <a:ext uri="{FF2B5EF4-FFF2-40B4-BE49-F238E27FC236}">
+                <a16:creationId xmlns:a16="http://schemas.microsoft.com/office/drawing/2014/main" id="{3C875BF0-C64A-4E4D-826E-CA956A4EDE5D}"/>
+              </a:ext>
+            </a:extLst>
+          </p:cNvPr>
+          <p:cNvSpPr txBox="1"/>
+          <p:nvPr/>
+        </p:nvSpPr>
+        <p:spPr>
+          <a:xfrm>
+            <a:off x="4429125" y="416260"/>
+            <a:ext cx="3333749" cy="369332"/>
+          </a:xfrm>
+          <a:prstGeom prst="rect">
+            <a:avLst/>
+          </a:prstGeom>
+          <a:noFill/>
+        </p:spPr>
+        <p:txBody>
+          <a:bodyPr wrap="square" rtlCol="0">
+            <a:spAutoFit/>
+          </a:bodyPr>
+          <a:lstStyle/>
+          <a:p>
+            <a:r>
+              <a:rPr lang="en-US" dirty="0"/>
+              <a:t>Best Result</a:t>
+            </a:r>
+          </a:p>
+        </p:txBody>
+      </p:sp>
+      <p:sp>
+        <p:nvSpPr>
+          <p:cNvPr id="5" name="TextBox 4">
+            <a:extLst>
+              <a:ext uri="{FF2B5EF4-FFF2-40B4-BE49-F238E27FC236}">
+                <a16:creationId xmlns:a16="http://schemas.microsoft.com/office/drawing/2014/main" id="{B33C6528-B46B-40A6-B1B0-92E4F36CE0CE}"/>
+              </a:ext>
+            </a:extLst>
+          </p:cNvPr>
+          <p:cNvSpPr txBox="1"/>
+          <p:nvPr/>
+        </p:nvSpPr>
+        <p:spPr>
+          <a:xfrm>
+            <a:off x="4429125" y="3528921"/>
+            <a:ext cx="1507787" cy="369332"/>
+          </a:xfrm>
+          <a:prstGeom prst="rect">
+            <a:avLst/>
+          </a:prstGeom>
+          <a:noFill/>
+        </p:spPr>
+        <p:txBody>
+          <a:bodyPr wrap="square" rtlCol="0">
+            <a:spAutoFit/>
+          </a:bodyPr>
+          <a:lstStyle/>
+          <a:p>
+            <a:r>
+              <a:rPr lang="en-US" dirty="0"/>
+              <a:t>Worst Result </a:t>
+            </a:r>
+          </a:p>
+        </p:txBody>
+      </p:sp>
+      <p:pic>
+        <p:nvPicPr>
+          <p:cNvPr id="7" name="Picture 6">
+            <a:extLst>
+              <a:ext uri="{FF2B5EF4-FFF2-40B4-BE49-F238E27FC236}">
+                <a16:creationId xmlns:a16="http://schemas.microsoft.com/office/drawing/2014/main" id="{0BB1CBC6-EC01-4B5D-80BF-00CD749DC126}"/>
+              </a:ext>
+            </a:extLst>
+          </p:cNvPr>
+          <p:cNvPicPr>
+            <a:picLocks noChangeAspect="1"/>
+          </p:cNvPicPr>
+          <p:nvPr/>
+        </p:nvPicPr>
+        <p:blipFill>
+          <a:blip r:embed="rId2">
+            <a:extLst>
+              <a:ext uri="{28A0092B-C50C-407E-A947-70E740481C1C}">
+                <a14:useLocalDpi xmlns:a14="http://schemas.microsoft.com/office/drawing/2010/main" val="0"/>
+              </a:ext>
+            </a:extLst>
+          </a:blip>
+          <a:stretch>
+            <a:fillRect/>
+          </a:stretch>
+        </p:blipFill>
+        <p:spPr>
+          <a:xfrm>
+            <a:off x="7312362" y="289978"/>
+            <a:ext cx="4730480" cy="2652378"/>
+          </a:xfrm>
+          <a:prstGeom prst="rect">
+            <a:avLst/>
+          </a:prstGeom>
+        </p:spPr>
+      </p:pic>
+      <p:pic>
+        <p:nvPicPr>
+          <p:cNvPr id="11" name="Picture 6" descr="Image result for kevin durant headshot">
+            <a:extLst>
+              <a:ext uri="{FF2B5EF4-FFF2-40B4-BE49-F238E27FC236}">
+                <a16:creationId xmlns:a16="http://schemas.microsoft.com/office/drawing/2014/main" id="{95AC18A4-9B1F-406F-8077-878DE73104FB}"/>
+              </a:ext>
+            </a:extLst>
+          </p:cNvPr>
+          <p:cNvPicPr>
+            <a:picLocks noChangeAspect="1" noChangeArrowheads="1"/>
+          </p:cNvPicPr>
+          <p:nvPr/>
+        </p:nvPicPr>
+        <p:blipFill>
+          <a:blip r:embed="rId3">
+            <a:extLst>
+              <a:ext uri="{28A0092B-C50C-407E-A947-70E740481C1C}">
+                <a14:useLocalDpi xmlns:a14="http://schemas.microsoft.com/office/drawing/2010/main" val="0"/>
+              </a:ext>
+            </a:extLst>
+          </a:blip>
+          <a:srcRect/>
+          <a:stretch>
+            <a:fillRect/>
+          </a:stretch>
+        </p:blipFill>
+        <p:spPr bwMode="auto">
+          <a:xfrm>
+            <a:off x="5342106" y="562730"/>
+            <a:ext cx="1777526" cy="2158425"/>
+          </a:xfrm>
+          <a:prstGeom prst="rect">
+            <a:avLst/>
+          </a:prstGeom>
+          <a:noFill/>
+          <a:extLst>
+            <a:ext uri="{909E8E84-426E-40DD-AFC4-6F175D3DCCD1}">
+              <a14:hiddenFill xmlns:a14="http://schemas.microsoft.com/office/drawing/2010/main">
+                <a:solidFill>
+                  <a:srgbClr val="FFFFFF"/>
+                </a:solidFill>
+              </a14:hiddenFill>
+            </a:ext>
+          </a:extLst>
+        </p:spPr>
+      </p:pic>
+      <p:pic>
+        <p:nvPicPr>
+          <p:cNvPr id="14" name="Picture 13">
+            <a:extLst>
+              <a:ext uri="{FF2B5EF4-FFF2-40B4-BE49-F238E27FC236}">
+                <a16:creationId xmlns:a16="http://schemas.microsoft.com/office/drawing/2014/main" id="{4A0CA051-8709-4836-9AB4-BDA2182EA283}"/>
+              </a:ext>
+            </a:extLst>
+          </p:cNvPr>
+          <p:cNvPicPr>
+            <a:picLocks noChangeAspect="1"/>
+          </p:cNvPicPr>
+          <p:nvPr/>
+        </p:nvPicPr>
+        <p:blipFill>
+          <a:blip r:embed="rId4">
+            <a:extLst>
+              <a:ext uri="{28A0092B-C50C-407E-A947-70E740481C1C}">
+                <a14:useLocalDpi xmlns:a14="http://schemas.microsoft.com/office/drawing/2010/main" val="0"/>
+              </a:ext>
+            </a:extLst>
+          </a:blip>
+          <a:stretch>
+            <a:fillRect/>
+          </a:stretch>
+        </p:blipFill>
+        <p:spPr>
+          <a:xfrm>
+            <a:off x="7430610" y="3469480"/>
+            <a:ext cx="4612232" cy="2586077"/>
+          </a:xfrm>
+          <a:prstGeom prst="rect">
+            <a:avLst/>
+          </a:prstGeom>
+        </p:spPr>
+      </p:pic>
+      <p:pic>
+        <p:nvPicPr>
+          <p:cNvPr id="16" name="Picture 15">
+            <a:extLst>
+              <a:ext uri="{FF2B5EF4-FFF2-40B4-BE49-F238E27FC236}">
+                <a16:creationId xmlns:a16="http://schemas.microsoft.com/office/drawing/2014/main" id="{49F5901A-6349-4B6E-84B0-9C73210CCF0D}"/>
+              </a:ext>
+            </a:extLst>
+          </p:cNvPr>
+          <p:cNvPicPr>
+            <a:picLocks noChangeAspect="1"/>
+          </p:cNvPicPr>
+          <p:nvPr/>
+        </p:nvPicPr>
+        <p:blipFill>
+          <a:blip r:embed="rId5">
+            <a:extLst>
+              <a:ext uri="{28A0092B-C50C-407E-A947-70E740481C1C}">
+                <a14:useLocalDpi xmlns:a14="http://schemas.microsoft.com/office/drawing/2010/main" val="0"/>
+              </a:ext>
+            </a:extLst>
+          </a:blip>
+          <a:stretch>
+            <a:fillRect/>
+          </a:stretch>
+        </p:blipFill>
+        <p:spPr>
+          <a:xfrm>
+            <a:off x="5789816" y="2870214"/>
+            <a:ext cx="6408224" cy="276614"/>
+          </a:xfrm>
+          <a:prstGeom prst="rect">
+            <a:avLst/>
+          </a:prstGeom>
+        </p:spPr>
+      </p:pic>
+      <p:sp>
+        <p:nvSpPr>
+          <p:cNvPr id="12" name="Oval 11">
+            <a:extLst>
+              <a:ext uri="{FF2B5EF4-FFF2-40B4-BE49-F238E27FC236}">
+                <a16:creationId xmlns:a16="http://schemas.microsoft.com/office/drawing/2014/main" id="{D465A6AC-AE88-4EA5-9268-8253707136D3}"/>
+              </a:ext>
+            </a:extLst>
+          </p:cNvPr>
+          <p:cNvSpPr/>
+          <p:nvPr/>
+        </p:nvSpPr>
+        <p:spPr>
+          <a:xfrm>
+            <a:off x="7622143" y="2816854"/>
+            <a:ext cx="1202264" cy="503567"/>
+          </a:xfrm>
+          <a:prstGeom prst="ellipse">
+            <a:avLst/>
+          </a:prstGeom>
+          <a:noFill/>
+          <a:ln w="28575">
+            <a:solidFill>
+              <a:srgbClr val="FF0000"/>
+            </a:solidFill>
+          </a:ln>
+        </p:spPr>
+        <p:style>
+          <a:lnRef idx="2">
+            <a:schemeClr val="accent1">
+              <a:shade val="50000"/>
+            </a:schemeClr>
+          </a:lnRef>
+          <a:fillRef idx="1">
+            <a:schemeClr val="accent1"/>
+          </a:fillRef>
+          <a:effectRef idx="0">
+            <a:schemeClr val="accent1"/>
+          </a:effectRef>
+          <a:fontRef idx="minor">
+            <a:schemeClr val="lt1"/>
+          </a:fontRef>
+        </p:style>
+        <p:txBody>
+          <a:bodyPr rtlCol="0" anchor="ctr"/>
+          <a:lstStyle/>
+          <a:p>
+            <a:pPr algn="ctr"/>
+            <a:endParaRPr lang="en-US"/>
+          </a:p>
+        </p:txBody>
+      </p:sp>
+      <p:pic>
+        <p:nvPicPr>
+          <p:cNvPr id="17" name="Picture 2" descr="Image result for steph curry headshot">
+            <a:extLst>
+              <a:ext uri="{FF2B5EF4-FFF2-40B4-BE49-F238E27FC236}">
+                <a16:creationId xmlns:a16="http://schemas.microsoft.com/office/drawing/2014/main" id="{488BD1E6-0B7E-4A52-AC92-3D2BD8E0F6D9}"/>
+              </a:ext>
+            </a:extLst>
+          </p:cNvPr>
+          <p:cNvPicPr>
+            <a:picLocks noChangeAspect="1" noChangeArrowheads="1"/>
+          </p:cNvPicPr>
+          <p:nvPr/>
+        </p:nvPicPr>
+        <p:blipFill>
+          <a:blip r:embed="rId6">
+            <a:extLst>
+              <a:ext uri="{28A0092B-C50C-407E-A947-70E740481C1C}">
+                <a14:useLocalDpi xmlns:a14="http://schemas.microsoft.com/office/drawing/2010/main" val="0"/>
+              </a:ext>
+            </a:extLst>
+          </a:blip>
+          <a:srcRect/>
+          <a:stretch>
+            <a:fillRect/>
+          </a:stretch>
+        </p:blipFill>
+        <p:spPr bwMode="auto">
+          <a:xfrm>
+            <a:off x="5254040" y="3713587"/>
+            <a:ext cx="2176570" cy="2176570"/>
+          </a:xfrm>
+          <a:prstGeom prst="rect">
+            <a:avLst/>
+          </a:prstGeom>
+          <a:noFill/>
+          <a:extLst>
+            <a:ext uri="{909E8E84-426E-40DD-AFC4-6F175D3DCCD1}">
+              <a14:hiddenFill xmlns:a14="http://schemas.microsoft.com/office/drawing/2010/main">
+                <a:solidFill>
+                  <a:srgbClr val="FFFFFF"/>
+                </a:solidFill>
+              </a14:hiddenFill>
+            </a:ext>
+          </a:extLst>
+        </p:spPr>
+      </p:pic>
+      <p:pic>
+        <p:nvPicPr>
+          <p:cNvPr id="19" name="Picture 18">
+            <a:extLst>
+              <a:ext uri="{FF2B5EF4-FFF2-40B4-BE49-F238E27FC236}">
+                <a16:creationId xmlns:a16="http://schemas.microsoft.com/office/drawing/2014/main" id="{3198D0AD-28BA-4AEA-BD45-CF45CBD0570D}"/>
+              </a:ext>
+            </a:extLst>
+          </p:cNvPr>
+          <p:cNvPicPr>
+            <a:picLocks noChangeAspect="1"/>
+          </p:cNvPicPr>
+          <p:nvPr/>
+        </p:nvPicPr>
+        <p:blipFill>
+          <a:blip r:embed="rId7">
+            <a:extLst>
+              <a:ext uri="{28A0092B-C50C-407E-A947-70E740481C1C}">
+                <a14:useLocalDpi xmlns:a14="http://schemas.microsoft.com/office/drawing/2010/main" val="0"/>
+              </a:ext>
+            </a:extLst>
+          </a:blip>
+          <a:stretch>
+            <a:fillRect/>
+          </a:stretch>
+        </p:blipFill>
+        <p:spPr>
+          <a:xfrm>
+            <a:off x="5789816" y="6152581"/>
+            <a:ext cx="6362498" cy="304335"/>
+          </a:xfrm>
+          <a:prstGeom prst="rect">
+            <a:avLst/>
+          </a:prstGeom>
+        </p:spPr>
+      </p:pic>
+      <p:sp>
+        <p:nvSpPr>
+          <p:cNvPr id="20" name="Oval 19">
+            <a:extLst>
+              <a:ext uri="{FF2B5EF4-FFF2-40B4-BE49-F238E27FC236}">
+                <a16:creationId xmlns:a16="http://schemas.microsoft.com/office/drawing/2014/main" id="{0DB7FD76-B13C-49F7-BC99-85045A32B1F0}"/>
+              </a:ext>
+            </a:extLst>
+          </p:cNvPr>
+          <p:cNvSpPr/>
+          <p:nvPr/>
+        </p:nvSpPr>
+        <p:spPr>
+          <a:xfrm>
+            <a:off x="7622143" y="6056024"/>
+            <a:ext cx="1202264" cy="503567"/>
+          </a:xfrm>
+          <a:prstGeom prst="ellipse">
+            <a:avLst/>
+          </a:prstGeom>
+          <a:noFill/>
+          <a:ln w="28575">
+            <a:solidFill>
+              <a:srgbClr val="FF0000"/>
+            </a:solidFill>
+          </a:ln>
+        </p:spPr>
+        <p:style>
+          <a:lnRef idx="2">
+            <a:schemeClr val="accent1">
+              <a:shade val="50000"/>
+            </a:schemeClr>
+          </a:lnRef>
+          <a:fillRef idx="1">
+            <a:schemeClr val="accent1"/>
+          </a:fillRef>
+          <a:effectRef idx="0">
+            <a:schemeClr val="accent1"/>
+          </a:effectRef>
+          <a:fontRef idx="minor">
+            <a:schemeClr val="lt1"/>
+          </a:fontRef>
+        </p:style>
+        <p:txBody>
+          <a:bodyPr rtlCol="0" anchor="ctr"/>
+          <a:lstStyle/>
+          <a:p>
+            <a:pPr algn="ctr"/>
+            <a:endParaRPr lang="en-US"/>
+          </a:p>
+        </p:txBody>
+      </p:sp>
+      <p:sp>
+        <p:nvSpPr>
+          <p:cNvPr id="21" name="TextBox 20">
+            <a:extLst>
+              <a:ext uri="{FF2B5EF4-FFF2-40B4-BE49-F238E27FC236}">
+                <a16:creationId xmlns:a16="http://schemas.microsoft.com/office/drawing/2014/main" id="{3B2AC3C8-C45A-42D1-9A2A-8532198E5BBE}"/>
+              </a:ext>
+            </a:extLst>
+          </p:cNvPr>
+          <p:cNvSpPr txBox="1"/>
+          <p:nvPr/>
+        </p:nvSpPr>
+        <p:spPr>
+          <a:xfrm>
+            <a:off x="807871" y="4212796"/>
+            <a:ext cx="3645577" cy="1200329"/>
+          </a:xfrm>
+          <a:prstGeom prst="rect">
+            <a:avLst/>
+          </a:prstGeom>
+          <a:noFill/>
+        </p:spPr>
+        <p:txBody>
+          <a:bodyPr wrap="square" rtlCol="0">
+            <a:spAutoFit/>
+          </a:bodyPr>
+          <a:lstStyle/>
+          <a:p>
+            <a:r>
+              <a:rPr lang="en-US" dirty="0"/>
+              <a:t>This shows us that neither the drift method nor the naïve method are good predictors of future performance</a:t>
+            </a:r>
+          </a:p>
+        </p:txBody>
+      </p:sp>
+      <p:sp>
+        <p:nvSpPr>
+          <p:cNvPr id="22" name="TextBox 21">
+            <a:extLst>
+              <a:ext uri="{FF2B5EF4-FFF2-40B4-BE49-F238E27FC236}">
+                <a16:creationId xmlns:a16="http://schemas.microsoft.com/office/drawing/2014/main" id="{7D46077F-BC9C-4AE9-8D2A-2724D29A30F2}"/>
+              </a:ext>
+            </a:extLst>
+          </p:cNvPr>
+          <p:cNvSpPr txBox="1"/>
+          <p:nvPr/>
+        </p:nvSpPr>
+        <p:spPr>
+          <a:xfrm>
+            <a:off x="807871" y="5443561"/>
+            <a:ext cx="3499021" cy="646331"/>
+          </a:xfrm>
+          <a:prstGeom prst="rect">
+            <a:avLst/>
+          </a:prstGeom>
+          <a:noFill/>
+        </p:spPr>
+        <p:txBody>
+          <a:bodyPr wrap="square" rtlCol="0">
+            <a:spAutoFit/>
+          </a:bodyPr>
+          <a:lstStyle/>
+          <a:p>
+            <a:r>
+              <a:rPr lang="en-US" dirty="0"/>
+              <a:t>The better results that we got were purely circumstantial  </a:t>
+            </a:r>
+          </a:p>
+        </p:txBody>
+      </p:sp>
+      <p:sp>
+        <p:nvSpPr>
+          <p:cNvPr id="23" name="TextBox 22">
+            <a:extLst>
+              <a:ext uri="{FF2B5EF4-FFF2-40B4-BE49-F238E27FC236}">
+                <a16:creationId xmlns:a16="http://schemas.microsoft.com/office/drawing/2014/main" id="{09F2347D-A633-428B-BE2A-2F48C1F5CAC6}"/>
+              </a:ext>
+            </a:extLst>
+          </p:cNvPr>
+          <p:cNvSpPr txBox="1"/>
+          <p:nvPr/>
+        </p:nvSpPr>
+        <p:spPr>
+          <a:xfrm>
+            <a:off x="807871" y="3536029"/>
+            <a:ext cx="3333749" cy="646331"/>
+          </a:xfrm>
+          <a:prstGeom prst="rect">
+            <a:avLst/>
+          </a:prstGeom>
+          <a:noFill/>
+        </p:spPr>
+        <p:txBody>
+          <a:bodyPr wrap="square" rtlCol="0">
+            <a:spAutoFit/>
+          </a:bodyPr>
+          <a:lstStyle/>
+          <a:p>
+            <a:r>
+              <a:rPr lang="en-US" dirty="0"/>
+              <a:t>RMSE is not less that 10% of the mean of f(x)</a:t>
+            </a:r>
+          </a:p>
+        </p:txBody>
+      </p:sp>
+      <p:sp>
+        <p:nvSpPr>
+          <p:cNvPr id="25" name="TextBox 24">
+            <a:extLst>
+              <a:ext uri="{FF2B5EF4-FFF2-40B4-BE49-F238E27FC236}">
+                <a16:creationId xmlns:a16="http://schemas.microsoft.com/office/drawing/2014/main" id="{4B1CA78A-91DC-4A52-AF44-942BDF08B096}"/>
+              </a:ext>
+            </a:extLst>
+          </p:cNvPr>
+          <p:cNvSpPr txBox="1"/>
+          <p:nvPr/>
+        </p:nvSpPr>
+        <p:spPr>
+          <a:xfrm>
+            <a:off x="381551" y="6165546"/>
+            <a:ext cx="4492101" cy="369332"/>
+          </a:xfrm>
+          <a:prstGeom prst="rect">
+            <a:avLst/>
+          </a:prstGeom>
+          <a:noFill/>
+        </p:spPr>
+        <p:txBody>
+          <a:bodyPr wrap="square" rtlCol="0">
+            <a:spAutoFit/>
+          </a:bodyPr>
+          <a:lstStyle/>
+          <a:p>
+            <a:r>
+              <a:rPr lang="en-US" b="1" dirty="0"/>
+              <a:t>Cannot effectively predict future statistics</a:t>
+            </a:r>
+          </a:p>
+        </p:txBody>
+      </p:sp>
+    </p:spTree>
+    <p:extLst>
+      <p:ext uri="{BB962C8B-B14F-4D97-AF65-F5344CB8AC3E}">
+        <p14:creationId xmlns:p14="http://schemas.microsoft.com/office/powerpoint/2010/main" val="4215656960"/>
+      </p:ext>
+    </p:extLst>
+  </p:cSld>
+  <p:clrMapOvr>
+    <a:masterClrMapping/>
+  </p:clrMapOvr>
+</p:sld>
+</file>
+
 <file path=ppt/slides/slide2.xml><?xml version="1.0" encoding="utf-8"?>
 <p:sld xmlns:a="http://schemas.openxmlformats.org/drawingml/2006/main" xmlns:r="http://schemas.openxmlformats.org/officeDocument/2006/relationships" xmlns:p="http://schemas.openxmlformats.org/presentationml/2006/main">
   <p:cSld>
@@ -14007,6 +14708,217 @@
           <a:chExt cx="0" cy="0"/>
         </a:xfrm>
       </p:grpSpPr>
+      <p:sp>
+        <p:nvSpPr>
+          <p:cNvPr id="16" name="Rectangle 9">
+            <a:extLst>
+              <a:ext uri="{FF2B5EF4-FFF2-40B4-BE49-F238E27FC236}">
+                <a16:creationId xmlns:a16="http://schemas.microsoft.com/office/drawing/2014/main" id="{029DE7B6-DC7C-4BA1-B406-EDDA0C0A31C4}"/>
+              </a:ext>
+              <a:ext uri="{C183D7F6-B498-43B3-948B-1728B52AA6E4}">
+                <adec:decorative xmlns:adec="http://schemas.microsoft.com/office/drawing/2017/decorative" val="1"/>
+              </a:ext>
+            </a:extLst>
+          </p:cNvPr>
+          <p:cNvSpPr>
+            <a:spLocks noGrp="1" noRot="1" noChangeAspect="1" noMove="1" noResize="1" noEditPoints="1" noAdjustHandles="1" noChangeArrowheads="1" noChangeShapeType="1" noTextEdit="1"/>
+          </p:cNvSpPr>
+          <p:nvPr>
+            <p:extLst>
+              <p:ext uri="{386F3935-93C4-4BCD-93E2-E3B085C9AB24}">
+                <p16:designElem xmlns:p16="http://schemas.microsoft.com/office/powerpoint/2015/main" val="1"/>
+              </p:ext>
+            </p:extLst>
+          </p:nvPr>
+        </p:nvSpPr>
+        <p:spPr>
+          <a:xfrm>
+            <a:off x="4654296" y="-2"/>
+            <a:ext cx="7537704" cy="6858002"/>
+          </a:xfrm>
+          <a:prstGeom prst="rect">
+            <a:avLst/>
+          </a:prstGeom>
+          <a:solidFill>
+            <a:schemeClr val="accent1"/>
+          </a:solidFill>
+          <a:ln>
+            <a:noFill/>
+          </a:ln>
+        </p:spPr>
+        <p:style>
+          <a:lnRef idx="2">
+            <a:schemeClr val="accent1">
+              <a:shade val="50000"/>
+            </a:schemeClr>
+          </a:lnRef>
+          <a:fillRef idx="1">
+            <a:schemeClr val="accent1"/>
+          </a:fillRef>
+          <a:effectRef idx="0">
+            <a:schemeClr val="accent1"/>
+          </a:effectRef>
+          <a:fontRef idx="minor">
+            <a:schemeClr val="lt1"/>
+          </a:fontRef>
+        </p:style>
+        <p:txBody>
+          <a:bodyPr rtlCol="0" anchor="ctr"/>
+          <a:lstStyle/>
+          <a:p>
+            <a:pPr marL="0" marR="0" lvl="0" indent="0" algn="ctr" defTabSz="914400" rtl="0" eaLnBrk="1" fontAlgn="auto" latinLnBrk="0" hangingPunct="1">
+              <a:lnSpc>
+                <a:spcPct val="100000"/>
+              </a:lnSpc>
+              <a:spcBef>
+                <a:spcPts val="0"/>
+              </a:spcBef>
+              <a:spcAft>
+                <a:spcPts val="0"/>
+              </a:spcAft>
+              <a:buClrTx/>
+              <a:buSzTx/>
+              <a:buFontTx/>
+              <a:buNone/>
+              <a:tabLst/>
+              <a:defRPr/>
+            </a:pPr>
+            <a:endParaRPr kumimoji="0" lang="en-US" sz="1800" b="0" i="0" u="none" strike="noStrike" kern="1200" cap="none" spc="0" normalizeH="0" baseline="0" noProof="0">
+              <a:ln>
+                <a:noFill/>
+              </a:ln>
+              <a:solidFill>
+                <a:prstClr val="white"/>
+              </a:solidFill>
+              <a:effectLst/>
+              <a:uLnTx/>
+              <a:uFillTx/>
+              <a:latin typeface="Calibri" panose="020F0502020204030204"/>
+              <a:ea typeface="+mn-ea"/>
+              <a:cs typeface="+mn-cs"/>
+            </a:endParaRPr>
+          </a:p>
+        </p:txBody>
+      </p:sp>
+      <p:sp>
+        <p:nvSpPr>
+          <p:cNvPr id="2" name="Title 1">
+            <a:extLst>
+              <a:ext uri="{FF2B5EF4-FFF2-40B4-BE49-F238E27FC236}">
+                <a16:creationId xmlns:a16="http://schemas.microsoft.com/office/drawing/2014/main" id="{1CF341C2-A58F-4977-A61C-A33D708D02F8}"/>
+              </a:ext>
+            </a:extLst>
+          </p:cNvPr>
+          <p:cNvSpPr>
+            <a:spLocks noGrp="1"/>
+          </p:cNvSpPr>
+          <p:nvPr>
+            <p:ph type="title"/>
+          </p:nvPr>
+        </p:nvSpPr>
+        <p:spPr>
+          <a:xfrm>
+            <a:off x="5189620" y="1306071"/>
+            <a:ext cx="5478379" cy="2663407"/>
+          </a:xfrm>
+        </p:spPr>
+        <p:txBody>
+          <a:bodyPr vert="horz" lIns="91440" tIns="45720" rIns="91440" bIns="45720" rtlCol="0" anchor="b">
+            <a:normAutofit/>
+          </a:bodyPr>
+          <a:lstStyle/>
+          <a:p>
+            <a:r>
+              <a:rPr lang="en-US" sz="5400" kern="1200">
+                <a:solidFill>
+                  <a:srgbClr val="FFFFFF"/>
+                </a:solidFill>
+                <a:latin typeface="+mj-lt"/>
+                <a:ea typeface="+mj-ea"/>
+                <a:cs typeface="+mj-cs"/>
+              </a:rPr>
+              <a:t>Demo</a:t>
+            </a:r>
+          </a:p>
+        </p:txBody>
+      </p:sp>
+      <p:pic>
+        <p:nvPicPr>
+          <p:cNvPr id="17" name="Graphic 6" descr="Play">
+            <a:extLst>
+              <a:ext uri="{FF2B5EF4-FFF2-40B4-BE49-F238E27FC236}">
+                <a16:creationId xmlns:a16="http://schemas.microsoft.com/office/drawing/2014/main" id="{F82FF3C2-F984-4594-9B05-C619D3B4BFDA}"/>
+              </a:ext>
+            </a:extLst>
+          </p:cNvPr>
+          <p:cNvPicPr>
+            <a:picLocks noChangeAspect="1"/>
+          </p:cNvPicPr>
+          <p:nvPr/>
+        </p:nvPicPr>
+        <p:blipFill>
+          <a:blip r:embed="rId2">
+            <a:extLst>
+              <a:ext uri="{28A0092B-C50C-407E-A947-70E740481C1C}">
+                <a14:useLocalDpi xmlns:a14="http://schemas.microsoft.com/office/drawing/2010/main" val="0"/>
+              </a:ext>
+              <a:ext uri="{96DAC541-7B7A-43D3-8B79-37D633B846F1}">
+                <asvg:svgBlip xmlns:asvg="http://schemas.microsoft.com/office/drawing/2016/SVG/main" r:embed="rId3"/>
+              </a:ext>
+            </a:extLst>
+          </a:blip>
+          <a:stretch>
+            <a:fillRect/>
+          </a:stretch>
+        </p:blipFill>
+        <p:spPr>
+          <a:xfrm>
+            <a:off x="1481723" y="2593485"/>
+            <a:ext cx="1648572" cy="1648572"/>
+          </a:xfrm>
+          <a:prstGeom prst="rect">
+            <a:avLst/>
+          </a:prstGeom>
+        </p:spPr>
+      </p:pic>
+    </p:spTree>
+    <p:extLst>
+      <p:ext uri="{BB962C8B-B14F-4D97-AF65-F5344CB8AC3E}">
+        <p14:creationId xmlns:p14="http://schemas.microsoft.com/office/powerpoint/2010/main" val="4164196506"/>
+      </p:ext>
+    </p:extLst>
+  </p:cSld>
+  <p:clrMapOvr>
+    <a:masterClrMapping/>
+  </p:clrMapOvr>
+</p:sld>
+</file>
+
+<file path=ppt/slides/slide9.xml><?xml version="1.0" encoding="utf-8"?>
+<p:sld xmlns:a="http://schemas.openxmlformats.org/drawingml/2006/main" xmlns:r="http://schemas.openxmlformats.org/officeDocument/2006/relationships" xmlns:p="http://schemas.openxmlformats.org/presentationml/2006/main">
+  <p:cSld>
+    <p:bg>
+      <p:bgPr>
+        <a:solidFill>
+          <a:schemeClr val="bg1"/>
+        </a:solidFill>
+        <a:effectLst/>
+      </p:bgPr>
+    </p:bg>
+    <p:spTree>
+      <p:nvGrpSpPr>
+        <p:cNvPr id="1" name=""/>
+        <p:cNvGrpSpPr/>
+        <p:nvPr/>
+      </p:nvGrpSpPr>
+      <p:grpSpPr>
+        <a:xfrm>
+          <a:off x="0" y="0"/>
+          <a:ext cx="0" cy="0"/>
+          <a:chOff x="0" y="0"/>
+          <a:chExt cx="0" cy="0"/>
+        </a:xfrm>
+      </p:grpSpPr>
       <p:sp useBgFill="1">
         <p:nvSpPr>
           <p:cNvPr id="8" name="Rectangle 7">
@@ -14698,706 +15610,6 @@
     <p:extLst>
       <p:ext uri="{BB962C8B-B14F-4D97-AF65-F5344CB8AC3E}">
         <p14:creationId xmlns:p14="http://schemas.microsoft.com/office/powerpoint/2010/main" val="3193340094"/>
-      </p:ext>
-    </p:extLst>
-  </p:cSld>
-  <p:clrMapOvr>
-    <a:masterClrMapping/>
-  </p:clrMapOvr>
-</p:sld>
-</file>
-
-<file path=ppt/slides/slide9.xml><?xml version="1.0" encoding="utf-8"?>
-<p:sld xmlns:a="http://schemas.openxmlformats.org/drawingml/2006/main" xmlns:r="http://schemas.openxmlformats.org/officeDocument/2006/relationships" xmlns:p="http://schemas.openxmlformats.org/presentationml/2006/main">
-  <p:cSld>
-    <p:bg>
-      <p:bgPr>
-        <a:solidFill>
-          <a:schemeClr val="bg1"/>
-        </a:solidFill>
-        <a:effectLst/>
-      </p:bgPr>
-    </p:bg>
-    <p:spTree>
-      <p:nvGrpSpPr>
-        <p:cNvPr id="1" name=""/>
-        <p:cNvGrpSpPr/>
-        <p:nvPr/>
-      </p:nvGrpSpPr>
-      <p:grpSpPr>
-        <a:xfrm>
-          <a:off x="0" y="0"/>
-          <a:ext cx="0" cy="0"/>
-          <a:chOff x="0" y="0"/>
-          <a:chExt cx="0" cy="0"/>
-        </a:xfrm>
-      </p:grpSpPr>
-      <p:sp>
-        <p:nvSpPr>
-          <p:cNvPr id="8" name="Down Arrow 7">
-            <a:extLst>
-              <a:ext uri="{FF2B5EF4-FFF2-40B4-BE49-F238E27FC236}">
-                <a16:creationId xmlns:a16="http://schemas.microsoft.com/office/drawing/2014/main" id="{B547373F-AF2E-4907-B442-9F902B387FD0}"/>
-              </a:ext>
-              <a:ext uri="{C183D7F6-B498-43B3-948B-1728B52AA6E4}">
-                <adec:decorative xmlns:adec="http://schemas.microsoft.com/office/drawing/2017/decorative" val="1"/>
-              </a:ext>
-            </a:extLst>
-          </p:cNvPr>
-          <p:cNvSpPr>
-            <a:spLocks noGrp="1" noRot="1" noChangeAspect="1" noMove="1" noResize="1" noEditPoints="1" noAdjustHandles="1" noChangeArrowheads="1" noChangeShapeType="1" noTextEdit="1"/>
-          </p:cNvSpPr>
-          <p:nvPr>
-            <p:extLst>
-              <p:ext uri="{386F3935-93C4-4BCD-93E2-E3B085C9AB24}">
-                <p16:designElem xmlns:p16="http://schemas.microsoft.com/office/powerpoint/2015/main" val="1"/>
-              </p:ext>
-            </p:extLst>
-          </p:nvPr>
-        </p:nvSpPr>
-        <p:spPr>
-          <a:xfrm>
-            <a:off x="800100" y="-4763"/>
-            <a:ext cx="3333749" cy="3338514"/>
-          </a:xfrm>
-          <a:prstGeom prst="downArrow">
-            <a:avLst>
-              <a:gd name="adj1" fmla="val 100000"/>
-              <a:gd name="adj2" fmla="val 26890"/>
-            </a:avLst>
-          </a:prstGeom>
-          <a:solidFill>
-            <a:schemeClr val="tx1">
-              <a:lumMod val="85000"/>
-              <a:lumOff val="15000"/>
-            </a:schemeClr>
-          </a:solidFill>
-          <a:ln w="53975">
-            <a:noFill/>
-          </a:ln>
-        </p:spPr>
-        <p:style>
-          <a:lnRef idx="2">
-            <a:schemeClr val="accent1">
-              <a:shade val="50000"/>
-            </a:schemeClr>
-          </a:lnRef>
-          <a:fillRef idx="1">
-            <a:schemeClr val="accent1"/>
-          </a:fillRef>
-          <a:effectRef idx="0">
-            <a:schemeClr val="accent1"/>
-          </a:effectRef>
-          <a:fontRef idx="minor">
-            <a:schemeClr val="lt1"/>
-          </a:fontRef>
-        </p:style>
-        <p:txBody>
-          <a:bodyPr rtlCol="0" anchor="ctr"/>
-          <a:lstStyle/>
-          <a:p>
-            <a:pPr algn="ctr"/>
-            <a:endParaRPr lang="en-US"/>
-          </a:p>
-        </p:txBody>
-      </p:sp>
-      <p:sp>
-        <p:nvSpPr>
-          <p:cNvPr id="2" name="Title 1">
-            <a:extLst>
-              <a:ext uri="{FF2B5EF4-FFF2-40B4-BE49-F238E27FC236}">
-                <a16:creationId xmlns:a16="http://schemas.microsoft.com/office/drawing/2014/main" id="{4F3C0DF8-7C47-439E-BF92-5AF6D08AEA73}"/>
-              </a:ext>
-            </a:extLst>
-          </p:cNvPr>
-          <p:cNvSpPr>
-            <a:spLocks noGrp="1"/>
-          </p:cNvSpPr>
-          <p:nvPr>
-            <p:ph type="title"/>
-          </p:nvPr>
-        </p:nvSpPr>
-        <p:spPr>
-          <a:xfrm>
-            <a:off x="1028700" y="190501"/>
-            <a:ext cx="2886075" cy="2486024"/>
-          </a:xfrm>
-          <a:noFill/>
-        </p:spPr>
-        <p:txBody>
-          <a:bodyPr vert="horz" lIns="91440" tIns="45720" rIns="91440" bIns="45720" rtlCol="0" anchor="ctr">
-            <a:normAutofit/>
-          </a:bodyPr>
-          <a:lstStyle/>
-          <a:p>
-            <a:pPr algn="ctr"/>
-            <a:r>
-              <a:rPr lang="en-US" sz="3600" dirty="0">
-                <a:solidFill>
-                  <a:schemeClr val="bg1"/>
-                </a:solidFill>
-              </a:rPr>
-              <a:t>Accuracy Issue</a:t>
-            </a:r>
-          </a:p>
-        </p:txBody>
-      </p:sp>
-      <p:sp>
-        <p:nvSpPr>
-          <p:cNvPr id="4" name="TextBox 3">
-            <a:extLst>
-              <a:ext uri="{FF2B5EF4-FFF2-40B4-BE49-F238E27FC236}">
-                <a16:creationId xmlns:a16="http://schemas.microsoft.com/office/drawing/2014/main" id="{3C875BF0-C64A-4E4D-826E-CA956A4EDE5D}"/>
-              </a:ext>
-            </a:extLst>
-          </p:cNvPr>
-          <p:cNvSpPr txBox="1"/>
-          <p:nvPr/>
-        </p:nvSpPr>
-        <p:spPr>
-          <a:xfrm>
-            <a:off x="4429125" y="416260"/>
-            <a:ext cx="3333749" cy="369332"/>
-          </a:xfrm>
-          <a:prstGeom prst="rect">
-            <a:avLst/>
-          </a:prstGeom>
-          <a:noFill/>
-        </p:spPr>
-        <p:txBody>
-          <a:bodyPr wrap="square" rtlCol="0">
-            <a:spAutoFit/>
-          </a:bodyPr>
-          <a:lstStyle/>
-          <a:p>
-            <a:r>
-              <a:rPr lang="en-US" dirty="0"/>
-              <a:t>Best Result</a:t>
-            </a:r>
-          </a:p>
-        </p:txBody>
-      </p:sp>
-      <p:sp>
-        <p:nvSpPr>
-          <p:cNvPr id="5" name="TextBox 4">
-            <a:extLst>
-              <a:ext uri="{FF2B5EF4-FFF2-40B4-BE49-F238E27FC236}">
-                <a16:creationId xmlns:a16="http://schemas.microsoft.com/office/drawing/2014/main" id="{B33C6528-B46B-40A6-B1B0-92E4F36CE0CE}"/>
-              </a:ext>
-            </a:extLst>
-          </p:cNvPr>
-          <p:cNvSpPr txBox="1"/>
-          <p:nvPr/>
-        </p:nvSpPr>
-        <p:spPr>
-          <a:xfrm>
-            <a:off x="4429125" y="3528921"/>
-            <a:ext cx="1507787" cy="369332"/>
-          </a:xfrm>
-          <a:prstGeom prst="rect">
-            <a:avLst/>
-          </a:prstGeom>
-          <a:noFill/>
-        </p:spPr>
-        <p:txBody>
-          <a:bodyPr wrap="square" rtlCol="0">
-            <a:spAutoFit/>
-          </a:bodyPr>
-          <a:lstStyle/>
-          <a:p>
-            <a:r>
-              <a:rPr lang="en-US" dirty="0"/>
-              <a:t>Worst Result </a:t>
-            </a:r>
-          </a:p>
-        </p:txBody>
-      </p:sp>
-      <p:pic>
-        <p:nvPicPr>
-          <p:cNvPr id="7" name="Picture 6">
-            <a:extLst>
-              <a:ext uri="{FF2B5EF4-FFF2-40B4-BE49-F238E27FC236}">
-                <a16:creationId xmlns:a16="http://schemas.microsoft.com/office/drawing/2014/main" id="{0BB1CBC6-EC01-4B5D-80BF-00CD749DC126}"/>
-              </a:ext>
-            </a:extLst>
-          </p:cNvPr>
-          <p:cNvPicPr>
-            <a:picLocks noChangeAspect="1"/>
-          </p:cNvPicPr>
-          <p:nvPr/>
-        </p:nvPicPr>
-        <p:blipFill>
-          <a:blip r:embed="rId2">
-            <a:extLst>
-              <a:ext uri="{28A0092B-C50C-407E-A947-70E740481C1C}">
-                <a14:useLocalDpi xmlns:a14="http://schemas.microsoft.com/office/drawing/2010/main" val="0"/>
-              </a:ext>
-            </a:extLst>
-          </a:blip>
-          <a:stretch>
-            <a:fillRect/>
-          </a:stretch>
-        </p:blipFill>
-        <p:spPr>
-          <a:xfrm>
-            <a:off x="7312362" y="289978"/>
-            <a:ext cx="4730480" cy="2652378"/>
-          </a:xfrm>
-          <a:prstGeom prst="rect">
-            <a:avLst/>
-          </a:prstGeom>
-        </p:spPr>
-      </p:pic>
-      <p:pic>
-        <p:nvPicPr>
-          <p:cNvPr id="11" name="Picture 6" descr="Image result for kevin durant headshot">
-            <a:extLst>
-              <a:ext uri="{FF2B5EF4-FFF2-40B4-BE49-F238E27FC236}">
-                <a16:creationId xmlns:a16="http://schemas.microsoft.com/office/drawing/2014/main" id="{95AC18A4-9B1F-406F-8077-878DE73104FB}"/>
-              </a:ext>
-            </a:extLst>
-          </p:cNvPr>
-          <p:cNvPicPr>
-            <a:picLocks noChangeAspect="1" noChangeArrowheads="1"/>
-          </p:cNvPicPr>
-          <p:nvPr/>
-        </p:nvPicPr>
-        <p:blipFill>
-          <a:blip r:embed="rId3">
-            <a:extLst>
-              <a:ext uri="{28A0092B-C50C-407E-A947-70E740481C1C}">
-                <a14:useLocalDpi xmlns:a14="http://schemas.microsoft.com/office/drawing/2010/main" val="0"/>
-              </a:ext>
-            </a:extLst>
-          </a:blip>
-          <a:srcRect/>
-          <a:stretch>
-            <a:fillRect/>
-          </a:stretch>
-        </p:blipFill>
-        <p:spPr bwMode="auto">
-          <a:xfrm>
-            <a:off x="5342106" y="562730"/>
-            <a:ext cx="1777526" cy="2158425"/>
-          </a:xfrm>
-          <a:prstGeom prst="rect">
-            <a:avLst/>
-          </a:prstGeom>
-          <a:noFill/>
-          <a:extLst>
-            <a:ext uri="{909E8E84-426E-40DD-AFC4-6F175D3DCCD1}">
-              <a14:hiddenFill xmlns:a14="http://schemas.microsoft.com/office/drawing/2010/main">
-                <a:solidFill>
-                  <a:srgbClr val="FFFFFF"/>
-                </a:solidFill>
-              </a14:hiddenFill>
-            </a:ext>
-          </a:extLst>
-        </p:spPr>
-      </p:pic>
-      <p:pic>
-        <p:nvPicPr>
-          <p:cNvPr id="14" name="Picture 13">
-            <a:extLst>
-              <a:ext uri="{FF2B5EF4-FFF2-40B4-BE49-F238E27FC236}">
-                <a16:creationId xmlns:a16="http://schemas.microsoft.com/office/drawing/2014/main" id="{4A0CA051-8709-4836-9AB4-BDA2182EA283}"/>
-              </a:ext>
-            </a:extLst>
-          </p:cNvPr>
-          <p:cNvPicPr>
-            <a:picLocks noChangeAspect="1"/>
-          </p:cNvPicPr>
-          <p:nvPr/>
-        </p:nvPicPr>
-        <p:blipFill>
-          <a:blip r:embed="rId4">
-            <a:extLst>
-              <a:ext uri="{28A0092B-C50C-407E-A947-70E740481C1C}">
-                <a14:useLocalDpi xmlns:a14="http://schemas.microsoft.com/office/drawing/2010/main" val="0"/>
-              </a:ext>
-            </a:extLst>
-          </a:blip>
-          <a:stretch>
-            <a:fillRect/>
-          </a:stretch>
-        </p:blipFill>
-        <p:spPr>
-          <a:xfrm>
-            <a:off x="7430610" y="3469480"/>
-            <a:ext cx="4612232" cy="2586077"/>
-          </a:xfrm>
-          <a:prstGeom prst="rect">
-            <a:avLst/>
-          </a:prstGeom>
-        </p:spPr>
-      </p:pic>
-      <p:pic>
-        <p:nvPicPr>
-          <p:cNvPr id="16" name="Picture 15">
-            <a:extLst>
-              <a:ext uri="{FF2B5EF4-FFF2-40B4-BE49-F238E27FC236}">
-                <a16:creationId xmlns:a16="http://schemas.microsoft.com/office/drawing/2014/main" id="{49F5901A-6349-4B6E-84B0-9C73210CCF0D}"/>
-              </a:ext>
-            </a:extLst>
-          </p:cNvPr>
-          <p:cNvPicPr>
-            <a:picLocks noChangeAspect="1"/>
-          </p:cNvPicPr>
-          <p:nvPr/>
-        </p:nvPicPr>
-        <p:blipFill>
-          <a:blip r:embed="rId5">
-            <a:extLst>
-              <a:ext uri="{28A0092B-C50C-407E-A947-70E740481C1C}">
-                <a14:useLocalDpi xmlns:a14="http://schemas.microsoft.com/office/drawing/2010/main" val="0"/>
-              </a:ext>
-            </a:extLst>
-          </a:blip>
-          <a:stretch>
-            <a:fillRect/>
-          </a:stretch>
-        </p:blipFill>
-        <p:spPr>
-          <a:xfrm>
-            <a:off x="5789816" y="2870214"/>
-            <a:ext cx="6408224" cy="276614"/>
-          </a:xfrm>
-          <a:prstGeom prst="rect">
-            <a:avLst/>
-          </a:prstGeom>
-        </p:spPr>
-      </p:pic>
-      <p:sp>
-        <p:nvSpPr>
-          <p:cNvPr id="12" name="Oval 11">
-            <a:extLst>
-              <a:ext uri="{FF2B5EF4-FFF2-40B4-BE49-F238E27FC236}">
-                <a16:creationId xmlns:a16="http://schemas.microsoft.com/office/drawing/2014/main" id="{D465A6AC-AE88-4EA5-9268-8253707136D3}"/>
-              </a:ext>
-            </a:extLst>
-          </p:cNvPr>
-          <p:cNvSpPr/>
-          <p:nvPr/>
-        </p:nvSpPr>
-        <p:spPr>
-          <a:xfrm>
-            <a:off x="7622143" y="2816854"/>
-            <a:ext cx="1202264" cy="503567"/>
-          </a:xfrm>
-          <a:prstGeom prst="ellipse">
-            <a:avLst/>
-          </a:prstGeom>
-          <a:noFill/>
-          <a:ln w="28575">
-            <a:solidFill>
-              <a:srgbClr val="FF0000"/>
-            </a:solidFill>
-          </a:ln>
-        </p:spPr>
-        <p:style>
-          <a:lnRef idx="2">
-            <a:schemeClr val="accent1">
-              <a:shade val="50000"/>
-            </a:schemeClr>
-          </a:lnRef>
-          <a:fillRef idx="1">
-            <a:schemeClr val="accent1"/>
-          </a:fillRef>
-          <a:effectRef idx="0">
-            <a:schemeClr val="accent1"/>
-          </a:effectRef>
-          <a:fontRef idx="minor">
-            <a:schemeClr val="lt1"/>
-          </a:fontRef>
-        </p:style>
-        <p:txBody>
-          <a:bodyPr rtlCol="0" anchor="ctr"/>
-          <a:lstStyle/>
-          <a:p>
-            <a:pPr algn="ctr"/>
-            <a:endParaRPr lang="en-US"/>
-          </a:p>
-        </p:txBody>
-      </p:sp>
-      <p:pic>
-        <p:nvPicPr>
-          <p:cNvPr id="17" name="Picture 2" descr="Image result for steph curry headshot">
-            <a:extLst>
-              <a:ext uri="{FF2B5EF4-FFF2-40B4-BE49-F238E27FC236}">
-                <a16:creationId xmlns:a16="http://schemas.microsoft.com/office/drawing/2014/main" id="{488BD1E6-0B7E-4A52-AC92-3D2BD8E0F6D9}"/>
-              </a:ext>
-            </a:extLst>
-          </p:cNvPr>
-          <p:cNvPicPr>
-            <a:picLocks noChangeAspect="1" noChangeArrowheads="1"/>
-          </p:cNvPicPr>
-          <p:nvPr/>
-        </p:nvPicPr>
-        <p:blipFill>
-          <a:blip r:embed="rId6">
-            <a:extLst>
-              <a:ext uri="{28A0092B-C50C-407E-A947-70E740481C1C}">
-                <a14:useLocalDpi xmlns:a14="http://schemas.microsoft.com/office/drawing/2010/main" val="0"/>
-              </a:ext>
-            </a:extLst>
-          </a:blip>
-          <a:srcRect/>
-          <a:stretch>
-            <a:fillRect/>
-          </a:stretch>
-        </p:blipFill>
-        <p:spPr bwMode="auto">
-          <a:xfrm>
-            <a:off x="5254040" y="3713587"/>
-            <a:ext cx="2176570" cy="2176570"/>
-          </a:xfrm>
-          <a:prstGeom prst="rect">
-            <a:avLst/>
-          </a:prstGeom>
-          <a:noFill/>
-          <a:extLst>
-            <a:ext uri="{909E8E84-426E-40DD-AFC4-6F175D3DCCD1}">
-              <a14:hiddenFill xmlns:a14="http://schemas.microsoft.com/office/drawing/2010/main">
-                <a:solidFill>
-                  <a:srgbClr val="FFFFFF"/>
-                </a:solidFill>
-              </a14:hiddenFill>
-            </a:ext>
-          </a:extLst>
-        </p:spPr>
-      </p:pic>
-      <p:pic>
-        <p:nvPicPr>
-          <p:cNvPr id="19" name="Picture 18">
-            <a:extLst>
-              <a:ext uri="{FF2B5EF4-FFF2-40B4-BE49-F238E27FC236}">
-                <a16:creationId xmlns:a16="http://schemas.microsoft.com/office/drawing/2014/main" id="{3198D0AD-28BA-4AEA-BD45-CF45CBD0570D}"/>
-              </a:ext>
-            </a:extLst>
-          </p:cNvPr>
-          <p:cNvPicPr>
-            <a:picLocks noChangeAspect="1"/>
-          </p:cNvPicPr>
-          <p:nvPr/>
-        </p:nvPicPr>
-        <p:blipFill>
-          <a:blip r:embed="rId7">
-            <a:extLst>
-              <a:ext uri="{28A0092B-C50C-407E-A947-70E740481C1C}">
-                <a14:useLocalDpi xmlns:a14="http://schemas.microsoft.com/office/drawing/2010/main" val="0"/>
-              </a:ext>
-            </a:extLst>
-          </a:blip>
-          <a:stretch>
-            <a:fillRect/>
-          </a:stretch>
-        </p:blipFill>
-        <p:spPr>
-          <a:xfrm>
-            <a:off x="5789816" y="6152581"/>
-            <a:ext cx="6362498" cy="304335"/>
-          </a:xfrm>
-          <a:prstGeom prst="rect">
-            <a:avLst/>
-          </a:prstGeom>
-        </p:spPr>
-      </p:pic>
-      <p:sp>
-        <p:nvSpPr>
-          <p:cNvPr id="20" name="Oval 19">
-            <a:extLst>
-              <a:ext uri="{FF2B5EF4-FFF2-40B4-BE49-F238E27FC236}">
-                <a16:creationId xmlns:a16="http://schemas.microsoft.com/office/drawing/2014/main" id="{0DB7FD76-B13C-49F7-BC99-85045A32B1F0}"/>
-              </a:ext>
-            </a:extLst>
-          </p:cNvPr>
-          <p:cNvSpPr/>
-          <p:nvPr/>
-        </p:nvSpPr>
-        <p:spPr>
-          <a:xfrm>
-            <a:off x="7622143" y="6056024"/>
-            <a:ext cx="1202264" cy="503567"/>
-          </a:xfrm>
-          <a:prstGeom prst="ellipse">
-            <a:avLst/>
-          </a:prstGeom>
-          <a:noFill/>
-          <a:ln w="28575">
-            <a:solidFill>
-              <a:srgbClr val="FF0000"/>
-            </a:solidFill>
-          </a:ln>
-        </p:spPr>
-        <p:style>
-          <a:lnRef idx="2">
-            <a:schemeClr val="accent1">
-              <a:shade val="50000"/>
-            </a:schemeClr>
-          </a:lnRef>
-          <a:fillRef idx="1">
-            <a:schemeClr val="accent1"/>
-          </a:fillRef>
-          <a:effectRef idx="0">
-            <a:schemeClr val="accent1"/>
-          </a:effectRef>
-          <a:fontRef idx="minor">
-            <a:schemeClr val="lt1"/>
-          </a:fontRef>
-        </p:style>
-        <p:txBody>
-          <a:bodyPr rtlCol="0" anchor="ctr"/>
-          <a:lstStyle/>
-          <a:p>
-            <a:pPr algn="ctr"/>
-            <a:endParaRPr lang="en-US"/>
-          </a:p>
-        </p:txBody>
-      </p:sp>
-      <p:sp>
-        <p:nvSpPr>
-          <p:cNvPr id="21" name="TextBox 20">
-            <a:extLst>
-              <a:ext uri="{FF2B5EF4-FFF2-40B4-BE49-F238E27FC236}">
-                <a16:creationId xmlns:a16="http://schemas.microsoft.com/office/drawing/2014/main" id="{3B2AC3C8-C45A-42D1-9A2A-8532198E5BBE}"/>
-              </a:ext>
-            </a:extLst>
-          </p:cNvPr>
-          <p:cNvSpPr txBox="1"/>
-          <p:nvPr/>
-        </p:nvSpPr>
-        <p:spPr>
-          <a:xfrm>
-            <a:off x="807871" y="4212796"/>
-            <a:ext cx="3645577" cy="1200329"/>
-          </a:xfrm>
-          <a:prstGeom prst="rect">
-            <a:avLst/>
-          </a:prstGeom>
-          <a:noFill/>
-        </p:spPr>
-        <p:txBody>
-          <a:bodyPr wrap="square" rtlCol="0">
-            <a:spAutoFit/>
-          </a:bodyPr>
-          <a:lstStyle/>
-          <a:p>
-            <a:r>
-              <a:rPr lang="en-US" dirty="0"/>
-              <a:t>This shows us that neither the drift method nor the naïve method are good predictors of future performance</a:t>
-            </a:r>
-          </a:p>
-        </p:txBody>
-      </p:sp>
-      <p:sp>
-        <p:nvSpPr>
-          <p:cNvPr id="22" name="TextBox 21">
-            <a:extLst>
-              <a:ext uri="{FF2B5EF4-FFF2-40B4-BE49-F238E27FC236}">
-                <a16:creationId xmlns:a16="http://schemas.microsoft.com/office/drawing/2014/main" id="{7D46077F-BC9C-4AE9-8D2A-2724D29A30F2}"/>
-              </a:ext>
-            </a:extLst>
-          </p:cNvPr>
-          <p:cNvSpPr txBox="1"/>
-          <p:nvPr/>
-        </p:nvSpPr>
-        <p:spPr>
-          <a:xfrm>
-            <a:off x="807871" y="5443561"/>
-            <a:ext cx="3499021" cy="646331"/>
-          </a:xfrm>
-          <a:prstGeom prst="rect">
-            <a:avLst/>
-          </a:prstGeom>
-          <a:noFill/>
-        </p:spPr>
-        <p:txBody>
-          <a:bodyPr wrap="square" rtlCol="0">
-            <a:spAutoFit/>
-          </a:bodyPr>
-          <a:lstStyle/>
-          <a:p>
-            <a:r>
-              <a:rPr lang="en-US" dirty="0"/>
-              <a:t>The better results that we got were purely circumstantial  </a:t>
-            </a:r>
-          </a:p>
-        </p:txBody>
-      </p:sp>
-      <p:sp>
-        <p:nvSpPr>
-          <p:cNvPr id="23" name="TextBox 22">
-            <a:extLst>
-              <a:ext uri="{FF2B5EF4-FFF2-40B4-BE49-F238E27FC236}">
-                <a16:creationId xmlns:a16="http://schemas.microsoft.com/office/drawing/2014/main" id="{09F2347D-A633-428B-BE2A-2F48C1F5CAC6}"/>
-              </a:ext>
-            </a:extLst>
-          </p:cNvPr>
-          <p:cNvSpPr txBox="1"/>
-          <p:nvPr/>
-        </p:nvSpPr>
-        <p:spPr>
-          <a:xfrm>
-            <a:off x="807871" y="3536029"/>
-            <a:ext cx="3333749" cy="646331"/>
-          </a:xfrm>
-          <a:prstGeom prst="rect">
-            <a:avLst/>
-          </a:prstGeom>
-          <a:noFill/>
-        </p:spPr>
-        <p:txBody>
-          <a:bodyPr wrap="square" rtlCol="0">
-            <a:spAutoFit/>
-          </a:bodyPr>
-          <a:lstStyle/>
-          <a:p>
-            <a:r>
-              <a:rPr lang="en-US" dirty="0"/>
-              <a:t>RMSE is not less that 10% of the mean of f(x)</a:t>
-            </a:r>
-          </a:p>
-        </p:txBody>
-      </p:sp>
-      <p:sp>
-        <p:nvSpPr>
-          <p:cNvPr id="25" name="TextBox 24">
-            <a:extLst>
-              <a:ext uri="{FF2B5EF4-FFF2-40B4-BE49-F238E27FC236}">
-                <a16:creationId xmlns:a16="http://schemas.microsoft.com/office/drawing/2014/main" id="{4B1CA78A-91DC-4A52-AF44-942BDF08B096}"/>
-              </a:ext>
-            </a:extLst>
-          </p:cNvPr>
-          <p:cNvSpPr txBox="1"/>
-          <p:nvPr/>
-        </p:nvSpPr>
-        <p:spPr>
-          <a:xfrm>
-            <a:off x="381551" y="6165546"/>
-            <a:ext cx="4492101" cy="369332"/>
-          </a:xfrm>
-          <a:prstGeom prst="rect">
-            <a:avLst/>
-          </a:prstGeom>
-          <a:noFill/>
-        </p:spPr>
-        <p:txBody>
-          <a:bodyPr wrap="square" rtlCol="0">
-            <a:spAutoFit/>
-          </a:bodyPr>
-          <a:lstStyle/>
-          <a:p>
-            <a:r>
-              <a:rPr lang="en-US" b="1" dirty="0"/>
-              <a:t>Cannot effectively predict future statistics</a:t>
-            </a:r>
-          </a:p>
-        </p:txBody>
-      </p:sp>
-    </p:spTree>
-    <p:extLst>
-      <p:ext uri="{BB962C8B-B14F-4D97-AF65-F5344CB8AC3E}">
-        <p14:creationId xmlns:p14="http://schemas.microsoft.com/office/powerpoint/2010/main" val="4215656960"/>
       </p:ext>
     </p:extLst>
   </p:cSld>

--- a/NBA Stat Anaylsis.pptx
+++ b/NBA Stat Anaylsis.pptx
@@ -8319,7 +8319,7 @@
           <a:p>
             <a:fld id="{FDCEAEFA-29E0-467B-93AE-941B01968ED2}" type="datetimeFigureOut">
               <a:rPr lang="en-US" smtClean="0"/>
-              <a:t>4/30/2019</a:t>
+              <a:t>5/1/2019</a:t>
             </a:fld>
             <a:endParaRPr lang="en-US"/>
           </a:p>
@@ -8517,7 +8517,7 @@
           <a:p>
             <a:fld id="{FDCEAEFA-29E0-467B-93AE-941B01968ED2}" type="datetimeFigureOut">
               <a:rPr lang="en-US" smtClean="0"/>
-              <a:t>4/30/2019</a:t>
+              <a:t>5/1/2019</a:t>
             </a:fld>
             <a:endParaRPr lang="en-US"/>
           </a:p>
@@ -8725,7 +8725,7 @@
           <a:p>
             <a:fld id="{FDCEAEFA-29E0-467B-93AE-941B01968ED2}" type="datetimeFigureOut">
               <a:rPr lang="en-US" smtClean="0"/>
-              <a:t>4/30/2019</a:t>
+              <a:t>5/1/2019</a:t>
             </a:fld>
             <a:endParaRPr lang="en-US"/>
           </a:p>
@@ -8923,7 +8923,7 @@
           <a:p>
             <a:fld id="{FDCEAEFA-29E0-467B-93AE-941B01968ED2}" type="datetimeFigureOut">
               <a:rPr lang="en-US" smtClean="0"/>
-              <a:t>4/30/2019</a:t>
+              <a:t>5/1/2019</a:t>
             </a:fld>
             <a:endParaRPr lang="en-US"/>
           </a:p>
@@ -9198,7 +9198,7 @@
           <a:p>
             <a:fld id="{FDCEAEFA-29E0-467B-93AE-941B01968ED2}" type="datetimeFigureOut">
               <a:rPr lang="en-US" smtClean="0"/>
-              <a:t>4/30/2019</a:t>
+              <a:t>5/1/2019</a:t>
             </a:fld>
             <a:endParaRPr lang="en-US"/>
           </a:p>
@@ -9463,7 +9463,7 @@
           <a:p>
             <a:fld id="{FDCEAEFA-29E0-467B-93AE-941B01968ED2}" type="datetimeFigureOut">
               <a:rPr lang="en-US" smtClean="0"/>
-              <a:t>4/30/2019</a:t>
+              <a:t>5/1/2019</a:t>
             </a:fld>
             <a:endParaRPr lang="en-US"/>
           </a:p>
@@ -9875,7 +9875,7 @@
           <a:p>
             <a:fld id="{FDCEAEFA-29E0-467B-93AE-941B01968ED2}" type="datetimeFigureOut">
               <a:rPr lang="en-US" smtClean="0"/>
-              <a:t>4/30/2019</a:t>
+              <a:t>5/1/2019</a:t>
             </a:fld>
             <a:endParaRPr lang="en-US"/>
           </a:p>
@@ -10016,7 +10016,7 @@
           <a:p>
             <a:fld id="{FDCEAEFA-29E0-467B-93AE-941B01968ED2}" type="datetimeFigureOut">
               <a:rPr lang="en-US" smtClean="0"/>
-              <a:t>4/30/2019</a:t>
+              <a:t>5/1/2019</a:t>
             </a:fld>
             <a:endParaRPr lang="en-US"/>
           </a:p>
@@ -10129,7 +10129,7 @@
           <a:p>
             <a:fld id="{FDCEAEFA-29E0-467B-93AE-941B01968ED2}" type="datetimeFigureOut">
               <a:rPr lang="en-US" smtClean="0"/>
-              <a:t>4/30/2019</a:t>
+              <a:t>5/1/2019</a:t>
             </a:fld>
             <a:endParaRPr lang="en-US"/>
           </a:p>
@@ -10440,7 +10440,7 @@
           <a:p>
             <a:fld id="{FDCEAEFA-29E0-467B-93AE-941B01968ED2}" type="datetimeFigureOut">
               <a:rPr lang="en-US" smtClean="0"/>
-              <a:t>4/30/2019</a:t>
+              <a:t>5/1/2019</a:t>
             </a:fld>
             <a:endParaRPr lang="en-US"/>
           </a:p>
@@ -10728,7 +10728,7 @@
           <a:p>
             <a:fld id="{FDCEAEFA-29E0-467B-93AE-941B01968ED2}" type="datetimeFigureOut">
               <a:rPr lang="en-US" smtClean="0"/>
-              <a:t>4/30/2019</a:t>
+              <a:t>5/1/2019</a:t>
             </a:fld>
             <a:endParaRPr lang="en-US"/>
           </a:p>
@@ -10969,7 +10969,7 @@
           <a:p>
             <a:fld id="{FDCEAEFA-29E0-467B-93AE-941B01968ED2}" type="datetimeFigureOut">
               <a:rPr lang="en-US" smtClean="0"/>
-              <a:t>4/30/2019</a:t>
+              <a:t>5/1/2019</a:t>
             </a:fld>
             <a:endParaRPr lang="en-US"/>
           </a:p>
@@ -12672,7 +12672,7 @@
           <a:p>
             <a:r>
               <a:rPr lang="en-US" dirty="0"/>
-              <a:t>The better results that we got were purely circumstantial  </a:t>
+              <a:t>The better results that we got were purely coincidental  </a:t>
             </a:r>
           </a:p>
         </p:txBody>
